--- a/presentation/IR Part.pptx
+++ b/presentation/IR Part.pptx
@@ -2,17 +2,13 @@
 <file path=ppt/presentation.xml><?xml version="1.0" encoding="utf-8"?>
 <p:presentation xmlns:a="http://schemas.openxmlformats.org/drawingml/2006/main" xmlns:r="http://schemas.openxmlformats.org/officeDocument/2006/relationships" xmlns:p="http://schemas.openxmlformats.org/presentationml/2006/main" saveSubsetFonts="1">
   <p:sldMasterIdLst>
-    <p:sldMasterId id="2147483660" r:id="rId1"/>
+    <p:sldMasterId id="2147483648" r:id="rId1"/>
   </p:sldMasterIdLst>
   <p:sldIdLst>
     <p:sldId id="256" r:id="rId2"/>
-    <p:sldId id="259" r:id="rId3"/>
-    <p:sldId id="260" r:id="rId4"/>
-    <p:sldId id="261" r:id="rId5"/>
-    <p:sldId id="262" r:id="rId6"/>
-    <p:sldId id="257" r:id="rId7"/>
+    <p:sldId id="257" r:id="rId3"/>
   </p:sldIdLst>
-  <p:sldSz cx="9144000" cy="6858000" type="screen4x3"/>
+  <p:sldSz cx="12192000" cy="6858000"/>
   <p:notesSz cx="6858000" cy="9144000"/>
   <p:defaultTextStyle>
     <a:defPPr>
@@ -141,8 +137,8 @@
         </p:nvSpPr>
         <p:spPr>
           <a:xfrm>
-            <a:off x="685800" y="1122363"/>
-            <a:ext cx="7772400" cy="2387600"/>
+            <a:off x="1524000" y="1122363"/>
+            <a:ext cx="9144000" cy="2387600"/>
           </a:xfrm>
         </p:spPr>
         <p:txBody>
@@ -157,7 +153,7 @@
               <a:rPr lang="en-US" smtClean="0"/>
               <a:t>Click to edit Master title style</a:t>
             </a:r>
-            <a:endParaRPr lang="en-US" dirty="0"/>
+            <a:endParaRPr lang="nl-NL"/>
           </a:p>
         </p:txBody>
       </p:sp>
@@ -173,8 +169,8 @@
         </p:nvSpPr>
         <p:spPr>
           <a:xfrm>
-            <a:off x="1143000" y="3602038"/>
-            <a:ext cx="6858000" cy="1655762"/>
+            <a:off x="1524000" y="3602038"/>
+            <a:ext cx="9144000" cy="1655762"/>
           </a:xfrm>
         </p:spPr>
         <p:txBody>
@@ -222,7 +218,7 @@
               <a:rPr lang="en-US" smtClean="0"/>
               <a:t>Click to edit Master subtitle style</a:t>
             </a:r>
-            <a:endParaRPr lang="en-US" dirty="0"/>
+            <a:endParaRPr lang="nl-NL"/>
           </a:p>
         </p:txBody>
       </p:sp>
@@ -241,9 +237,9 @@
           <a:bodyPr/>
           <a:lstStyle/>
           <a:p>
-            <a:fld id="{4BD81EF2-07A7-48E3-ABB6-E1B2B12658CB}" type="datetimeFigureOut">
+            <a:fld id="{281B025E-3A30-4319-B3CF-F1D1557FB600}" type="datetimeFigureOut">
               <a:rPr lang="nl-NL" smtClean="0"/>
-              <a:t>1-4-2015</a:t>
+              <a:t>6-4-2015</a:t>
             </a:fld>
             <a:endParaRPr lang="nl-NL"/>
           </a:p>
@@ -283,7 +279,7 @@
           <a:bodyPr/>
           <a:lstStyle/>
           <a:p>
-            <a:fld id="{663DBB7E-10C9-4459-9F6E-FC73C0FE175F}" type="slidenum">
+            <a:fld id="{8A53DF1C-F384-46DF-BA84-FF29ADD2C056}" type="slidenum">
               <a:rPr lang="nl-NL" smtClean="0"/>
               <a:t>‹#›</a:t>
             </a:fld>
@@ -294,7 +290,7 @@
     </p:spTree>
     <p:extLst>
       <p:ext uri="{BB962C8B-B14F-4D97-AF65-F5344CB8AC3E}">
-        <p14:creationId xmlns:p14="http://schemas.microsoft.com/office/powerpoint/2010/main" val="3144696895"/>
+        <p14:creationId xmlns:p14="http://schemas.microsoft.com/office/powerpoint/2010/main" val="3972160675"/>
       </p:ext>
     </p:extLst>
   </p:cSld>
@@ -340,7 +336,7 @@
               <a:rPr lang="en-US" smtClean="0"/>
               <a:t>Click to edit Master title style</a:t>
             </a:r>
-            <a:endParaRPr lang="en-US" dirty="0"/>
+            <a:endParaRPr lang="nl-NL"/>
           </a:p>
         </p:txBody>
       </p:sp>
@@ -392,7 +388,7 @@
               <a:rPr lang="en-US" smtClean="0"/>
               <a:t>Fifth level</a:t>
             </a:r>
-            <a:endParaRPr lang="en-US" dirty="0"/>
+            <a:endParaRPr lang="nl-NL"/>
           </a:p>
         </p:txBody>
       </p:sp>
@@ -411,9 +407,9 @@
           <a:bodyPr/>
           <a:lstStyle/>
           <a:p>
-            <a:fld id="{4BD81EF2-07A7-48E3-ABB6-E1B2B12658CB}" type="datetimeFigureOut">
+            <a:fld id="{281B025E-3A30-4319-B3CF-F1D1557FB600}" type="datetimeFigureOut">
               <a:rPr lang="nl-NL" smtClean="0"/>
-              <a:t>1-4-2015</a:t>
+              <a:t>6-4-2015</a:t>
             </a:fld>
             <a:endParaRPr lang="nl-NL"/>
           </a:p>
@@ -453,7 +449,7 @@
           <a:bodyPr/>
           <a:lstStyle/>
           <a:p>
-            <a:fld id="{663DBB7E-10C9-4459-9F6E-FC73C0FE175F}" type="slidenum">
+            <a:fld id="{8A53DF1C-F384-46DF-BA84-FF29ADD2C056}" type="slidenum">
               <a:rPr lang="nl-NL" smtClean="0"/>
               <a:t>‹#›</a:t>
             </a:fld>
@@ -464,7 +460,7 @@
     </p:spTree>
     <p:extLst>
       <p:ext uri="{BB962C8B-B14F-4D97-AF65-F5344CB8AC3E}">
-        <p14:creationId xmlns:p14="http://schemas.microsoft.com/office/powerpoint/2010/main" val="734233915"/>
+        <p14:creationId xmlns:p14="http://schemas.microsoft.com/office/powerpoint/2010/main" val="873964915"/>
       </p:ext>
     </p:extLst>
   </p:cSld>
@@ -503,8 +499,8 @@
         </p:nvSpPr>
         <p:spPr>
           <a:xfrm>
-            <a:off x="6543675" y="365125"/>
-            <a:ext cx="1971675" cy="5811838"/>
+            <a:off x="8724900" y="365125"/>
+            <a:ext cx="2628900" cy="5811838"/>
           </a:xfrm>
         </p:spPr>
         <p:txBody>
@@ -515,7 +511,7 @@
               <a:rPr lang="en-US" smtClean="0"/>
               <a:t>Click to edit Master title style</a:t>
             </a:r>
-            <a:endParaRPr lang="en-US" dirty="0"/>
+            <a:endParaRPr lang="nl-NL"/>
           </a:p>
         </p:txBody>
       </p:sp>
@@ -531,8 +527,8 @@
         </p:nvSpPr>
         <p:spPr>
           <a:xfrm>
-            <a:off x="628650" y="365125"/>
-            <a:ext cx="5800725" cy="5811838"/>
+            <a:off x="838200" y="365125"/>
+            <a:ext cx="7734300" cy="5811838"/>
           </a:xfrm>
         </p:spPr>
         <p:txBody>
@@ -572,7 +568,7 @@
               <a:rPr lang="en-US" smtClean="0"/>
               <a:t>Fifth level</a:t>
             </a:r>
-            <a:endParaRPr lang="en-US" dirty="0"/>
+            <a:endParaRPr lang="nl-NL"/>
           </a:p>
         </p:txBody>
       </p:sp>
@@ -591,9 +587,9 @@
           <a:bodyPr/>
           <a:lstStyle/>
           <a:p>
-            <a:fld id="{4BD81EF2-07A7-48E3-ABB6-E1B2B12658CB}" type="datetimeFigureOut">
+            <a:fld id="{281B025E-3A30-4319-B3CF-F1D1557FB600}" type="datetimeFigureOut">
               <a:rPr lang="nl-NL" smtClean="0"/>
-              <a:t>1-4-2015</a:t>
+              <a:t>6-4-2015</a:t>
             </a:fld>
             <a:endParaRPr lang="nl-NL"/>
           </a:p>
@@ -633,7 +629,7 @@
           <a:bodyPr/>
           <a:lstStyle/>
           <a:p>
-            <a:fld id="{663DBB7E-10C9-4459-9F6E-FC73C0FE175F}" type="slidenum">
+            <a:fld id="{8A53DF1C-F384-46DF-BA84-FF29ADD2C056}" type="slidenum">
               <a:rPr lang="nl-NL" smtClean="0"/>
               <a:t>‹#›</a:t>
             </a:fld>
@@ -644,7 +640,7 @@
     </p:spTree>
     <p:extLst>
       <p:ext uri="{BB962C8B-B14F-4D97-AF65-F5344CB8AC3E}">
-        <p14:creationId xmlns:p14="http://schemas.microsoft.com/office/powerpoint/2010/main" val="828239735"/>
+        <p14:creationId xmlns:p14="http://schemas.microsoft.com/office/powerpoint/2010/main" val="2947412313"/>
       </p:ext>
     </p:extLst>
   </p:cSld>
@@ -690,7 +686,7 @@
               <a:rPr lang="en-US" smtClean="0"/>
               <a:t>Click to edit Master title style</a:t>
             </a:r>
-            <a:endParaRPr lang="en-US" dirty="0"/>
+            <a:endParaRPr lang="nl-NL"/>
           </a:p>
         </p:txBody>
       </p:sp>
@@ -742,7 +738,7 @@
               <a:rPr lang="en-US" smtClean="0"/>
               <a:t>Fifth level</a:t>
             </a:r>
-            <a:endParaRPr lang="en-US" dirty="0"/>
+            <a:endParaRPr lang="nl-NL"/>
           </a:p>
         </p:txBody>
       </p:sp>
@@ -761,9 +757,9 @@
           <a:bodyPr/>
           <a:lstStyle/>
           <a:p>
-            <a:fld id="{4BD81EF2-07A7-48E3-ABB6-E1B2B12658CB}" type="datetimeFigureOut">
+            <a:fld id="{281B025E-3A30-4319-B3CF-F1D1557FB600}" type="datetimeFigureOut">
               <a:rPr lang="nl-NL" smtClean="0"/>
-              <a:t>1-4-2015</a:t>
+              <a:t>6-4-2015</a:t>
             </a:fld>
             <a:endParaRPr lang="nl-NL"/>
           </a:p>
@@ -803,7 +799,7 @@
           <a:bodyPr/>
           <a:lstStyle/>
           <a:p>
-            <a:fld id="{663DBB7E-10C9-4459-9F6E-FC73C0FE175F}" type="slidenum">
+            <a:fld id="{8A53DF1C-F384-46DF-BA84-FF29ADD2C056}" type="slidenum">
               <a:rPr lang="nl-NL" smtClean="0"/>
               <a:t>‹#›</a:t>
             </a:fld>
@@ -814,7 +810,7 @@
     </p:spTree>
     <p:extLst>
       <p:ext uri="{BB962C8B-B14F-4D97-AF65-F5344CB8AC3E}">
-        <p14:creationId xmlns:p14="http://schemas.microsoft.com/office/powerpoint/2010/main" val="2558071643"/>
+        <p14:creationId xmlns:p14="http://schemas.microsoft.com/office/powerpoint/2010/main" val="2607155376"/>
       </p:ext>
     </p:extLst>
   </p:cSld>
@@ -853,8 +849,8 @@
         </p:nvSpPr>
         <p:spPr>
           <a:xfrm>
-            <a:off x="623888" y="1709739"/>
-            <a:ext cx="7886700" cy="2852737"/>
+            <a:off x="831850" y="1709738"/>
+            <a:ext cx="10515600" cy="2852737"/>
           </a:xfrm>
         </p:spPr>
         <p:txBody>
@@ -869,7 +865,7 @@
               <a:rPr lang="en-US" smtClean="0"/>
               <a:t>Click to edit Master title style</a:t>
             </a:r>
-            <a:endParaRPr lang="en-US" dirty="0"/>
+            <a:endParaRPr lang="nl-NL"/>
           </a:p>
         </p:txBody>
       </p:sp>
@@ -885,8 +881,8 @@
         </p:nvSpPr>
         <p:spPr>
           <a:xfrm>
-            <a:off x="623888" y="4589464"/>
-            <a:ext cx="7886700" cy="1500187"/>
+            <a:off x="831850" y="4589463"/>
+            <a:ext cx="10515600" cy="1500187"/>
           </a:xfrm>
         </p:spPr>
         <p:txBody>
@@ -896,41 +892,33 @@
               <a:buNone/>
               <a:defRPr sz="2400">
                 <a:solidFill>
-                  <a:schemeClr val="tx1"/>
-                </a:solidFill>
-              </a:defRPr>
-            </a:lvl1pPr>
-            <a:lvl2pPr marL="457200" indent="0">
-              <a:buNone/>
-              <a:defRPr sz="2000">
-                <a:solidFill>
                   <a:schemeClr val="tx1">
                     <a:tint val="75000"/>
                   </a:schemeClr>
                 </a:solidFill>
               </a:defRPr>
-            </a:lvl2pPr>
-            <a:lvl3pPr marL="914400" indent="0">
-              <a:buNone/>
-              <a:defRPr sz="1800">
+            </a:lvl1pPr>
+            <a:lvl2pPr marL="457200" indent="0">
+              <a:buNone/>
+              <a:defRPr sz="2000">
                 <a:solidFill>
                   <a:schemeClr val="tx1">
                     <a:tint val="75000"/>
                   </a:schemeClr>
                 </a:solidFill>
               </a:defRPr>
-            </a:lvl3pPr>
-            <a:lvl4pPr marL="1371600" indent="0">
-              <a:buNone/>
-              <a:defRPr sz="1600">
+            </a:lvl2pPr>
+            <a:lvl3pPr marL="914400" indent="0">
+              <a:buNone/>
+              <a:defRPr sz="1800">
                 <a:solidFill>
                   <a:schemeClr val="tx1">
                     <a:tint val="75000"/>
                   </a:schemeClr>
                 </a:solidFill>
               </a:defRPr>
-            </a:lvl4pPr>
-            <a:lvl5pPr marL="1828800" indent="0">
+            </a:lvl3pPr>
+            <a:lvl4pPr marL="1371600" indent="0">
               <a:buNone/>
               <a:defRPr sz="1600">
                 <a:solidFill>
@@ -939,8 +927,8 @@
                   </a:schemeClr>
                 </a:solidFill>
               </a:defRPr>
-            </a:lvl5pPr>
-            <a:lvl6pPr marL="2286000" indent="0">
+            </a:lvl4pPr>
+            <a:lvl5pPr marL="1828800" indent="0">
               <a:buNone/>
               <a:defRPr sz="1600">
                 <a:solidFill>
@@ -949,8 +937,8 @@
                   </a:schemeClr>
                 </a:solidFill>
               </a:defRPr>
-            </a:lvl6pPr>
-            <a:lvl7pPr marL="2743200" indent="0">
+            </a:lvl5pPr>
+            <a:lvl6pPr marL="2286000" indent="0">
               <a:buNone/>
               <a:defRPr sz="1600">
                 <a:solidFill>
@@ -959,8 +947,8 @@
                   </a:schemeClr>
                 </a:solidFill>
               </a:defRPr>
-            </a:lvl7pPr>
-            <a:lvl8pPr marL="3200400" indent="0">
+            </a:lvl6pPr>
+            <a:lvl7pPr marL="2743200" indent="0">
               <a:buNone/>
               <a:defRPr sz="1600">
                 <a:solidFill>
@@ -969,8 +957,8 @@
                   </a:schemeClr>
                 </a:solidFill>
               </a:defRPr>
-            </a:lvl8pPr>
-            <a:lvl9pPr marL="3657600" indent="0">
+            </a:lvl7pPr>
+            <a:lvl8pPr marL="3200400" indent="0">
               <a:buNone/>
               <a:defRPr sz="1600">
                 <a:solidFill>
@@ -979,6 +967,16 @@
                   </a:schemeClr>
                 </a:solidFill>
               </a:defRPr>
+            </a:lvl8pPr>
+            <a:lvl9pPr marL="3657600" indent="0">
+              <a:buNone/>
+              <a:defRPr sz="1600">
+                <a:solidFill>
+                  <a:schemeClr val="tx1">
+                    <a:tint val="75000"/>
+                  </a:schemeClr>
+                </a:solidFill>
+              </a:defRPr>
             </a:lvl9pPr>
           </a:lstStyle>
           <a:p>
@@ -1005,9 +1003,9 @@
           <a:bodyPr/>
           <a:lstStyle/>
           <a:p>
-            <a:fld id="{4BD81EF2-07A7-48E3-ABB6-E1B2B12658CB}" type="datetimeFigureOut">
+            <a:fld id="{281B025E-3A30-4319-B3CF-F1D1557FB600}" type="datetimeFigureOut">
               <a:rPr lang="nl-NL" smtClean="0"/>
-              <a:t>1-4-2015</a:t>
+              <a:t>6-4-2015</a:t>
             </a:fld>
             <a:endParaRPr lang="nl-NL"/>
           </a:p>
@@ -1047,7 +1045,7 @@
           <a:bodyPr/>
           <a:lstStyle/>
           <a:p>
-            <a:fld id="{663DBB7E-10C9-4459-9F6E-FC73C0FE175F}" type="slidenum">
+            <a:fld id="{8A53DF1C-F384-46DF-BA84-FF29ADD2C056}" type="slidenum">
               <a:rPr lang="nl-NL" smtClean="0"/>
               <a:t>‹#›</a:t>
             </a:fld>
@@ -1058,7 +1056,7 @@
     </p:spTree>
     <p:extLst>
       <p:ext uri="{BB962C8B-B14F-4D97-AF65-F5344CB8AC3E}">
-        <p14:creationId xmlns:p14="http://schemas.microsoft.com/office/powerpoint/2010/main" val="1746093203"/>
+        <p14:creationId xmlns:p14="http://schemas.microsoft.com/office/powerpoint/2010/main" val="4234139882"/>
       </p:ext>
     </p:extLst>
   </p:cSld>
@@ -1104,7 +1102,7 @@
               <a:rPr lang="en-US" smtClean="0"/>
               <a:t>Click to edit Master title style</a:t>
             </a:r>
-            <a:endParaRPr lang="en-US" dirty="0"/>
+            <a:endParaRPr lang="nl-NL"/>
           </a:p>
         </p:txBody>
       </p:sp>
@@ -1120,8 +1118,8 @@
         </p:nvSpPr>
         <p:spPr>
           <a:xfrm>
-            <a:off x="628650" y="1825625"/>
-            <a:ext cx="3886200" cy="4351338"/>
+            <a:off x="838200" y="1825625"/>
+            <a:ext cx="5181600" cy="4351338"/>
           </a:xfrm>
         </p:spPr>
         <p:txBody>
@@ -1161,7 +1159,7 @@
               <a:rPr lang="en-US" smtClean="0"/>
               <a:t>Fifth level</a:t>
             </a:r>
-            <a:endParaRPr lang="en-US" dirty="0"/>
+            <a:endParaRPr lang="nl-NL"/>
           </a:p>
         </p:txBody>
       </p:sp>
@@ -1177,8 +1175,8 @@
         </p:nvSpPr>
         <p:spPr>
           <a:xfrm>
-            <a:off x="4629150" y="1825625"/>
-            <a:ext cx="3886200" cy="4351338"/>
+            <a:off x="6172200" y="1825625"/>
+            <a:ext cx="5181600" cy="4351338"/>
           </a:xfrm>
         </p:spPr>
         <p:txBody>
@@ -1218,7 +1216,7 @@
               <a:rPr lang="en-US" smtClean="0"/>
               <a:t>Fifth level</a:t>
             </a:r>
-            <a:endParaRPr lang="en-US" dirty="0"/>
+            <a:endParaRPr lang="nl-NL"/>
           </a:p>
         </p:txBody>
       </p:sp>
@@ -1237,9 +1235,9 @@
           <a:bodyPr/>
           <a:lstStyle/>
           <a:p>
-            <a:fld id="{4BD81EF2-07A7-48E3-ABB6-E1B2B12658CB}" type="datetimeFigureOut">
+            <a:fld id="{281B025E-3A30-4319-B3CF-F1D1557FB600}" type="datetimeFigureOut">
               <a:rPr lang="nl-NL" smtClean="0"/>
-              <a:t>1-4-2015</a:t>
+              <a:t>6-4-2015</a:t>
             </a:fld>
             <a:endParaRPr lang="nl-NL"/>
           </a:p>
@@ -1279,7 +1277,7 @@
           <a:bodyPr/>
           <a:lstStyle/>
           <a:p>
-            <a:fld id="{663DBB7E-10C9-4459-9F6E-FC73C0FE175F}" type="slidenum">
+            <a:fld id="{8A53DF1C-F384-46DF-BA84-FF29ADD2C056}" type="slidenum">
               <a:rPr lang="nl-NL" smtClean="0"/>
               <a:t>‹#›</a:t>
             </a:fld>
@@ -1290,7 +1288,7 @@
     </p:spTree>
     <p:extLst>
       <p:ext uri="{BB962C8B-B14F-4D97-AF65-F5344CB8AC3E}">
-        <p14:creationId xmlns:p14="http://schemas.microsoft.com/office/powerpoint/2010/main" val="3354609545"/>
+        <p14:creationId xmlns:p14="http://schemas.microsoft.com/office/powerpoint/2010/main" val="1369408687"/>
       </p:ext>
     </p:extLst>
   </p:cSld>
@@ -1329,8 +1327,8 @@
         </p:nvSpPr>
         <p:spPr>
           <a:xfrm>
-            <a:off x="629841" y="365126"/>
-            <a:ext cx="7886700" cy="1325563"/>
+            <a:off x="839788" y="365125"/>
+            <a:ext cx="10515600" cy="1325563"/>
           </a:xfrm>
         </p:spPr>
         <p:txBody>
@@ -1341,7 +1339,7 @@
               <a:rPr lang="en-US" smtClean="0"/>
               <a:t>Click to edit Master title style</a:t>
             </a:r>
-            <a:endParaRPr lang="en-US" dirty="0"/>
+            <a:endParaRPr lang="nl-NL"/>
           </a:p>
         </p:txBody>
       </p:sp>
@@ -1357,8 +1355,8 @@
         </p:nvSpPr>
         <p:spPr>
           <a:xfrm>
-            <a:off x="629842" y="1681163"/>
-            <a:ext cx="3868340" cy="823912"/>
+            <a:off x="839788" y="1681163"/>
+            <a:ext cx="5157787" cy="823912"/>
           </a:xfrm>
         </p:spPr>
         <p:txBody>
@@ -1422,8 +1420,8 @@
         </p:nvSpPr>
         <p:spPr>
           <a:xfrm>
-            <a:off x="629842" y="2505075"/>
-            <a:ext cx="3868340" cy="3684588"/>
+            <a:off x="839788" y="2505075"/>
+            <a:ext cx="5157787" cy="3684588"/>
           </a:xfrm>
         </p:spPr>
         <p:txBody>
@@ -1463,7 +1461,7 @@
               <a:rPr lang="en-US" smtClean="0"/>
               <a:t>Fifth level</a:t>
             </a:r>
-            <a:endParaRPr lang="en-US" dirty="0"/>
+            <a:endParaRPr lang="nl-NL"/>
           </a:p>
         </p:txBody>
       </p:sp>
@@ -1479,8 +1477,8 @@
         </p:nvSpPr>
         <p:spPr>
           <a:xfrm>
-            <a:off x="4629150" y="1681163"/>
-            <a:ext cx="3887391" cy="823912"/>
+            <a:off x="6172200" y="1681163"/>
+            <a:ext cx="5183188" cy="823912"/>
           </a:xfrm>
         </p:spPr>
         <p:txBody>
@@ -1544,8 +1542,8 @@
         </p:nvSpPr>
         <p:spPr>
           <a:xfrm>
-            <a:off x="4629150" y="2505075"/>
-            <a:ext cx="3887391" cy="3684588"/>
+            <a:off x="6172200" y="2505075"/>
+            <a:ext cx="5183188" cy="3684588"/>
           </a:xfrm>
         </p:spPr>
         <p:txBody>
@@ -1585,7 +1583,7 @@
               <a:rPr lang="en-US" smtClean="0"/>
               <a:t>Fifth level</a:t>
             </a:r>
-            <a:endParaRPr lang="en-US" dirty="0"/>
+            <a:endParaRPr lang="nl-NL"/>
           </a:p>
         </p:txBody>
       </p:sp>
@@ -1604,9 +1602,9 @@
           <a:bodyPr/>
           <a:lstStyle/>
           <a:p>
-            <a:fld id="{4BD81EF2-07A7-48E3-ABB6-E1B2B12658CB}" type="datetimeFigureOut">
+            <a:fld id="{281B025E-3A30-4319-B3CF-F1D1557FB600}" type="datetimeFigureOut">
               <a:rPr lang="nl-NL" smtClean="0"/>
-              <a:t>1-4-2015</a:t>
+              <a:t>6-4-2015</a:t>
             </a:fld>
             <a:endParaRPr lang="nl-NL"/>
           </a:p>
@@ -1646,7 +1644,7 @@
           <a:bodyPr/>
           <a:lstStyle/>
           <a:p>
-            <a:fld id="{663DBB7E-10C9-4459-9F6E-FC73C0FE175F}" type="slidenum">
+            <a:fld id="{8A53DF1C-F384-46DF-BA84-FF29ADD2C056}" type="slidenum">
               <a:rPr lang="nl-NL" smtClean="0"/>
               <a:t>‹#›</a:t>
             </a:fld>
@@ -1657,7 +1655,7 @@
     </p:spTree>
     <p:extLst>
       <p:ext uri="{BB962C8B-B14F-4D97-AF65-F5344CB8AC3E}">
-        <p14:creationId xmlns:p14="http://schemas.microsoft.com/office/powerpoint/2010/main" val="1129947637"/>
+        <p14:creationId xmlns:p14="http://schemas.microsoft.com/office/powerpoint/2010/main" val="2740703077"/>
       </p:ext>
     </p:extLst>
   </p:cSld>
@@ -1703,7 +1701,7 @@
               <a:rPr lang="en-US" smtClean="0"/>
               <a:t>Click to edit Master title style</a:t>
             </a:r>
-            <a:endParaRPr lang="en-US" dirty="0"/>
+            <a:endParaRPr lang="nl-NL"/>
           </a:p>
         </p:txBody>
       </p:sp>
@@ -1722,9 +1720,9 @@
           <a:bodyPr/>
           <a:lstStyle/>
           <a:p>
-            <a:fld id="{4BD81EF2-07A7-48E3-ABB6-E1B2B12658CB}" type="datetimeFigureOut">
+            <a:fld id="{281B025E-3A30-4319-B3CF-F1D1557FB600}" type="datetimeFigureOut">
               <a:rPr lang="nl-NL" smtClean="0"/>
-              <a:t>1-4-2015</a:t>
+              <a:t>6-4-2015</a:t>
             </a:fld>
             <a:endParaRPr lang="nl-NL"/>
           </a:p>
@@ -1764,7 +1762,7 @@
           <a:bodyPr/>
           <a:lstStyle/>
           <a:p>
-            <a:fld id="{663DBB7E-10C9-4459-9F6E-FC73C0FE175F}" type="slidenum">
+            <a:fld id="{8A53DF1C-F384-46DF-BA84-FF29ADD2C056}" type="slidenum">
               <a:rPr lang="nl-NL" smtClean="0"/>
               <a:t>‹#›</a:t>
             </a:fld>
@@ -1775,7 +1773,7 @@
     </p:spTree>
     <p:extLst>
       <p:ext uri="{BB962C8B-B14F-4D97-AF65-F5344CB8AC3E}">
-        <p14:creationId xmlns:p14="http://schemas.microsoft.com/office/powerpoint/2010/main" val="250539306"/>
+        <p14:creationId xmlns:p14="http://schemas.microsoft.com/office/powerpoint/2010/main" val="2647386855"/>
       </p:ext>
     </p:extLst>
   </p:cSld>
@@ -1817,9 +1815,9 @@
           <a:bodyPr/>
           <a:lstStyle/>
           <a:p>
-            <a:fld id="{4BD81EF2-07A7-48E3-ABB6-E1B2B12658CB}" type="datetimeFigureOut">
+            <a:fld id="{281B025E-3A30-4319-B3CF-F1D1557FB600}" type="datetimeFigureOut">
               <a:rPr lang="nl-NL" smtClean="0"/>
-              <a:t>1-4-2015</a:t>
+              <a:t>6-4-2015</a:t>
             </a:fld>
             <a:endParaRPr lang="nl-NL"/>
           </a:p>
@@ -1859,7 +1857,7 @@
           <a:bodyPr/>
           <a:lstStyle/>
           <a:p>
-            <a:fld id="{663DBB7E-10C9-4459-9F6E-FC73C0FE175F}" type="slidenum">
+            <a:fld id="{8A53DF1C-F384-46DF-BA84-FF29ADD2C056}" type="slidenum">
               <a:rPr lang="nl-NL" smtClean="0"/>
               <a:t>‹#›</a:t>
             </a:fld>
@@ -1870,7 +1868,7 @@
     </p:spTree>
     <p:extLst>
       <p:ext uri="{BB962C8B-B14F-4D97-AF65-F5344CB8AC3E}">
-        <p14:creationId xmlns:p14="http://schemas.microsoft.com/office/powerpoint/2010/main" val="2710005405"/>
+        <p14:creationId xmlns:p14="http://schemas.microsoft.com/office/powerpoint/2010/main" val="3948922876"/>
       </p:ext>
     </p:extLst>
   </p:cSld>
@@ -1909,8 +1907,8 @@
         </p:nvSpPr>
         <p:spPr>
           <a:xfrm>
-            <a:off x="629841" y="457200"/>
-            <a:ext cx="2949178" cy="1600200"/>
+            <a:off x="839788" y="457200"/>
+            <a:ext cx="3932237" cy="1600200"/>
           </a:xfrm>
         </p:spPr>
         <p:txBody>
@@ -1925,7 +1923,7 @@
               <a:rPr lang="en-US" smtClean="0"/>
               <a:t>Click to edit Master title style</a:t>
             </a:r>
-            <a:endParaRPr lang="en-US" dirty="0"/>
+            <a:endParaRPr lang="nl-NL"/>
           </a:p>
         </p:txBody>
       </p:sp>
@@ -1941,8 +1939,8 @@
         </p:nvSpPr>
         <p:spPr>
           <a:xfrm>
-            <a:off x="3887391" y="987426"/>
-            <a:ext cx="4629150" cy="4873625"/>
+            <a:off x="5183188" y="987425"/>
+            <a:ext cx="6172200" cy="4873625"/>
           </a:xfrm>
         </p:spPr>
         <p:txBody>
@@ -2010,7 +2008,7 @@
               <a:rPr lang="en-US" smtClean="0"/>
               <a:t>Fifth level</a:t>
             </a:r>
-            <a:endParaRPr lang="en-US" dirty="0"/>
+            <a:endParaRPr lang="nl-NL"/>
           </a:p>
         </p:txBody>
       </p:sp>
@@ -2026,8 +2024,8 @@
         </p:nvSpPr>
         <p:spPr>
           <a:xfrm>
-            <a:off x="629841" y="2057400"/>
-            <a:ext cx="2949178" cy="3811588"/>
+            <a:off x="839788" y="2057400"/>
+            <a:ext cx="3932237" cy="3811588"/>
           </a:xfrm>
         </p:spPr>
         <p:txBody>
@@ -2094,9 +2092,9 @@
           <a:bodyPr/>
           <a:lstStyle/>
           <a:p>
-            <a:fld id="{4BD81EF2-07A7-48E3-ABB6-E1B2B12658CB}" type="datetimeFigureOut">
+            <a:fld id="{281B025E-3A30-4319-B3CF-F1D1557FB600}" type="datetimeFigureOut">
               <a:rPr lang="nl-NL" smtClean="0"/>
-              <a:t>1-4-2015</a:t>
+              <a:t>6-4-2015</a:t>
             </a:fld>
             <a:endParaRPr lang="nl-NL"/>
           </a:p>
@@ -2136,7 +2134,7 @@
           <a:bodyPr/>
           <a:lstStyle/>
           <a:p>
-            <a:fld id="{663DBB7E-10C9-4459-9F6E-FC73C0FE175F}" type="slidenum">
+            <a:fld id="{8A53DF1C-F384-46DF-BA84-FF29ADD2C056}" type="slidenum">
               <a:rPr lang="nl-NL" smtClean="0"/>
               <a:t>‹#›</a:t>
             </a:fld>
@@ -2147,7 +2145,7 @@
     </p:spTree>
     <p:extLst>
       <p:ext uri="{BB962C8B-B14F-4D97-AF65-F5344CB8AC3E}">
-        <p14:creationId xmlns:p14="http://schemas.microsoft.com/office/powerpoint/2010/main" val="3729287017"/>
+        <p14:creationId xmlns:p14="http://schemas.microsoft.com/office/powerpoint/2010/main" val="4103534267"/>
       </p:ext>
     </p:extLst>
   </p:cSld>
@@ -2186,8 +2184,8 @@
         </p:nvSpPr>
         <p:spPr>
           <a:xfrm>
-            <a:off x="629841" y="457200"/>
-            <a:ext cx="2949178" cy="1600200"/>
+            <a:off x="839788" y="457200"/>
+            <a:ext cx="3932237" cy="1600200"/>
           </a:xfrm>
         </p:spPr>
         <p:txBody>
@@ -2202,7 +2200,7 @@
               <a:rPr lang="en-US" smtClean="0"/>
               <a:t>Click to edit Master title style</a:t>
             </a:r>
-            <a:endParaRPr lang="en-US" dirty="0"/>
+            <a:endParaRPr lang="nl-NL"/>
           </a:p>
         </p:txBody>
       </p:sp>
@@ -2210,7 +2208,7 @@
         <p:nvSpPr>
           <p:cNvPr id="3" name="Picture Placeholder 2"/>
           <p:cNvSpPr>
-            <a:spLocks noGrp="1" noChangeAspect="1"/>
+            <a:spLocks noGrp="1"/>
           </p:cNvSpPr>
           <p:nvPr>
             <p:ph type="pic" idx="1"/>
@@ -2218,12 +2216,12 @@
         </p:nvSpPr>
         <p:spPr>
           <a:xfrm>
-            <a:off x="3887391" y="987426"/>
-            <a:ext cx="4629150" cy="4873625"/>
-          </a:xfrm>
-        </p:spPr>
-        <p:txBody>
-          <a:bodyPr anchor="t"/>
+            <a:off x="5183188" y="987425"/>
+            <a:ext cx="6172200" cy="4873625"/>
+          </a:xfrm>
+        </p:spPr>
+        <p:txBody>
+          <a:bodyPr/>
           <a:lstStyle>
             <a:lvl1pPr marL="0" indent="0">
               <a:buNone/>
@@ -2263,11 +2261,7 @@
             </a:lvl9pPr>
           </a:lstStyle>
           <a:p>
-            <a:r>
-              <a:rPr lang="en-US" smtClean="0"/>
-              <a:t>Click icon to add picture</a:t>
-            </a:r>
-            <a:endParaRPr lang="en-US" dirty="0"/>
+            <a:endParaRPr lang="nl-NL"/>
           </a:p>
         </p:txBody>
       </p:sp>
@@ -2283,8 +2277,8 @@
         </p:nvSpPr>
         <p:spPr>
           <a:xfrm>
-            <a:off x="629841" y="2057400"/>
-            <a:ext cx="2949178" cy="3811588"/>
+            <a:off x="839788" y="2057400"/>
+            <a:ext cx="3932237" cy="3811588"/>
           </a:xfrm>
         </p:spPr>
         <p:txBody>
@@ -2351,9 +2345,9 @@
           <a:bodyPr/>
           <a:lstStyle/>
           <a:p>
-            <a:fld id="{4BD81EF2-07A7-48E3-ABB6-E1B2B12658CB}" type="datetimeFigureOut">
+            <a:fld id="{281B025E-3A30-4319-B3CF-F1D1557FB600}" type="datetimeFigureOut">
               <a:rPr lang="nl-NL" smtClean="0"/>
-              <a:t>1-4-2015</a:t>
+              <a:t>6-4-2015</a:t>
             </a:fld>
             <a:endParaRPr lang="nl-NL"/>
           </a:p>
@@ -2393,7 +2387,7 @@
           <a:bodyPr/>
           <a:lstStyle/>
           <a:p>
-            <a:fld id="{663DBB7E-10C9-4459-9F6E-FC73C0FE175F}" type="slidenum">
+            <a:fld id="{8A53DF1C-F384-46DF-BA84-FF29ADD2C056}" type="slidenum">
               <a:rPr lang="nl-NL" smtClean="0"/>
               <a:t>‹#›</a:t>
             </a:fld>
@@ -2404,7 +2398,7 @@
     </p:spTree>
     <p:extLst>
       <p:ext uri="{BB962C8B-B14F-4D97-AF65-F5344CB8AC3E}">
-        <p14:creationId xmlns:p14="http://schemas.microsoft.com/office/powerpoint/2010/main" val="2480943954"/>
+        <p14:creationId xmlns:p14="http://schemas.microsoft.com/office/powerpoint/2010/main" val="1043571575"/>
       </p:ext>
     </p:extLst>
   </p:cSld>
@@ -2448,8 +2442,8 @@
         </p:nvSpPr>
         <p:spPr>
           <a:xfrm>
-            <a:off x="628650" y="365126"/>
-            <a:ext cx="7886700" cy="1325563"/>
+            <a:off x="838200" y="365125"/>
+            <a:ext cx="10515600" cy="1325563"/>
           </a:xfrm>
           <a:prstGeom prst="rect">
             <a:avLst/>
@@ -2465,7 +2459,7 @@
               <a:rPr lang="en-US" smtClean="0"/>
               <a:t>Click to edit Master title style</a:t>
             </a:r>
-            <a:endParaRPr lang="en-US" dirty="0"/>
+            <a:endParaRPr lang="nl-NL"/>
           </a:p>
         </p:txBody>
       </p:sp>
@@ -2481,8 +2475,8 @@
         </p:nvSpPr>
         <p:spPr>
           <a:xfrm>
-            <a:off x="628650" y="1825625"/>
-            <a:ext cx="7886700" cy="4351338"/>
+            <a:off x="838200" y="1825625"/>
+            <a:ext cx="10515600" cy="4351338"/>
           </a:xfrm>
           <a:prstGeom prst="rect">
             <a:avLst/>
@@ -2527,7 +2521,7 @@
               <a:rPr lang="en-US" smtClean="0"/>
               <a:t>Fifth level</a:t>
             </a:r>
-            <a:endParaRPr lang="en-US" dirty="0"/>
+            <a:endParaRPr lang="nl-NL"/>
           </a:p>
         </p:txBody>
       </p:sp>
@@ -2543,8 +2537,8 @@
         </p:nvSpPr>
         <p:spPr>
           <a:xfrm>
-            <a:off x="628650" y="6356351"/>
-            <a:ext cx="2057400" cy="365125"/>
+            <a:off x="838200" y="6356350"/>
+            <a:ext cx="2743200" cy="365125"/>
           </a:xfrm>
           <a:prstGeom prst="rect">
             <a:avLst/>
@@ -2564,9 +2558,9 @@
             </a:lvl1pPr>
           </a:lstStyle>
           <a:p>
-            <a:fld id="{4BD81EF2-07A7-48E3-ABB6-E1B2B12658CB}" type="datetimeFigureOut">
+            <a:fld id="{281B025E-3A30-4319-B3CF-F1D1557FB600}" type="datetimeFigureOut">
               <a:rPr lang="nl-NL" smtClean="0"/>
-              <a:t>1-4-2015</a:t>
+              <a:t>6-4-2015</a:t>
             </a:fld>
             <a:endParaRPr lang="nl-NL"/>
           </a:p>
@@ -2584,8 +2578,8 @@
         </p:nvSpPr>
         <p:spPr>
           <a:xfrm>
-            <a:off x="3028950" y="6356351"/>
-            <a:ext cx="3086100" cy="365125"/>
+            <a:off x="4038600" y="6356350"/>
+            <a:ext cx="4114800" cy="365125"/>
           </a:xfrm>
           <a:prstGeom prst="rect">
             <a:avLst/>
@@ -2621,8 +2615,8 @@
         </p:nvSpPr>
         <p:spPr>
           <a:xfrm>
-            <a:off x="6457950" y="6356351"/>
-            <a:ext cx="2057400" cy="365125"/>
+            <a:off x="8610600" y="6356350"/>
+            <a:ext cx="2743200" cy="365125"/>
           </a:xfrm>
           <a:prstGeom prst="rect">
             <a:avLst/>
@@ -2642,7 +2636,7 @@
             </a:lvl1pPr>
           </a:lstStyle>
           <a:p>
-            <a:fld id="{663DBB7E-10C9-4459-9F6E-FC73C0FE175F}" type="slidenum">
+            <a:fld id="{8A53DF1C-F384-46DF-BA84-FF29ADD2C056}" type="slidenum">
               <a:rPr lang="nl-NL" smtClean="0"/>
               <a:t>‹#›</a:t>
             </a:fld>
@@ -2653,23 +2647,23 @@
     </p:spTree>
     <p:extLst>
       <p:ext uri="{BB962C8B-B14F-4D97-AF65-F5344CB8AC3E}">
-        <p14:creationId xmlns:p14="http://schemas.microsoft.com/office/powerpoint/2010/main" val="951297153"/>
+        <p14:creationId xmlns:p14="http://schemas.microsoft.com/office/powerpoint/2010/main" val="1808545412"/>
       </p:ext>
     </p:extLst>
   </p:cSld>
   <p:clrMap bg1="lt1" tx1="dk1" bg2="lt2" tx2="dk2" accent1="accent1" accent2="accent2" accent3="accent3" accent4="accent4" accent5="accent5" accent6="accent6" hlink="hlink" folHlink="folHlink"/>
   <p:sldLayoutIdLst>
-    <p:sldLayoutId id="2147483661" r:id="rId1"/>
-    <p:sldLayoutId id="2147483662" r:id="rId2"/>
-    <p:sldLayoutId id="2147483663" r:id="rId3"/>
-    <p:sldLayoutId id="2147483664" r:id="rId4"/>
-    <p:sldLayoutId id="2147483665" r:id="rId5"/>
-    <p:sldLayoutId id="2147483666" r:id="rId6"/>
-    <p:sldLayoutId id="2147483667" r:id="rId7"/>
-    <p:sldLayoutId id="2147483668" r:id="rId8"/>
-    <p:sldLayoutId id="2147483669" r:id="rId9"/>
-    <p:sldLayoutId id="2147483670" r:id="rId10"/>
-    <p:sldLayoutId id="2147483671" r:id="rId11"/>
+    <p:sldLayoutId id="2147483649" r:id="rId1"/>
+    <p:sldLayoutId id="2147483650" r:id="rId2"/>
+    <p:sldLayoutId id="2147483651" r:id="rId3"/>
+    <p:sldLayoutId id="2147483652" r:id="rId4"/>
+    <p:sldLayoutId id="2147483653" r:id="rId5"/>
+    <p:sldLayoutId id="2147483654" r:id="rId6"/>
+    <p:sldLayoutId id="2147483655" r:id="rId7"/>
+    <p:sldLayoutId id="2147483656" r:id="rId8"/>
+    <p:sldLayoutId id="2147483657" r:id="rId9"/>
+    <p:sldLayoutId id="2147483658" r:id="rId10"/>
+    <p:sldLayoutId id="2147483659" r:id="rId11"/>
   </p:sldLayoutIdLst>
   <p:txStyles>
     <p:titleStyle>
@@ -2857,7 +2851,7 @@
     </p:bodyStyle>
     <p:otherStyle>
       <a:defPPr>
-        <a:defRPr lang="en-US"/>
+        <a:defRPr lang="nl-NL"/>
       </a:defPPr>
       <a:lvl1pPr marL="0" algn="l" defTabSz="914400" rtl="0" eaLnBrk="1" latinLnBrk="0" hangingPunct="1">
         <a:defRPr sz="1800" kern="1200">
@@ -2973,767 +2967,1404 @@
       </p:grpSpPr>
       <p:sp>
         <p:nvSpPr>
-          <p:cNvPr id="6" name="Title 5"/>
-          <p:cNvSpPr>
-            <a:spLocks noGrp="1"/>
-          </p:cNvSpPr>
-          <p:nvPr>
-            <p:ph type="title"/>
-          </p:nvPr>
-        </p:nvSpPr>
-        <p:spPr>
-          <a:xfrm>
-            <a:off x="628650" y="94963"/>
-            <a:ext cx="7886700" cy="951055"/>
+          <p:cNvPr id="5" name="Content Placeholder 4"/>
+          <p:cNvSpPr>
+            <a:spLocks noGrp="1"/>
+          </p:cNvSpPr>
+          <p:nvPr>
+            <p:ph idx="1"/>
+          </p:nvPr>
+        </p:nvSpPr>
+        <p:spPr>
+          <a:xfrm>
+            <a:off x="838200" y="2413453"/>
+            <a:ext cx="10515600" cy="2983140"/>
           </a:xfrm>
         </p:spPr>
         <p:txBody>
           <a:bodyPr/>
           <a:lstStyle/>
           <a:p>
-            <a:pPr algn="ctr"/>
-            <a:r>
-              <a:rPr lang="nl-NL" dirty="0" smtClean="0"/>
-              <a:t>Ranking </a:t>
-            </a:r>
-            <a:r>
-              <a:rPr lang="nl-NL" dirty="0" err="1" smtClean="0"/>
-              <a:t>Articles</a:t>
-            </a:r>
-            <a:endParaRPr lang="nl-NL" dirty="0"/>
-          </a:p>
-        </p:txBody>
-      </p:sp>
-      <mc:AlternateContent xmlns:mc="http://schemas.openxmlformats.org/markup-compatibility/2006">
-        <mc:Choice xmlns:a14="http://schemas.microsoft.com/office/drawing/2010/main" Requires="a14">
-          <p:sp>
-            <p:nvSpPr>
-              <p:cNvPr id="7" name="Content Placeholder 6"/>
-              <p:cNvSpPr>
-                <a:spLocks noGrp="1"/>
-              </p:cNvSpPr>
-              <p:nvPr>
-                <p:ph idx="1"/>
-              </p:nvPr>
-            </p:nvSpPr>
-            <p:spPr>
-              <a:xfrm>
-                <a:off x="539462" y="1420091"/>
-                <a:ext cx="8065077" cy="3927764"/>
-              </a:xfrm>
-            </p:spPr>
-            <p:txBody>
-              <a:bodyPr>
-                <a:normAutofit/>
-              </a:bodyPr>
-              <a:lstStyle/>
-              <a:p>
-                <a:pPr marL="0" indent="0">
-                  <a:buNone/>
-                </a:pPr>
-                <a14:m>
-                  <m:oMathPara xmlns:m="http://schemas.openxmlformats.org/officeDocument/2006/math">
-                    <m:oMathParaPr>
-                      <m:jc m:val="centerGroup"/>
-                    </m:oMathParaPr>
-                    <m:oMath xmlns:m="http://schemas.openxmlformats.org/officeDocument/2006/math">
-                      <m:sSub>
-                        <m:sSubPr>
-                          <m:ctrlPr>
-                            <a:rPr lang="nl-NL" b="0" i="1" smtClean="0">
-                              <a:latin typeface="Cambria Math" panose="02040503050406030204" pitchFamily="18" charset="0"/>
-                            </a:rPr>
-                          </m:ctrlPr>
-                        </m:sSubPr>
-                        <m:e>
-                          <m:r>
-                            <a:rPr lang="nl-NL" b="0" i="1" smtClean="0">
-                              <a:latin typeface="Cambria Math" panose="02040503050406030204" pitchFamily="18" charset="0"/>
-                            </a:rPr>
-                            <m:t>𝑆</m:t>
-                          </m:r>
-                        </m:e>
-                        <m:sub>
-                          <m:r>
-                            <a:rPr lang="nl-NL" b="0" i="1" smtClean="0">
-                              <a:latin typeface="Cambria Math" panose="02040503050406030204" pitchFamily="18" charset="0"/>
-                            </a:rPr>
-                            <m:t>𝐵</m:t>
-                          </m:r>
-                        </m:sub>
-                      </m:sSub>
-                      <m:r>
-                        <a:rPr lang="nl-NL" b="0" i="1" smtClean="0">
-                          <a:latin typeface="Cambria Math" panose="02040503050406030204" pitchFamily="18" charset="0"/>
-                        </a:rPr>
-                        <m:t>= </m:t>
-                      </m:r>
-                      <m:nary>
-                        <m:naryPr>
-                          <m:chr m:val="∑"/>
-                          <m:supHide m:val="on"/>
-                          <m:ctrlPr>
-                            <a:rPr lang="nl-NL" b="0" i="1" smtClean="0">
-                              <a:latin typeface="Cambria Math" panose="02040503050406030204" pitchFamily="18" charset="0"/>
-                            </a:rPr>
-                          </m:ctrlPr>
-                        </m:naryPr>
-                        <m:sub>
-                          <m:r>
-                            <m:rPr>
-                              <m:brk m:alnAt="7"/>
-                            </m:rPr>
-                            <a:rPr lang="nl-NL" b="0" i="1" smtClean="0">
-                              <a:latin typeface="Cambria Math" panose="02040503050406030204" pitchFamily="18" charset="0"/>
-                            </a:rPr>
-                            <m:t>𝑖</m:t>
-                          </m:r>
-                        </m:sub>
-                        <m:sup/>
-                        <m:e>
-                          <m:sSub>
-                            <m:sSubPr>
-                              <m:ctrlPr>
-                                <a:rPr lang="nl-NL" b="0" i="1" smtClean="0">
-                                  <a:latin typeface="Cambria Math" panose="02040503050406030204" pitchFamily="18" charset="0"/>
-                                </a:rPr>
-                              </m:ctrlPr>
-                            </m:sSubPr>
-                            <m:e>
-                              <m:r>
-                                <a:rPr lang="nl-NL" b="0" i="1" smtClean="0">
-                                  <a:latin typeface="Cambria Math" panose="02040503050406030204" pitchFamily="18" charset="0"/>
-                                </a:rPr>
-                                <m:t>𝑅</m:t>
-                              </m:r>
-                            </m:e>
-                            <m:sub>
-                              <m:r>
-                                <a:rPr lang="nl-NL" b="0" i="1" smtClean="0">
-                                  <a:latin typeface="Cambria Math" panose="02040503050406030204" pitchFamily="18" charset="0"/>
-                                </a:rPr>
-                                <m:t>𝑖𝐴</m:t>
-                              </m:r>
-                            </m:sub>
-                          </m:sSub>
-                          <m:r>
-                            <a:rPr lang="nl-NL" b="0" i="1" smtClean="0">
-                              <a:latin typeface="Cambria Math" panose="02040503050406030204" pitchFamily="18" charset="0"/>
-                            </a:rPr>
-                            <m:t>∗</m:t>
-                          </m:r>
-                          <m:sSub>
-                            <m:sSubPr>
-                              <m:ctrlPr>
-                                <a:rPr lang="nl-NL" b="0" i="1" smtClean="0">
-                                  <a:latin typeface="Cambria Math" panose="02040503050406030204" pitchFamily="18" charset="0"/>
-                                </a:rPr>
-                              </m:ctrlPr>
-                            </m:sSubPr>
-                            <m:e>
-                              <m:r>
-                                <a:rPr lang="nl-NL" b="0" i="1" smtClean="0">
-                                  <a:latin typeface="Cambria Math" panose="02040503050406030204" pitchFamily="18" charset="0"/>
-                                </a:rPr>
-                                <m:t>𝑅</m:t>
-                              </m:r>
-                            </m:e>
-                            <m:sub>
-                              <m:r>
-                                <a:rPr lang="nl-NL" b="0" i="1" smtClean="0">
-                                  <a:latin typeface="Cambria Math" panose="02040503050406030204" pitchFamily="18" charset="0"/>
-                                </a:rPr>
-                                <m:t>𝑖𝐵</m:t>
-                              </m:r>
-                            </m:sub>
-                          </m:sSub>
-                          <m:r>
-                            <a:rPr lang="nl-NL" b="0" i="1" smtClean="0">
-                              <a:latin typeface="Cambria Math" panose="02040503050406030204" pitchFamily="18" charset="0"/>
-                            </a:rPr>
-                            <m:t>∗</m:t>
-                          </m:r>
-                          <m:sSub>
-                            <m:sSubPr>
-                              <m:ctrlPr>
-                                <a:rPr lang="nl-NL" b="0" i="1" smtClean="0">
-                                  <a:latin typeface="Cambria Math" panose="02040503050406030204" pitchFamily="18" charset="0"/>
-                                </a:rPr>
-                              </m:ctrlPr>
-                            </m:sSubPr>
-                            <m:e>
-                              <m:r>
-                                <a:rPr lang="nl-NL" b="0" i="1" smtClean="0">
-                                  <a:latin typeface="Cambria Math" panose="02040503050406030204" pitchFamily="18" charset="0"/>
-                                </a:rPr>
-                                <m:t>𝑝</m:t>
-                              </m:r>
-                            </m:e>
-                            <m:sub>
-                              <m:r>
-                                <a:rPr lang="nl-NL" b="0" i="1" smtClean="0">
-                                  <a:latin typeface="Cambria Math" panose="02040503050406030204" pitchFamily="18" charset="0"/>
-                                </a:rPr>
-                                <m:t>𝑖</m:t>
-                              </m:r>
-                            </m:sub>
-                          </m:sSub>
-                          <m:r>
-                            <a:rPr lang="nl-NL" b="0" i="1" smtClean="0">
-                              <a:latin typeface="Cambria Math" panose="02040503050406030204" pitchFamily="18" charset="0"/>
-                            </a:rPr>
-                            <m:t>∗</m:t>
-                          </m:r>
-                          <m:sSub>
-                            <m:sSubPr>
-                              <m:ctrlPr>
-                                <a:rPr lang="nl-NL" b="0" i="1" smtClean="0">
-                                  <a:latin typeface="Cambria Math" panose="02040503050406030204" pitchFamily="18" charset="0"/>
-                                </a:rPr>
-                              </m:ctrlPr>
-                            </m:sSubPr>
-                            <m:e>
-                              <m:r>
-                                <a:rPr lang="nl-NL" b="0" i="1" smtClean="0">
-                                  <a:latin typeface="Cambria Math" panose="02040503050406030204" pitchFamily="18" charset="0"/>
-                                </a:rPr>
-                                <m:t>𝑆𝐶𝑆</m:t>
-                              </m:r>
-                            </m:e>
-                            <m:sub>
-                              <m:r>
-                                <a:rPr lang="nl-NL" b="0" i="1" smtClean="0">
-                                  <a:latin typeface="Cambria Math" panose="02040503050406030204" pitchFamily="18" charset="0"/>
-                                </a:rPr>
-                                <m:t>𝑖</m:t>
-                              </m:r>
-                            </m:sub>
-                          </m:sSub>
-                        </m:e>
-                      </m:nary>
-                    </m:oMath>
-                  </m:oMathPara>
-                </a14:m>
-                <a:endParaRPr lang="nl-NL" dirty="0" smtClean="0"/>
-              </a:p>
-              <a:p>
-                <a:pPr marL="0" indent="0">
-                  <a:buNone/>
-                </a:pPr>
-                <a:endParaRPr lang="nl-NL" sz="2400" i="1" dirty="0" smtClean="0">
-                  <a:latin typeface="Cambria Math" panose="02040503050406030204" pitchFamily="18" charset="0"/>
-                </a:endParaRPr>
-              </a:p>
-              <a:p>
-                <a14:m>
-                  <m:oMath xmlns:m="http://schemas.openxmlformats.org/officeDocument/2006/math">
-                    <m:sSub>
-                      <m:sSubPr>
-                        <m:ctrlPr>
-                          <a:rPr lang="nl-NL" sz="2400" i="1">
-                            <a:latin typeface="Cambria Math" panose="02040503050406030204" pitchFamily="18" charset="0"/>
-                          </a:rPr>
-                        </m:ctrlPr>
-                      </m:sSubPr>
-                      <m:e>
-                        <m:r>
-                          <a:rPr lang="nl-NL" sz="2400" i="1">
-                            <a:latin typeface="Cambria Math" panose="02040503050406030204" pitchFamily="18" charset="0"/>
-                          </a:rPr>
-                          <m:t>𝑆</m:t>
-                        </m:r>
-                      </m:e>
-                      <m:sub>
-                        <m:r>
-                          <a:rPr lang="nl-NL" sz="2400" i="1">
-                            <a:latin typeface="Cambria Math" panose="02040503050406030204" pitchFamily="18" charset="0"/>
-                          </a:rPr>
-                          <m:t>𝐵</m:t>
-                        </m:r>
-                      </m:sub>
-                    </m:sSub>
-                  </m:oMath>
-                </a14:m>
-                <a:r>
-                  <a:rPr lang="nl-NL" sz="2400" dirty="0" smtClean="0"/>
-                  <a:t> = </a:t>
-                </a:r>
-                <a:r>
-                  <a:rPr lang="nl-NL" sz="2400" dirty="0">
-                    <a:latin typeface="Cambria Math" panose="02040503050406030204" pitchFamily="18" charset="0"/>
-                  </a:rPr>
-                  <a:t>Score of </a:t>
-                </a:r>
-                <a:r>
-                  <a:rPr lang="nl-NL" sz="2400" dirty="0" err="1">
-                    <a:latin typeface="Cambria Math" panose="02040503050406030204" pitchFamily="18" charset="0"/>
-                  </a:rPr>
-                  <a:t>article</a:t>
-                </a:r>
-                <a:endParaRPr lang="nl-NL" sz="2400" dirty="0">
-                  <a:latin typeface="Cambria Math" panose="02040503050406030204" pitchFamily="18" charset="0"/>
-                </a:endParaRPr>
-              </a:p>
-              <a:p>
-                <a14:m>
-                  <m:oMath xmlns:m="http://schemas.openxmlformats.org/officeDocument/2006/math">
-                    <m:sSub>
-                      <m:sSubPr>
-                        <m:ctrlPr>
-                          <a:rPr lang="nl-NL" sz="2400" i="1" smtClean="0">
-                            <a:latin typeface="Cambria Math" panose="02040503050406030204" pitchFamily="18" charset="0"/>
-                          </a:rPr>
-                        </m:ctrlPr>
-                      </m:sSubPr>
-                      <m:e>
-                        <m:r>
-                          <a:rPr lang="nl-NL" sz="2400" i="1">
-                            <a:latin typeface="Cambria Math" panose="02040503050406030204" pitchFamily="18" charset="0"/>
-                          </a:rPr>
-                          <m:t>𝑅</m:t>
-                        </m:r>
-                      </m:e>
-                      <m:sub>
-                        <m:r>
-                          <a:rPr lang="nl-NL" sz="2400" i="1">
-                            <a:latin typeface="Cambria Math" panose="02040503050406030204" pitchFamily="18" charset="0"/>
-                          </a:rPr>
-                          <m:t>𝑖𝐴</m:t>
-                        </m:r>
-                      </m:sub>
-                    </m:sSub>
-                  </m:oMath>
-                </a14:m>
-                <a:r>
-                  <a:rPr lang="nl-NL" sz="2400" dirty="0" smtClean="0"/>
-                  <a:t> = </a:t>
-                </a:r>
-                <a:r>
-                  <a:rPr lang="nl-NL" sz="2400" dirty="0" err="1">
-                    <a:latin typeface="Cambria Math" panose="02040503050406030204" pitchFamily="18" charset="0"/>
-                  </a:rPr>
-                  <a:t>Relevance</a:t>
-                </a:r>
-                <a:r>
-                  <a:rPr lang="nl-NL" sz="2400" dirty="0">
-                    <a:latin typeface="Cambria Math" panose="02040503050406030204" pitchFamily="18" charset="0"/>
-                  </a:rPr>
-                  <a:t> of term </a:t>
-                </a:r>
-                <a14:m>
-                  <m:oMath xmlns:m="http://schemas.openxmlformats.org/officeDocument/2006/math">
-                    <m:r>
-                      <a:rPr lang="nl-NL" sz="2400" i="1" dirty="0" smtClean="0">
-                        <a:latin typeface="Cambria Math" panose="02040503050406030204" pitchFamily="18" charset="0"/>
-                      </a:rPr>
-                      <m:t>𝑖</m:t>
-                    </m:r>
-                  </m:oMath>
-                </a14:m>
-                <a:r>
-                  <a:rPr lang="nl-NL" sz="2400" dirty="0" smtClean="0"/>
-                  <a:t> </a:t>
-                </a:r>
-                <a:r>
-                  <a:rPr lang="nl-NL" sz="2400" dirty="0">
-                    <a:latin typeface="Cambria Math" panose="02040503050406030204" pitchFamily="18" charset="0"/>
-                  </a:rPr>
-                  <a:t>in </a:t>
-                </a:r>
-                <a:r>
-                  <a:rPr lang="nl-NL" sz="2400" dirty="0" err="1">
-                    <a:latin typeface="Cambria Math" panose="02040503050406030204" pitchFamily="18" charset="0"/>
-                  </a:rPr>
-                  <a:t>article</a:t>
-                </a:r>
-                <a:r>
-                  <a:rPr lang="nl-NL" sz="2400" dirty="0">
-                    <a:latin typeface="Cambria Math" panose="02040503050406030204" pitchFamily="18" charset="0"/>
-                  </a:rPr>
-                  <a:t> </a:t>
-                </a:r>
-                <a14:m>
-                  <m:oMath xmlns:m="http://schemas.openxmlformats.org/officeDocument/2006/math">
-                    <m:r>
-                      <a:rPr lang="nl-NL" sz="2400" i="1" dirty="0" smtClean="0">
-                        <a:latin typeface="Cambria Math" panose="02040503050406030204" pitchFamily="18" charset="0"/>
-                      </a:rPr>
-                      <m:t>𝐴</m:t>
-                    </m:r>
-                  </m:oMath>
-                </a14:m>
-                <a:endParaRPr lang="nl-NL" sz="2400" dirty="0" smtClean="0"/>
-              </a:p>
-              <a:p>
-                <a14:m>
-                  <m:oMath xmlns:m="http://schemas.openxmlformats.org/officeDocument/2006/math">
-                    <m:sSub>
-                      <m:sSubPr>
-                        <m:ctrlPr>
-                          <a:rPr lang="nl-NL" sz="2400" i="1">
-                            <a:latin typeface="Cambria Math" panose="02040503050406030204" pitchFamily="18" charset="0"/>
-                          </a:rPr>
-                        </m:ctrlPr>
-                      </m:sSubPr>
-                      <m:e>
-                        <m:r>
-                          <a:rPr lang="nl-NL" sz="2400" i="1">
-                            <a:latin typeface="Cambria Math" panose="02040503050406030204" pitchFamily="18" charset="0"/>
-                          </a:rPr>
-                          <m:t>𝑅</m:t>
-                        </m:r>
-                      </m:e>
-                      <m:sub>
-                        <m:r>
-                          <a:rPr lang="nl-NL" sz="2400" i="1">
-                            <a:latin typeface="Cambria Math" panose="02040503050406030204" pitchFamily="18" charset="0"/>
-                          </a:rPr>
-                          <m:t>𝑖𝐵</m:t>
-                        </m:r>
-                      </m:sub>
-                    </m:sSub>
-                  </m:oMath>
-                </a14:m>
-                <a:r>
-                  <a:rPr lang="nl-NL" sz="2400" dirty="0" smtClean="0"/>
-                  <a:t> = </a:t>
-                </a:r>
-                <a:r>
-                  <a:rPr lang="nl-NL" sz="2400" dirty="0" err="1">
-                    <a:latin typeface="Cambria Math" panose="02040503050406030204" pitchFamily="18" charset="0"/>
-                  </a:rPr>
-                  <a:t>Relevance</a:t>
-                </a:r>
-                <a:r>
-                  <a:rPr lang="nl-NL" sz="2400" dirty="0">
-                    <a:latin typeface="Cambria Math" panose="02040503050406030204" pitchFamily="18" charset="0"/>
-                  </a:rPr>
-                  <a:t> of term </a:t>
-                </a:r>
-                <a14:m>
-                  <m:oMath xmlns:m="http://schemas.openxmlformats.org/officeDocument/2006/math">
-                    <m:r>
-                      <a:rPr lang="nl-NL" sz="2400" i="1" dirty="0" smtClean="0">
-                        <a:latin typeface="Cambria Math" panose="02040503050406030204" pitchFamily="18" charset="0"/>
-                      </a:rPr>
-                      <m:t>𝑖</m:t>
-                    </m:r>
-                  </m:oMath>
-                </a14:m>
-                <a:r>
-                  <a:rPr lang="nl-NL" sz="2400" dirty="0" smtClean="0"/>
-                  <a:t> </a:t>
-                </a:r>
-                <a:r>
-                  <a:rPr lang="nl-NL" sz="2400" dirty="0">
-                    <a:latin typeface="Cambria Math" panose="02040503050406030204" pitchFamily="18" charset="0"/>
-                  </a:rPr>
-                  <a:t>in </a:t>
-                </a:r>
-                <a:r>
-                  <a:rPr lang="nl-NL" sz="2400" dirty="0" err="1">
-                    <a:latin typeface="Cambria Math" panose="02040503050406030204" pitchFamily="18" charset="0"/>
-                  </a:rPr>
-                  <a:t>article</a:t>
-                </a:r>
-                <a:r>
-                  <a:rPr lang="nl-NL" sz="2400" dirty="0" smtClean="0"/>
-                  <a:t> </a:t>
-                </a:r>
-                <a14:m>
-                  <m:oMath xmlns:m="http://schemas.openxmlformats.org/officeDocument/2006/math">
-                    <m:r>
-                      <a:rPr lang="nl-NL" sz="2400" i="1" dirty="0" smtClean="0">
-                        <a:latin typeface="Cambria Math" panose="02040503050406030204" pitchFamily="18" charset="0"/>
-                      </a:rPr>
-                      <m:t>𝐵</m:t>
-                    </m:r>
-                  </m:oMath>
-                </a14:m>
-                <a:endParaRPr lang="nl-NL" sz="2400" dirty="0" smtClean="0"/>
-              </a:p>
-              <a:p>
-                <a14:m>
-                  <m:oMath xmlns:m="http://schemas.openxmlformats.org/officeDocument/2006/math">
-                    <m:sSub>
-                      <m:sSubPr>
-                        <m:ctrlPr>
-                          <a:rPr lang="nl-NL" sz="2400" i="1" smtClean="0">
-                            <a:latin typeface="Cambria Math" panose="02040503050406030204" pitchFamily="18" charset="0"/>
-                          </a:rPr>
-                        </m:ctrlPr>
-                      </m:sSubPr>
-                      <m:e>
-                        <m:r>
-                          <a:rPr lang="nl-NL" sz="2400" b="0" i="1" smtClean="0">
-                            <a:latin typeface="Cambria Math" panose="02040503050406030204" pitchFamily="18" charset="0"/>
-                          </a:rPr>
-                          <m:t>𝑝</m:t>
-                        </m:r>
-                      </m:e>
-                      <m:sub>
-                        <m:r>
-                          <a:rPr lang="nl-NL" sz="2400" b="0" i="1" smtClean="0">
-                            <a:latin typeface="Cambria Math" panose="02040503050406030204" pitchFamily="18" charset="0"/>
-                          </a:rPr>
-                          <m:t>𝑖</m:t>
-                        </m:r>
-                      </m:sub>
-                    </m:sSub>
-                  </m:oMath>
-                </a14:m>
-                <a:r>
-                  <a:rPr lang="nl-NL" sz="2400" i="1" dirty="0" smtClean="0">
-                    <a:latin typeface="Cambria Math" panose="02040503050406030204" pitchFamily="18" charset="0"/>
-                  </a:rPr>
-                  <a:t> </a:t>
-                </a:r>
-                <a:r>
-                  <a:rPr lang="nl-NL" sz="2400" dirty="0" smtClean="0">
-                    <a:latin typeface="Cambria Math" panose="02040503050406030204" pitchFamily="18" charset="0"/>
-                  </a:rPr>
-                  <a:t>= Multiplier </a:t>
-                </a:r>
-                <a:r>
-                  <a:rPr lang="nl-NL" sz="2400" dirty="0" err="1" smtClean="0">
-                    <a:latin typeface="Cambria Math" panose="02040503050406030204" pitchFamily="18" charset="0"/>
-                  </a:rPr>
-                  <a:t>for</a:t>
-                </a:r>
-                <a:r>
-                  <a:rPr lang="nl-NL" sz="2400" dirty="0" smtClean="0">
-                    <a:latin typeface="Cambria Math" panose="02040503050406030204" pitchFamily="18" charset="0"/>
-                  </a:rPr>
-                  <a:t> term </a:t>
-                </a:r>
-                <a14:m>
-                  <m:oMath xmlns:m="http://schemas.openxmlformats.org/officeDocument/2006/math">
-                    <m:r>
-                      <a:rPr lang="nl-NL" sz="2400" i="1" dirty="0" smtClean="0">
-                        <a:latin typeface="Cambria Math" panose="02040503050406030204" pitchFamily="18" charset="0"/>
-                      </a:rPr>
-                      <m:t>𝑖</m:t>
-                    </m:r>
-                  </m:oMath>
-                </a14:m>
-                <a:r>
-                  <a:rPr lang="nl-NL" sz="2400" dirty="0" smtClean="0">
-                    <a:latin typeface="Cambria Math" panose="02040503050406030204" pitchFamily="18" charset="0"/>
-                  </a:rPr>
-                  <a:t> </a:t>
-                </a:r>
-                <a:r>
-                  <a:rPr lang="nl-NL" sz="2400" dirty="0" err="1" smtClean="0">
-                    <a:latin typeface="Cambria Math" panose="02040503050406030204" pitchFamily="18" charset="0"/>
-                  </a:rPr>
-                  <a:t>being</a:t>
-                </a:r>
-                <a:r>
-                  <a:rPr lang="nl-NL" sz="2400" dirty="0" smtClean="0">
-                    <a:latin typeface="Cambria Math" panose="02040503050406030204" pitchFamily="18" charset="0"/>
-                  </a:rPr>
-                  <a:t> in </a:t>
-                </a:r>
-                <a:r>
-                  <a:rPr lang="nl-NL" sz="2400" dirty="0" err="1" smtClean="0">
-                    <a:latin typeface="Cambria Math" panose="02040503050406030204" pitchFamily="18" charset="0"/>
-                  </a:rPr>
-                  <a:t>selected</a:t>
-                </a:r>
-                <a:r>
-                  <a:rPr lang="nl-NL" sz="2400" dirty="0" smtClean="0">
-                    <a:latin typeface="Cambria Math" panose="02040503050406030204" pitchFamily="18" charset="0"/>
-                  </a:rPr>
-                  <a:t> </a:t>
-                </a:r>
-                <a:r>
-                  <a:rPr lang="nl-NL" sz="2400" dirty="0" err="1" smtClean="0">
-                    <a:latin typeface="Cambria Math" panose="02040503050406030204" pitchFamily="18" charset="0"/>
-                  </a:rPr>
-                  <a:t>paragraph</a:t>
-                </a:r>
-                <a:endParaRPr lang="nl-NL" sz="2400" i="1" dirty="0" smtClean="0">
-                  <a:latin typeface="Cambria Math" panose="02040503050406030204" pitchFamily="18" charset="0"/>
-                </a:endParaRPr>
-              </a:p>
-              <a:p>
-                <a14:m>
-                  <m:oMath xmlns:m="http://schemas.openxmlformats.org/officeDocument/2006/math">
-                    <m:sSub>
-                      <m:sSubPr>
-                        <m:ctrlPr>
-                          <a:rPr lang="nl-NL" sz="2400" i="1" smtClean="0">
-                            <a:latin typeface="Cambria Math" panose="02040503050406030204" pitchFamily="18" charset="0"/>
-                          </a:rPr>
-                        </m:ctrlPr>
-                      </m:sSubPr>
-                      <m:e>
-                        <m:r>
-                          <a:rPr lang="nl-NL" sz="2400" i="1">
-                            <a:latin typeface="Cambria Math" panose="02040503050406030204" pitchFamily="18" charset="0"/>
-                          </a:rPr>
-                          <m:t>𝑆𝐶𝑆</m:t>
-                        </m:r>
-                      </m:e>
-                      <m:sub>
-                        <m:r>
-                          <a:rPr lang="nl-NL" sz="2400" i="1">
-                            <a:latin typeface="Cambria Math" panose="02040503050406030204" pitchFamily="18" charset="0"/>
-                          </a:rPr>
-                          <m:t>𝑖</m:t>
-                        </m:r>
-                      </m:sub>
-                    </m:sSub>
-                  </m:oMath>
-                </a14:m>
-                <a:r>
-                  <a:rPr lang="nl-NL" sz="2400" dirty="0" smtClean="0"/>
-                  <a:t> = </a:t>
-                </a:r>
-                <a:r>
-                  <a:rPr lang="nl-NL" sz="2400" dirty="0">
-                    <a:latin typeface="Cambria Math" panose="02040503050406030204" pitchFamily="18" charset="0"/>
-                  </a:rPr>
-                  <a:t>SCS score of term </a:t>
-                </a:r>
-                <a14:m>
-                  <m:oMath xmlns:m="http://schemas.openxmlformats.org/officeDocument/2006/math">
-                    <m:r>
-                      <a:rPr lang="nl-NL" sz="2400" i="1" dirty="0" smtClean="0">
-                        <a:latin typeface="Cambria Math" panose="02040503050406030204" pitchFamily="18" charset="0"/>
-                      </a:rPr>
-                      <m:t>𝑖</m:t>
-                    </m:r>
-                  </m:oMath>
-                </a14:m>
-                <a:r>
-                  <a:rPr lang="nl-NL" sz="2400" dirty="0" smtClean="0"/>
-                  <a:t> </a:t>
-                </a:r>
-                <a:r>
-                  <a:rPr lang="nl-NL" sz="2400" dirty="0" err="1">
-                    <a:latin typeface="Cambria Math" panose="02040503050406030204" pitchFamily="18" charset="0"/>
-                  </a:rPr>
-                  <a:t>with</a:t>
-                </a:r>
-                <a:r>
-                  <a:rPr lang="nl-NL" sz="2400" dirty="0">
-                    <a:latin typeface="Cambria Math" panose="02040503050406030204" pitchFamily="18" charset="0"/>
-                  </a:rPr>
-                  <a:t> respect </a:t>
-                </a:r>
-                <a:r>
-                  <a:rPr lang="nl-NL" sz="2400" dirty="0" err="1">
-                    <a:latin typeface="Cambria Math" panose="02040503050406030204" pitchFamily="18" charset="0"/>
-                  </a:rPr>
-                  <a:t>to</a:t>
-                </a:r>
-                <a:r>
-                  <a:rPr lang="nl-NL" sz="2400" dirty="0">
-                    <a:latin typeface="Cambria Math" panose="02040503050406030204" pitchFamily="18" charset="0"/>
-                  </a:rPr>
-                  <a:t> </a:t>
-                </a:r>
-                <a:r>
-                  <a:rPr lang="nl-NL" sz="2400" dirty="0" err="1">
-                    <a:latin typeface="Cambria Math" panose="02040503050406030204" pitchFamily="18" charset="0"/>
-                  </a:rPr>
-                  <a:t>selected</a:t>
-                </a:r>
-                <a:r>
-                  <a:rPr lang="nl-NL" sz="2400" dirty="0">
-                    <a:latin typeface="Cambria Math" panose="02040503050406030204" pitchFamily="18" charset="0"/>
-                  </a:rPr>
-                  <a:t> term(s)</a:t>
-                </a:r>
-                <a:endParaRPr lang="nl-NL" sz="2400" dirty="0">
-                  <a:latin typeface="Cambria Math" panose="02040503050406030204" pitchFamily="18" charset="0"/>
-                </a:endParaRPr>
-              </a:p>
-            </p:txBody>
-          </p:sp>
-        </mc:Choice>
-        <mc:Fallback>
-          <p:sp>
-            <p:nvSpPr>
-              <p:cNvPr id="7" name="Content Placeholder 6"/>
-              <p:cNvSpPr>
-                <a:spLocks noGrp="1" noRot="1" noChangeAspect="1" noMove="1" noResize="1" noEditPoints="1" noAdjustHandles="1" noChangeArrowheads="1" noChangeShapeType="1" noTextEdit="1"/>
-              </p:cNvSpPr>
-              <p:nvPr>
-                <p:ph idx="1"/>
-              </p:nvPr>
-            </p:nvSpPr>
-            <p:spPr>
-              <a:xfrm>
-                <a:off x="539462" y="1420091"/>
-                <a:ext cx="8065077" cy="3927764"/>
-              </a:xfrm>
-              <a:blipFill rotWithShape="0">
-                <a:blip r:embed="rId2"/>
-                <a:stretch>
-                  <a:fillRect l="-982"/>
-                </a:stretch>
-              </a:blipFill>
-            </p:spPr>
-            <p:txBody>
-              <a:bodyPr/>
-              <a:lstStyle/>
-              <a:p>
-                <a:r>
-                  <a:rPr lang="nl-NL">
-                    <a:noFill/>
-                  </a:rPr>
-                  <a:t> </a:t>
-                </a:r>
-              </a:p>
-            </p:txBody>
-          </p:sp>
-        </mc:Fallback>
-      </mc:AlternateContent>
-      <p:sp>
-        <p:nvSpPr>
-          <p:cNvPr id="8" name="TextBox 7"/>
-          <p:cNvSpPr txBox="1"/>
+            <a:pPr marL="0" indent="0" algn="just">
+              <a:buNone/>
+            </a:pPr>
+            <a:r>
+              <a:rPr lang="en-US" dirty="0" smtClean="0">
+                <a:solidFill>
+                  <a:schemeClr val="tx1">
+                    <a:lumMod val="50000"/>
+                    <a:lumOff val="50000"/>
+                  </a:schemeClr>
+                </a:solidFill>
+              </a:rPr>
+              <a:t>Deal discussions began a little more than a month ago after Nest approached </a:t>
+            </a:r>
+            <a:r>
+              <a:rPr lang="en-US" dirty="0" err="1" smtClean="0">
+                <a:solidFill>
+                  <a:schemeClr val="tx1">
+                    <a:lumMod val="50000"/>
+                    <a:lumOff val="50000"/>
+                  </a:schemeClr>
+                </a:solidFill>
+              </a:rPr>
+              <a:t>Dropcam</a:t>
+            </a:r>
+            <a:r>
+              <a:rPr lang="en-US" dirty="0" smtClean="0">
+                <a:solidFill>
+                  <a:schemeClr val="tx1">
+                    <a:lumMod val="50000"/>
+                    <a:lumOff val="50000"/>
+                  </a:schemeClr>
+                </a:solidFill>
+              </a:rPr>
+              <a:t>, which wasn’t looking to sell, said Mark Siegel, managing director at Menlo Ventures. The talks were led by Fadell and Rogers, he said. Menlo Ventures invested about $8 million in </a:t>
+            </a:r>
+            <a:r>
+              <a:rPr lang="en-US" dirty="0" err="1" smtClean="0">
+                <a:solidFill>
+                  <a:schemeClr val="tx1">
+                    <a:lumMod val="50000"/>
+                    <a:lumOff val="50000"/>
+                  </a:schemeClr>
+                </a:solidFill>
+              </a:rPr>
+              <a:t>Dropcam</a:t>
+            </a:r>
+            <a:r>
+              <a:rPr lang="en-US" dirty="0" smtClean="0">
+                <a:solidFill>
+                  <a:schemeClr val="tx1">
+                    <a:lumMod val="50000"/>
+                    <a:lumOff val="50000"/>
+                  </a:schemeClr>
+                </a:solidFill>
+              </a:rPr>
+              <a:t> in 2012 when the startup was valued at around $50 million.</a:t>
+            </a:r>
+            <a:endParaRPr lang="nl-NL" dirty="0">
+              <a:solidFill>
+                <a:schemeClr val="tx1">
+                  <a:lumMod val="50000"/>
+                  <a:lumOff val="50000"/>
+                </a:schemeClr>
+              </a:solidFill>
+            </a:endParaRPr>
+          </a:p>
+        </p:txBody>
+      </p:sp>
+      <p:sp>
+        <p:nvSpPr>
+          <p:cNvPr id="6" name="Rectangle 5"/>
+          <p:cNvSpPr/>
           <p:nvPr/>
         </p:nvSpPr>
         <p:spPr>
           <a:xfrm>
-            <a:off x="2635827" y="5583382"/>
-            <a:ext cx="3872346" cy="584775"/>
+            <a:off x="4077285" y="3247036"/>
+            <a:ext cx="2307185" cy="334736"/>
           </a:xfrm>
           <a:prstGeom prst="rect">
             <a:avLst/>
           </a:prstGeom>
           <a:noFill/>
-        </p:spPr>
+          <a:ln w="28575">
+            <a:solidFill>
+              <a:schemeClr val="accent6"/>
+            </a:solidFill>
+          </a:ln>
+        </p:spPr>
+        <p:style>
+          <a:lnRef idx="2">
+            <a:schemeClr val="accent1">
+              <a:shade val="50000"/>
+            </a:schemeClr>
+          </a:lnRef>
+          <a:fillRef idx="1">
+            <a:schemeClr val="accent1"/>
+          </a:fillRef>
+          <a:effectRef idx="0">
+            <a:schemeClr val="accent1"/>
+          </a:effectRef>
+          <a:fontRef idx="minor">
+            <a:schemeClr val="lt1"/>
+          </a:fontRef>
+        </p:style>
+        <p:txBody>
+          <a:bodyPr rtlCol="0" anchor="ctr"/>
+          <a:lstStyle/>
+          <a:p>
+            <a:pPr algn="ctr"/>
+            <a:endParaRPr lang="nl-NL"/>
+          </a:p>
+        </p:txBody>
+      </p:sp>
+      <p:sp>
+        <p:nvSpPr>
+          <p:cNvPr id="8" name="Rectangle 7"/>
+          <p:cNvSpPr/>
+          <p:nvPr/>
+        </p:nvSpPr>
+        <p:spPr>
+          <a:xfrm>
+            <a:off x="10592418" y="2473778"/>
+            <a:ext cx="698789" cy="334736"/>
+          </a:xfrm>
+          <a:prstGeom prst="rect">
+            <a:avLst/>
+          </a:prstGeom>
+          <a:noFill/>
+          <a:ln w="28575">
+            <a:solidFill>
+              <a:schemeClr val="accent2">
+                <a:lumMod val="50000"/>
+              </a:schemeClr>
+            </a:solidFill>
+          </a:ln>
+        </p:spPr>
+        <p:style>
+          <a:lnRef idx="2">
+            <a:schemeClr val="accent1">
+              <a:shade val="50000"/>
+            </a:schemeClr>
+          </a:lnRef>
+          <a:fillRef idx="1">
+            <a:schemeClr val="accent1"/>
+          </a:fillRef>
+          <a:effectRef idx="0">
+            <a:schemeClr val="accent1"/>
+          </a:effectRef>
+          <a:fontRef idx="minor">
+            <a:schemeClr val="lt1"/>
+          </a:fontRef>
+        </p:style>
+        <p:txBody>
+          <a:bodyPr rtlCol="0" anchor="ctr"/>
+          <a:lstStyle/>
+          <a:p>
+            <a:pPr algn="ctr"/>
+            <a:endParaRPr lang="nl-NL"/>
+          </a:p>
+        </p:txBody>
+      </p:sp>
+      <p:sp>
+        <p:nvSpPr>
+          <p:cNvPr id="9" name="Rectangle 8"/>
+          <p:cNvSpPr/>
+          <p:nvPr/>
+        </p:nvSpPr>
+        <p:spPr>
+          <a:xfrm>
+            <a:off x="3329914" y="3632491"/>
+            <a:ext cx="2389416" cy="334736"/>
+          </a:xfrm>
+          <a:prstGeom prst="rect">
+            <a:avLst/>
+          </a:prstGeom>
+          <a:noFill/>
+          <a:ln w="28575">
+            <a:solidFill>
+              <a:schemeClr val="accent2">
+                <a:lumMod val="50000"/>
+              </a:schemeClr>
+            </a:solidFill>
+          </a:ln>
+        </p:spPr>
+        <p:style>
+          <a:lnRef idx="2">
+            <a:schemeClr val="accent1">
+              <a:shade val="50000"/>
+            </a:schemeClr>
+          </a:lnRef>
+          <a:fillRef idx="1">
+            <a:schemeClr val="accent1"/>
+          </a:fillRef>
+          <a:effectRef idx="0">
+            <a:schemeClr val="accent1"/>
+          </a:effectRef>
+          <a:fontRef idx="minor">
+            <a:schemeClr val="lt1"/>
+          </a:fontRef>
+        </p:style>
+        <p:txBody>
+          <a:bodyPr rtlCol="0" anchor="ctr"/>
+          <a:lstStyle/>
+          <a:p>
+            <a:pPr algn="ctr"/>
+            <a:endParaRPr lang="nl-NL"/>
+          </a:p>
+        </p:txBody>
+      </p:sp>
+      <p:sp>
+        <p:nvSpPr>
+          <p:cNvPr id="10" name="Rectangle 9"/>
+          <p:cNvSpPr/>
+          <p:nvPr/>
+        </p:nvSpPr>
+        <p:spPr>
+          <a:xfrm>
+            <a:off x="9893629" y="3647807"/>
+            <a:ext cx="1397578" cy="334736"/>
+          </a:xfrm>
+          <a:prstGeom prst="rect">
+            <a:avLst/>
+          </a:prstGeom>
+          <a:noFill/>
+          <a:ln w="28575">
+            <a:solidFill>
+              <a:schemeClr val="accent2">
+                <a:lumMod val="50000"/>
+              </a:schemeClr>
+            </a:solidFill>
+          </a:ln>
+        </p:spPr>
+        <p:style>
+          <a:lnRef idx="2">
+            <a:schemeClr val="accent1">
+              <a:shade val="50000"/>
+            </a:schemeClr>
+          </a:lnRef>
+          <a:fillRef idx="1">
+            <a:schemeClr val="accent1"/>
+          </a:fillRef>
+          <a:effectRef idx="0">
+            <a:schemeClr val="accent1"/>
+          </a:effectRef>
+          <a:fontRef idx="minor">
+            <a:schemeClr val="lt1"/>
+          </a:fontRef>
+        </p:style>
+        <p:txBody>
+          <a:bodyPr rtlCol="0" anchor="ctr"/>
+          <a:lstStyle/>
+          <a:p>
+            <a:pPr algn="ctr"/>
+            <a:endParaRPr lang="nl-NL"/>
+          </a:p>
+        </p:txBody>
+      </p:sp>
+      <p:sp>
+        <p:nvSpPr>
+          <p:cNvPr id="11" name="Rectangle 10"/>
+          <p:cNvSpPr/>
+          <p:nvPr/>
+        </p:nvSpPr>
+        <p:spPr>
+          <a:xfrm>
+            <a:off x="2723886" y="2845811"/>
+            <a:ext cx="1448064" cy="334736"/>
+          </a:xfrm>
+          <a:prstGeom prst="rect">
+            <a:avLst/>
+          </a:prstGeom>
+          <a:noFill/>
+          <a:ln w="28575">
+            <a:solidFill>
+              <a:schemeClr val="accent2">
+                <a:lumMod val="50000"/>
+              </a:schemeClr>
+            </a:solidFill>
+          </a:ln>
+        </p:spPr>
+        <p:style>
+          <a:lnRef idx="2">
+            <a:schemeClr val="accent1">
+              <a:shade val="50000"/>
+            </a:schemeClr>
+          </a:lnRef>
+          <a:fillRef idx="1">
+            <a:schemeClr val="accent1"/>
+          </a:fillRef>
+          <a:effectRef idx="0">
+            <a:schemeClr val="accent1"/>
+          </a:effectRef>
+          <a:fontRef idx="minor">
+            <a:schemeClr val="lt1"/>
+          </a:fontRef>
+        </p:style>
+        <p:txBody>
+          <a:bodyPr rtlCol="0" anchor="ctr"/>
+          <a:lstStyle/>
+          <a:p>
+            <a:pPr algn="ctr"/>
+            <a:endParaRPr lang="nl-NL"/>
+          </a:p>
+        </p:txBody>
+      </p:sp>
+      <p:sp>
+        <p:nvSpPr>
+          <p:cNvPr id="12" name="Rectangle 11"/>
+          <p:cNvSpPr/>
+          <p:nvPr/>
+        </p:nvSpPr>
+        <p:spPr>
+          <a:xfrm>
+            <a:off x="9391386" y="2845811"/>
+            <a:ext cx="1899821" cy="334736"/>
+          </a:xfrm>
+          <a:prstGeom prst="rect">
+            <a:avLst/>
+          </a:prstGeom>
+          <a:noFill/>
+          <a:ln w="28575">
+            <a:solidFill>
+              <a:schemeClr val="accent2">
+                <a:lumMod val="50000"/>
+              </a:schemeClr>
+            </a:solidFill>
+          </a:ln>
+        </p:spPr>
+        <p:style>
+          <a:lnRef idx="2">
+            <a:schemeClr val="accent1">
+              <a:shade val="50000"/>
+            </a:schemeClr>
+          </a:lnRef>
+          <a:fillRef idx="1">
+            <a:schemeClr val="accent1"/>
+          </a:fillRef>
+          <a:effectRef idx="0">
+            <a:schemeClr val="accent1"/>
+          </a:effectRef>
+          <a:fontRef idx="minor">
+            <a:schemeClr val="lt1"/>
+          </a:fontRef>
+        </p:style>
+        <p:txBody>
+          <a:bodyPr rtlCol="0" anchor="ctr"/>
+          <a:lstStyle/>
+          <a:p>
+            <a:pPr algn="ctr"/>
+            <a:endParaRPr lang="nl-NL"/>
+          </a:p>
+        </p:txBody>
+      </p:sp>
+      <p:sp>
+        <p:nvSpPr>
+          <p:cNvPr id="13" name="TextBox 17"/>
+          <p:cNvSpPr txBox="1"/>
+          <p:nvPr/>
+        </p:nvSpPr>
+        <p:spPr>
+          <a:xfrm>
+            <a:off x="6057636" y="2661145"/>
+            <a:ext cx="595746" cy="369332"/>
+          </a:xfrm>
+          <a:prstGeom prst="rect">
+            <a:avLst/>
+          </a:prstGeom>
+          <a:ln w="28575"/>
+        </p:spPr>
+        <p:style>
+          <a:lnRef idx="2">
+            <a:schemeClr val="accent5"/>
+          </a:lnRef>
+          <a:fillRef idx="1">
+            <a:schemeClr val="lt1"/>
+          </a:fillRef>
+          <a:effectRef idx="0">
+            <a:schemeClr val="accent5"/>
+          </a:effectRef>
+          <a:fontRef idx="minor">
+            <a:schemeClr val="dk1"/>
+          </a:fontRef>
+        </p:style>
         <p:txBody>
           <a:bodyPr wrap="square" rtlCol="0">
             <a:spAutoFit/>
           </a:bodyPr>
-          <a:lstStyle/>
-          <a:p>
-            <a:pPr algn="ctr"/>
-            <a:r>
-              <a:rPr lang="nl-NL" sz="3200" dirty="0" smtClean="0"/>
-              <a:t>Returns </a:t>
-            </a:r>
-            <a:r>
-              <a:rPr lang="nl-NL" sz="3200" dirty="0" err="1" smtClean="0"/>
-              <a:t>one</a:t>
-            </a:r>
-            <a:r>
-              <a:rPr lang="nl-NL" sz="3200" dirty="0" smtClean="0"/>
-              <a:t> score</a:t>
-            </a:r>
-            <a:endParaRPr lang="nl-NL" sz="3200" dirty="0"/>
+          <a:lstStyle>
+            <a:defPPr>
+              <a:defRPr lang="nl-NL"/>
+            </a:defPPr>
+            <a:lvl1pPr marL="0" algn="l" defTabSz="457200" rtl="0" eaLnBrk="1" latinLnBrk="0" hangingPunct="1">
+              <a:defRPr sz="1800" kern="1200">
+                <a:solidFill>
+                  <a:schemeClr val="dk1"/>
+                </a:solidFill>
+                <a:latin typeface="+mn-lt"/>
+                <a:ea typeface="+mn-ea"/>
+                <a:cs typeface="+mn-cs"/>
+              </a:defRPr>
+            </a:lvl1pPr>
+            <a:lvl2pPr marL="457200" algn="l" defTabSz="457200" rtl="0" eaLnBrk="1" latinLnBrk="0" hangingPunct="1">
+              <a:defRPr sz="1800" kern="1200">
+                <a:solidFill>
+                  <a:schemeClr val="dk1"/>
+                </a:solidFill>
+                <a:latin typeface="+mn-lt"/>
+                <a:ea typeface="+mn-ea"/>
+                <a:cs typeface="+mn-cs"/>
+              </a:defRPr>
+            </a:lvl2pPr>
+            <a:lvl3pPr marL="914400" algn="l" defTabSz="457200" rtl="0" eaLnBrk="1" latinLnBrk="0" hangingPunct="1">
+              <a:defRPr sz="1800" kern="1200">
+                <a:solidFill>
+                  <a:schemeClr val="dk1"/>
+                </a:solidFill>
+                <a:latin typeface="+mn-lt"/>
+                <a:ea typeface="+mn-ea"/>
+                <a:cs typeface="+mn-cs"/>
+              </a:defRPr>
+            </a:lvl3pPr>
+            <a:lvl4pPr marL="1371600" algn="l" defTabSz="457200" rtl="0" eaLnBrk="1" latinLnBrk="0" hangingPunct="1">
+              <a:defRPr sz="1800" kern="1200">
+                <a:solidFill>
+                  <a:schemeClr val="dk1"/>
+                </a:solidFill>
+                <a:latin typeface="+mn-lt"/>
+                <a:ea typeface="+mn-ea"/>
+                <a:cs typeface="+mn-cs"/>
+              </a:defRPr>
+            </a:lvl4pPr>
+            <a:lvl5pPr marL="1828800" algn="l" defTabSz="457200" rtl="0" eaLnBrk="1" latinLnBrk="0" hangingPunct="1">
+              <a:defRPr sz="1800" kern="1200">
+                <a:solidFill>
+                  <a:schemeClr val="dk1"/>
+                </a:solidFill>
+                <a:latin typeface="+mn-lt"/>
+                <a:ea typeface="+mn-ea"/>
+                <a:cs typeface="+mn-cs"/>
+              </a:defRPr>
+            </a:lvl5pPr>
+            <a:lvl6pPr marL="2286000" algn="l" defTabSz="457200" rtl="0" eaLnBrk="1" latinLnBrk="0" hangingPunct="1">
+              <a:defRPr sz="1800" kern="1200">
+                <a:solidFill>
+                  <a:schemeClr val="dk1"/>
+                </a:solidFill>
+                <a:latin typeface="+mn-lt"/>
+                <a:ea typeface="+mn-ea"/>
+                <a:cs typeface="+mn-cs"/>
+              </a:defRPr>
+            </a:lvl6pPr>
+            <a:lvl7pPr marL="2743200" algn="l" defTabSz="457200" rtl="0" eaLnBrk="1" latinLnBrk="0" hangingPunct="1">
+              <a:defRPr sz="1800" kern="1200">
+                <a:solidFill>
+                  <a:schemeClr val="dk1"/>
+                </a:solidFill>
+                <a:latin typeface="+mn-lt"/>
+                <a:ea typeface="+mn-ea"/>
+                <a:cs typeface="+mn-cs"/>
+              </a:defRPr>
+            </a:lvl7pPr>
+            <a:lvl8pPr marL="3200400" algn="l" defTabSz="457200" rtl="0" eaLnBrk="1" latinLnBrk="0" hangingPunct="1">
+              <a:defRPr sz="1800" kern="1200">
+                <a:solidFill>
+                  <a:schemeClr val="dk1"/>
+                </a:solidFill>
+                <a:latin typeface="+mn-lt"/>
+                <a:ea typeface="+mn-ea"/>
+                <a:cs typeface="+mn-cs"/>
+              </a:defRPr>
+            </a:lvl8pPr>
+            <a:lvl9pPr marL="3657600" algn="l" defTabSz="457200" rtl="0" eaLnBrk="1" latinLnBrk="0" hangingPunct="1">
+              <a:defRPr sz="1800" kern="1200">
+                <a:solidFill>
+                  <a:schemeClr val="dk1"/>
+                </a:solidFill>
+                <a:latin typeface="+mn-lt"/>
+                <a:ea typeface="+mn-ea"/>
+                <a:cs typeface="+mn-cs"/>
+              </a:defRPr>
+            </a:lvl9pPr>
+          </a:lstStyle>
+          <a:p>
+            <a:r>
+              <a:rPr lang="nl-NL" dirty="0" smtClean="0"/>
+              <a:t>0,27</a:t>
+            </a:r>
+            <a:endParaRPr lang="nl-NL" dirty="0"/>
+          </a:p>
+        </p:txBody>
+      </p:sp>
+      <p:sp>
+        <p:nvSpPr>
+          <p:cNvPr id="14" name="TextBox 17"/>
+          <p:cNvSpPr txBox="1"/>
+          <p:nvPr/>
+        </p:nvSpPr>
+        <p:spPr>
+          <a:xfrm>
+            <a:off x="5579112" y="4067918"/>
+            <a:ext cx="595746" cy="369332"/>
+          </a:xfrm>
+          <a:prstGeom prst="rect">
+            <a:avLst/>
+          </a:prstGeom>
+          <a:ln w="28575"/>
+        </p:spPr>
+        <p:style>
+          <a:lnRef idx="2">
+            <a:schemeClr val="accent5"/>
+          </a:lnRef>
+          <a:fillRef idx="1">
+            <a:schemeClr val="lt1"/>
+          </a:fillRef>
+          <a:effectRef idx="0">
+            <a:schemeClr val="accent5"/>
+          </a:effectRef>
+          <a:fontRef idx="minor">
+            <a:schemeClr val="dk1"/>
+          </a:fontRef>
+        </p:style>
+        <p:txBody>
+          <a:bodyPr wrap="square" rtlCol="0">
+            <a:spAutoFit/>
+          </a:bodyPr>
+          <a:lstStyle>
+            <a:defPPr>
+              <a:defRPr lang="nl-NL"/>
+            </a:defPPr>
+            <a:lvl1pPr marL="0" algn="l" defTabSz="457200" rtl="0" eaLnBrk="1" latinLnBrk="0" hangingPunct="1">
+              <a:defRPr sz="1800" kern="1200">
+                <a:solidFill>
+                  <a:schemeClr val="dk1"/>
+                </a:solidFill>
+                <a:latin typeface="+mn-lt"/>
+                <a:ea typeface="+mn-ea"/>
+                <a:cs typeface="+mn-cs"/>
+              </a:defRPr>
+            </a:lvl1pPr>
+            <a:lvl2pPr marL="457200" algn="l" defTabSz="457200" rtl="0" eaLnBrk="1" latinLnBrk="0" hangingPunct="1">
+              <a:defRPr sz="1800" kern="1200">
+                <a:solidFill>
+                  <a:schemeClr val="dk1"/>
+                </a:solidFill>
+                <a:latin typeface="+mn-lt"/>
+                <a:ea typeface="+mn-ea"/>
+                <a:cs typeface="+mn-cs"/>
+              </a:defRPr>
+            </a:lvl2pPr>
+            <a:lvl3pPr marL="914400" algn="l" defTabSz="457200" rtl="0" eaLnBrk="1" latinLnBrk="0" hangingPunct="1">
+              <a:defRPr sz="1800" kern="1200">
+                <a:solidFill>
+                  <a:schemeClr val="dk1"/>
+                </a:solidFill>
+                <a:latin typeface="+mn-lt"/>
+                <a:ea typeface="+mn-ea"/>
+                <a:cs typeface="+mn-cs"/>
+              </a:defRPr>
+            </a:lvl3pPr>
+            <a:lvl4pPr marL="1371600" algn="l" defTabSz="457200" rtl="0" eaLnBrk="1" latinLnBrk="0" hangingPunct="1">
+              <a:defRPr sz="1800" kern="1200">
+                <a:solidFill>
+                  <a:schemeClr val="dk1"/>
+                </a:solidFill>
+                <a:latin typeface="+mn-lt"/>
+                <a:ea typeface="+mn-ea"/>
+                <a:cs typeface="+mn-cs"/>
+              </a:defRPr>
+            </a:lvl4pPr>
+            <a:lvl5pPr marL="1828800" algn="l" defTabSz="457200" rtl="0" eaLnBrk="1" latinLnBrk="0" hangingPunct="1">
+              <a:defRPr sz="1800" kern="1200">
+                <a:solidFill>
+                  <a:schemeClr val="dk1"/>
+                </a:solidFill>
+                <a:latin typeface="+mn-lt"/>
+                <a:ea typeface="+mn-ea"/>
+                <a:cs typeface="+mn-cs"/>
+              </a:defRPr>
+            </a:lvl5pPr>
+            <a:lvl6pPr marL="2286000" algn="l" defTabSz="457200" rtl="0" eaLnBrk="1" latinLnBrk="0" hangingPunct="1">
+              <a:defRPr sz="1800" kern="1200">
+                <a:solidFill>
+                  <a:schemeClr val="dk1"/>
+                </a:solidFill>
+                <a:latin typeface="+mn-lt"/>
+                <a:ea typeface="+mn-ea"/>
+                <a:cs typeface="+mn-cs"/>
+              </a:defRPr>
+            </a:lvl6pPr>
+            <a:lvl7pPr marL="2743200" algn="l" defTabSz="457200" rtl="0" eaLnBrk="1" latinLnBrk="0" hangingPunct="1">
+              <a:defRPr sz="1800" kern="1200">
+                <a:solidFill>
+                  <a:schemeClr val="dk1"/>
+                </a:solidFill>
+                <a:latin typeface="+mn-lt"/>
+                <a:ea typeface="+mn-ea"/>
+                <a:cs typeface="+mn-cs"/>
+              </a:defRPr>
+            </a:lvl7pPr>
+            <a:lvl8pPr marL="3200400" algn="l" defTabSz="457200" rtl="0" eaLnBrk="1" latinLnBrk="0" hangingPunct="1">
+              <a:defRPr sz="1800" kern="1200">
+                <a:solidFill>
+                  <a:schemeClr val="dk1"/>
+                </a:solidFill>
+                <a:latin typeface="+mn-lt"/>
+                <a:ea typeface="+mn-ea"/>
+                <a:cs typeface="+mn-cs"/>
+              </a:defRPr>
+            </a:lvl8pPr>
+            <a:lvl9pPr marL="3657600" algn="l" defTabSz="457200" rtl="0" eaLnBrk="1" latinLnBrk="0" hangingPunct="1">
+              <a:defRPr sz="1800" kern="1200">
+                <a:solidFill>
+                  <a:schemeClr val="dk1"/>
+                </a:solidFill>
+                <a:latin typeface="+mn-lt"/>
+                <a:ea typeface="+mn-ea"/>
+                <a:cs typeface="+mn-cs"/>
+              </a:defRPr>
+            </a:lvl9pPr>
+          </a:lstStyle>
+          <a:p>
+            <a:r>
+              <a:rPr lang="nl-NL" dirty="0" smtClean="0"/>
+              <a:t>0,27</a:t>
+            </a:r>
+            <a:endParaRPr lang="nl-NL" dirty="0"/>
+          </a:p>
+        </p:txBody>
+      </p:sp>
+      <p:sp>
+        <p:nvSpPr>
+          <p:cNvPr id="15" name="TextBox 17"/>
+          <p:cNvSpPr txBox="1"/>
+          <p:nvPr/>
+        </p:nvSpPr>
+        <p:spPr>
+          <a:xfrm>
+            <a:off x="10294545" y="1986227"/>
+            <a:ext cx="595746" cy="369332"/>
+          </a:xfrm>
+          <a:prstGeom prst="rect">
+            <a:avLst/>
+          </a:prstGeom>
+          <a:ln w="28575"/>
+        </p:spPr>
+        <p:style>
+          <a:lnRef idx="2">
+            <a:schemeClr val="accent5"/>
+          </a:lnRef>
+          <a:fillRef idx="1">
+            <a:schemeClr val="lt1"/>
+          </a:fillRef>
+          <a:effectRef idx="0">
+            <a:schemeClr val="accent5"/>
+          </a:effectRef>
+          <a:fontRef idx="minor">
+            <a:schemeClr val="dk1"/>
+          </a:fontRef>
+        </p:style>
+        <p:txBody>
+          <a:bodyPr wrap="square" rtlCol="0">
+            <a:spAutoFit/>
+          </a:bodyPr>
+          <a:lstStyle>
+            <a:defPPr>
+              <a:defRPr lang="nl-NL"/>
+            </a:defPPr>
+            <a:lvl1pPr marL="0" algn="l" defTabSz="457200" rtl="0" eaLnBrk="1" latinLnBrk="0" hangingPunct="1">
+              <a:defRPr sz="1800" kern="1200">
+                <a:solidFill>
+                  <a:schemeClr val="dk1"/>
+                </a:solidFill>
+                <a:latin typeface="+mn-lt"/>
+                <a:ea typeface="+mn-ea"/>
+                <a:cs typeface="+mn-cs"/>
+              </a:defRPr>
+            </a:lvl1pPr>
+            <a:lvl2pPr marL="457200" algn="l" defTabSz="457200" rtl="0" eaLnBrk="1" latinLnBrk="0" hangingPunct="1">
+              <a:defRPr sz="1800" kern="1200">
+                <a:solidFill>
+                  <a:schemeClr val="dk1"/>
+                </a:solidFill>
+                <a:latin typeface="+mn-lt"/>
+                <a:ea typeface="+mn-ea"/>
+                <a:cs typeface="+mn-cs"/>
+              </a:defRPr>
+            </a:lvl2pPr>
+            <a:lvl3pPr marL="914400" algn="l" defTabSz="457200" rtl="0" eaLnBrk="1" latinLnBrk="0" hangingPunct="1">
+              <a:defRPr sz="1800" kern="1200">
+                <a:solidFill>
+                  <a:schemeClr val="dk1"/>
+                </a:solidFill>
+                <a:latin typeface="+mn-lt"/>
+                <a:ea typeface="+mn-ea"/>
+                <a:cs typeface="+mn-cs"/>
+              </a:defRPr>
+            </a:lvl3pPr>
+            <a:lvl4pPr marL="1371600" algn="l" defTabSz="457200" rtl="0" eaLnBrk="1" latinLnBrk="0" hangingPunct="1">
+              <a:defRPr sz="1800" kern="1200">
+                <a:solidFill>
+                  <a:schemeClr val="dk1"/>
+                </a:solidFill>
+                <a:latin typeface="+mn-lt"/>
+                <a:ea typeface="+mn-ea"/>
+                <a:cs typeface="+mn-cs"/>
+              </a:defRPr>
+            </a:lvl4pPr>
+            <a:lvl5pPr marL="1828800" algn="l" defTabSz="457200" rtl="0" eaLnBrk="1" latinLnBrk="0" hangingPunct="1">
+              <a:defRPr sz="1800" kern="1200">
+                <a:solidFill>
+                  <a:schemeClr val="dk1"/>
+                </a:solidFill>
+                <a:latin typeface="+mn-lt"/>
+                <a:ea typeface="+mn-ea"/>
+                <a:cs typeface="+mn-cs"/>
+              </a:defRPr>
+            </a:lvl5pPr>
+            <a:lvl6pPr marL="2286000" algn="l" defTabSz="457200" rtl="0" eaLnBrk="1" latinLnBrk="0" hangingPunct="1">
+              <a:defRPr sz="1800" kern="1200">
+                <a:solidFill>
+                  <a:schemeClr val="dk1"/>
+                </a:solidFill>
+                <a:latin typeface="+mn-lt"/>
+                <a:ea typeface="+mn-ea"/>
+                <a:cs typeface="+mn-cs"/>
+              </a:defRPr>
+            </a:lvl6pPr>
+            <a:lvl7pPr marL="2743200" algn="l" defTabSz="457200" rtl="0" eaLnBrk="1" latinLnBrk="0" hangingPunct="1">
+              <a:defRPr sz="1800" kern="1200">
+                <a:solidFill>
+                  <a:schemeClr val="dk1"/>
+                </a:solidFill>
+                <a:latin typeface="+mn-lt"/>
+                <a:ea typeface="+mn-ea"/>
+                <a:cs typeface="+mn-cs"/>
+              </a:defRPr>
+            </a:lvl7pPr>
+            <a:lvl8pPr marL="3200400" algn="l" defTabSz="457200" rtl="0" eaLnBrk="1" latinLnBrk="0" hangingPunct="1">
+              <a:defRPr sz="1800" kern="1200">
+                <a:solidFill>
+                  <a:schemeClr val="dk1"/>
+                </a:solidFill>
+                <a:latin typeface="+mn-lt"/>
+                <a:ea typeface="+mn-ea"/>
+                <a:cs typeface="+mn-cs"/>
+              </a:defRPr>
+            </a:lvl8pPr>
+            <a:lvl9pPr marL="3657600" algn="l" defTabSz="457200" rtl="0" eaLnBrk="1" latinLnBrk="0" hangingPunct="1">
+              <a:defRPr sz="1800" kern="1200">
+                <a:solidFill>
+                  <a:schemeClr val="dk1"/>
+                </a:solidFill>
+                <a:latin typeface="+mn-lt"/>
+                <a:ea typeface="+mn-ea"/>
+                <a:cs typeface="+mn-cs"/>
+              </a:defRPr>
+            </a:lvl9pPr>
+          </a:lstStyle>
+          <a:p>
+            <a:r>
+              <a:rPr lang="nl-NL" dirty="0" smtClean="0"/>
+              <a:t>0,89</a:t>
+            </a:r>
+            <a:endParaRPr lang="nl-NL" dirty="0"/>
+          </a:p>
+        </p:txBody>
+      </p:sp>
+      <p:sp>
+        <p:nvSpPr>
+          <p:cNvPr id="16" name="TextBox 17"/>
+          <p:cNvSpPr txBox="1"/>
+          <p:nvPr/>
+        </p:nvSpPr>
+        <p:spPr>
+          <a:xfrm>
+            <a:off x="10476263" y="4065536"/>
+            <a:ext cx="595746" cy="369332"/>
+          </a:xfrm>
+          <a:prstGeom prst="rect">
+            <a:avLst/>
+          </a:prstGeom>
+          <a:ln w="28575"/>
+        </p:spPr>
+        <p:style>
+          <a:lnRef idx="2">
+            <a:schemeClr val="accent5"/>
+          </a:lnRef>
+          <a:fillRef idx="1">
+            <a:schemeClr val="lt1"/>
+          </a:fillRef>
+          <a:effectRef idx="0">
+            <a:schemeClr val="accent5"/>
+          </a:effectRef>
+          <a:fontRef idx="minor">
+            <a:schemeClr val="dk1"/>
+          </a:fontRef>
+        </p:style>
+        <p:txBody>
+          <a:bodyPr wrap="square" rtlCol="0">
+            <a:spAutoFit/>
+          </a:bodyPr>
+          <a:lstStyle>
+            <a:defPPr>
+              <a:defRPr lang="nl-NL"/>
+            </a:defPPr>
+            <a:lvl1pPr marL="0" algn="l" defTabSz="457200" rtl="0" eaLnBrk="1" latinLnBrk="0" hangingPunct="1">
+              <a:defRPr sz="1800" kern="1200">
+                <a:solidFill>
+                  <a:schemeClr val="dk1"/>
+                </a:solidFill>
+                <a:latin typeface="+mn-lt"/>
+                <a:ea typeface="+mn-ea"/>
+                <a:cs typeface="+mn-cs"/>
+              </a:defRPr>
+            </a:lvl1pPr>
+            <a:lvl2pPr marL="457200" algn="l" defTabSz="457200" rtl="0" eaLnBrk="1" latinLnBrk="0" hangingPunct="1">
+              <a:defRPr sz="1800" kern="1200">
+                <a:solidFill>
+                  <a:schemeClr val="dk1"/>
+                </a:solidFill>
+                <a:latin typeface="+mn-lt"/>
+                <a:ea typeface="+mn-ea"/>
+                <a:cs typeface="+mn-cs"/>
+              </a:defRPr>
+            </a:lvl2pPr>
+            <a:lvl3pPr marL="914400" algn="l" defTabSz="457200" rtl="0" eaLnBrk="1" latinLnBrk="0" hangingPunct="1">
+              <a:defRPr sz="1800" kern="1200">
+                <a:solidFill>
+                  <a:schemeClr val="dk1"/>
+                </a:solidFill>
+                <a:latin typeface="+mn-lt"/>
+                <a:ea typeface="+mn-ea"/>
+                <a:cs typeface="+mn-cs"/>
+              </a:defRPr>
+            </a:lvl3pPr>
+            <a:lvl4pPr marL="1371600" algn="l" defTabSz="457200" rtl="0" eaLnBrk="1" latinLnBrk="0" hangingPunct="1">
+              <a:defRPr sz="1800" kern="1200">
+                <a:solidFill>
+                  <a:schemeClr val="dk1"/>
+                </a:solidFill>
+                <a:latin typeface="+mn-lt"/>
+                <a:ea typeface="+mn-ea"/>
+                <a:cs typeface="+mn-cs"/>
+              </a:defRPr>
+            </a:lvl4pPr>
+            <a:lvl5pPr marL="1828800" algn="l" defTabSz="457200" rtl="0" eaLnBrk="1" latinLnBrk="0" hangingPunct="1">
+              <a:defRPr sz="1800" kern="1200">
+                <a:solidFill>
+                  <a:schemeClr val="dk1"/>
+                </a:solidFill>
+                <a:latin typeface="+mn-lt"/>
+                <a:ea typeface="+mn-ea"/>
+                <a:cs typeface="+mn-cs"/>
+              </a:defRPr>
+            </a:lvl5pPr>
+            <a:lvl6pPr marL="2286000" algn="l" defTabSz="457200" rtl="0" eaLnBrk="1" latinLnBrk="0" hangingPunct="1">
+              <a:defRPr sz="1800" kern="1200">
+                <a:solidFill>
+                  <a:schemeClr val="dk1"/>
+                </a:solidFill>
+                <a:latin typeface="+mn-lt"/>
+                <a:ea typeface="+mn-ea"/>
+                <a:cs typeface="+mn-cs"/>
+              </a:defRPr>
+            </a:lvl6pPr>
+            <a:lvl7pPr marL="2743200" algn="l" defTabSz="457200" rtl="0" eaLnBrk="1" latinLnBrk="0" hangingPunct="1">
+              <a:defRPr sz="1800" kern="1200">
+                <a:solidFill>
+                  <a:schemeClr val="dk1"/>
+                </a:solidFill>
+                <a:latin typeface="+mn-lt"/>
+                <a:ea typeface="+mn-ea"/>
+                <a:cs typeface="+mn-cs"/>
+              </a:defRPr>
+            </a:lvl7pPr>
+            <a:lvl8pPr marL="3200400" algn="l" defTabSz="457200" rtl="0" eaLnBrk="1" latinLnBrk="0" hangingPunct="1">
+              <a:defRPr sz="1800" kern="1200">
+                <a:solidFill>
+                  <a:schemeClr val="dk1"/>
+                </a:solidFill>
+                <a:latin typeface="+mn-lt"/>
+                <a:ea typeface="+mn-ea"/>
+                <a:cs typeface="+mn-cs"/>
+              </a:defRPr>
+            </a:lvl8pPr>
+            <a:lvl9pPr marL="3657600" algn="l" defTabSz="457200" rtl="0" eaLnBrk="1" latinLnBrk="0" hangingPunct="1">
+              <a:defRPr sz="1800" kern="1200">
+                <a:solidFill>
+                  <a:schemeClr val="dk1"/>
+                </a:solidFill>
+                <a:latin typeface="+mn-lt"/>
+                <a:ea typeface="+mn-ea"/>
+                <a:cs typeface="+mn-cs"/>
+              </a:defRPr>
+            </a:lvl9pPr>
+          </a:lstStyle>
+          <a:p>
+            <a:r>
+              <a:rPr lang="nl-NL" dirty="0" smtClean="0"/>
+              <a:t>0,41</a:t>
+            </a:r>
+            <a:endParaRPr lang="nl-NL" dirty="0"/>
+          </a:p>
+        </p:txBody>
+      </p:sp>
+      <p:sp>
+        <p:nvSpPr>
+          <p:cNvPr id="17" name="TextBox 17"/>
+          <p:cNvSpPr txBox="1"/>
+          <p:nvPr/>
+        </p:nvSpPr>
+        <p:spPr>
+          <a:xfrm>
+            <a:off x="2297131" y="2432873"/>
+            <a:ext cx="595746" cy="369332"/>
+          </a:xfrm>
+          <a:prstGeom prst="rect">
+            <a:avLst/>
+          </a:prstGeom>
+          <a:ln w="28575"/>
+        </p:spPr>
+        <p:style>
+          <a:lnRef idx="2">
+            <a:schemeClr val="accent5"/>
+          </a:lnRef>
+          <a:fillRef idx="1">
+            <a:schemeClr val="lt1"/>
+          </a:fillRef>
+          <a:effectRef idx="0">
+            <a:schemeClr val="accent5"/>
+          </a:effectRef>
+          <a:fontRef idx="minor">
+            <a:schemeClr val="dk1"/>
+          </a:fontRef>
+        </p:style>
+        <p:txBody>
+          <a:bodyPr wrap="square" rtlCol="0">
+            <a:spAutoFit/>
+          </a:bodyPr>
+          <a:lstStyle>
+            <a:defPPr>
+              <a:defRPr lang="nl-NL"/>
+            </a:defPPr>
+            <a:lvl1pPr marL="0" algn="l" defTabSz="457200" rtl="0" eaLnBrk="1" latinLnBrk="0" hangingPunct="1">
+              <a:defRPr sz="1800" kern="1200">
+                <a:solidFill>
+                  <a:schemeClr val="dk1"/>
+                </a:solidFill>
+                <a:latin typeface="+mn-lt"/>
+                <a:ea typeface="+mn-ea"/>
+                <a:cs typeface="+mn-cs"/>
+              </a:defRPr>
+            </a:lvl1pPr>
+            <a:lvl2pPr marL="457200" algn="l" defTabSz="457200" rtl="0" eaLnBrk="1" latinLnBrk="0" hangingPunct="1">
+              <a:defRPr sz="1800" kern="1200">
+                <a:solidFill>
+                  <a:schemeClr val="dk1"/>
+                </a:solidFill>
+                <a:latin typeface="+mn-lt"/>
+                <a:ea typeface="+mn-ea"/>
+                <a:cs typeface="+mn-cs"/>
+              </a:defRPr>
+            </a:lvl2pPr>
+            <a:lvl3pPr marL="914400" algn="l" defTabSz="457200" rtl="0" eaLnBrk="1" latinLnBrk="0" hangingPunct="1">
+              <a:defRPr sz="1800" kern="1200">
+                <a:solidFill>
+                  <a:schemeClr val="dk1"/>
+                </a:solidFill>
+                <a:latin typeface="+mn-lt"/>
+                <a:ea typeface="+mn-ea"/>
+                <a:cs typeface="+mn-cs"/>
+              </a:defRPr>
+            </a:lvl3pPr>
+            <a:lvl4pPr marL="1371600" algn="l" defTabSz="457200" rtl="0" eaLnBrk="1" latinLnBrk="0" hangingPunct="1">
+              <a:defRPr sz="1800" kern="1200">
+                <a:solidFill>
+                  <a:schemeClr val="dk1"/>
+                </a:solidFill>
+                <a:latin typeface="+mn-lt"/>
+                <a:ea typeface="+mn-ea"/>
+                <a:cs typeface="+mn-cs"/>
+              </a:defRPr>
+            </a:lvl4pPr>
+            <a:lvl5pPr marL="1828800" algn="l" defTabSz="457200" rtl="0" eaLnBrk="1" latinLnBrk="0" hangingPunct="1">
+              <a:defRPr sz="1800" kern="1200">
+                <a:solidFill>
+                  <a:schemeClr val="dk1"/>
+                </a:solidFill>
+                <a:latin typeface="+mn-lt"/>
+                <a:ea typeface="+mn-ea"/>
+                <a:cs typeface="+mn-cs"/>
+              </a:defRPr>
+            </a:lvl5pPr>
+            <a:lvl6pPr marL="2286000" algn="l" defTabSz="457200" rtl="0" eaLnBrk="1" latinLnBrk="0" hangingPunct="1">
+              <a:defRPr sz="1800" kern="1200">
+                <a:solidFill>
+                  <a:schemeClr val="dk1"/>
+                </a:solidFill>
+                <a:latin typeface="+mn-lt"/>
+                <a:ea typeface="+mn-ea"/>
+                <a:cs typeface="+mn-cs"/>
+              </a:defRPr>
+            </a:lvl6pPr>
+            <a:lvl7pPr marL="2743200" algn="l" defTabSz="457200" rtl="0" eaLnBrk="1" latinLnBrk="0" hangingPunct="1">
+              <a:defRPr sz="1800" kern="1200">
+                <a:solidFill>
+                  <a:schemeClr val="dk1"/>
+                </a:solidFill>
+                <a:latin typeface="+mn-lt"/>
+                <a:ea typeface="+mn-ea"/>
+                <a:cs typeface="+mn-cs"/>
+              </a:defRPr>
+            </a:lvl7pPr>
+            <a:lvl8pPr marL="3200400" algn="l" defTabSz="457200" rtl="0" eaLnBrk="1" latinLnBrk="0" hangingPunct="1">
+              <a:defRPr sz="1800" kern="1200">
+                <a:solidFill>
+                  <a:schemeClr val="dk1"/>
+                </a:solidFill>
+                <a:latin typeface="+mn-lt"/>
+                <a:ea typeface="+mn-ea"/>
+                <a:cs typeface="+mn-cs"/>
+              </a:defRPr>
+            </a:lvl8pPr>
+            <a:lvl9pPr marL="3657600" algn="l" defTabSz="457200" rtl="0" eaLnBrk="1" latinLnBrk="0" hangingPunct="1">
+              <a:defRPr sz="1800" kern="1200">
+                <a:solidFill>
+                  <a:schemeClr val="dk1"/>
+                </a:solidFill>
+                <a:latin typeface="+mn-lt"/>
+                <a:ea typeface="+mn-ea"/>
+                <a:cs typeface="+mn-cs"/>
+              </a:defRPr>
+            </a:lvl9pPr>
+          </a:lstStyle>
+          <a:p>
+            <a:r>
+              <a:rPr lang="nl-NL" dirty="0" smtClean="0"/>
+              <a:t>0,41</a:t>
+            </a:r>
+            <a:endParaRPr lang="nl-NL" dirty="0"/>
+          </a:p>
+        </p:txBody>
+      </p:sp>
+      <p:sp>
+        <p:nvSpPr>
+          <p:cNvPr id="18" name="Tekstvak 3"/>
+          <p:cNvSpPr txBox="1"/>
+          <p:nvPr/>
+        </p:nvSpPr>
+        <p:spPr>
+          <a:xfrm>
+            <a:off x="454778" y="297845"/>
+            <a:ext cx="3044624" cy="523220"/>
+          </a:xfrm>
+          <a:prstGeom prst="rect">
+            <a:avLst/>
+          </a:prstGeom>
+          <a:noFill/>
+        </p:spPr>
+        <p:txBody>
+          <a:bodyPr wrap="none" rtlCol="0">
+            <a:spAutoFit/>
+          </a:bodyPr>
+          <a:lstStyle/>
+          <a:p>
+            <a:r>
+              <a:rPr lang="en-US" sz="2800" dirty="0" smtClean="0">
+                <a:solidFill>
+                  <a:schemeClr val="tx2"/>
+                </a:solidFill>
+              </a:rPr>
+              <a:t>Relevance of terms</a:t>
+            </a:r>
+            <a:endParaRPr lang="en-US" sz="2800" dirty="0">
+              <a:solidFill>
+                <a:schemeClr val="tx2"/>
+              </a:solidFill>
+            </a:endParaRPr>
+          </a:p>
+        </p:txBody>
+      </p:sp>
+      <p:sp>
+        <p:nvSpPr>
+          <p:cNvPr id="19" name="Tekstvak 18"/>
+          <p:cNvSpPr txBox="1"/>
+          <p:nvPr/>
+        </p:nvSpPr>
+        <p:spPr>
+          <a:xfrm>
+            <a:off x="823366" y="1193946"/>
+            <a:ext cx="3801041" cy="369332"/>
+          </a:xfrm>
+          <a:prstGeom prst="rect">
+            <a:avLst/>
+          </a:prstGeom>
+          <a:noFill/>
+        </p:spPr>
+        <p:txBody>
+          <a:bodyPr wrap="none" rtlCol="0">
+            <a:spAutoFit/>
+          </a:bodyPr>
+          <a:lstStyle/>
+          <a:p>
+            <a:r>
+              <a:rPr lang="en-US" b="1" dirty="0" smtClean="0"/>
+              <a:t>Relevance </a:t>
+            </a:r>
+            <a:r>
+              <a:rPr lang="en-US" dirty="0" smtClean="0"/>
+              <a:t>of terms in a specific </a:t>
+            </a:r>
+            <a:r>
+              <a:rPr lang="en-US" b="1" dirty="0" smtClean="0"/>
+              <a:t>article</a:t>
+            </a:r>
+            <a:endParaRPr lang="en-US" b="1" dirty="0"/>
+          </a:p>
+        </p:txBody>
+      </p:sp>
+      <p:pic>
+        <p:nvPicPr>
+          <p:cNvPr id="20" name="Afbeelding 22" descr="formula.pdf"/>
+          <p:cNvPicPr>
+            <a:picLocks noChangeAspect="1"/>
+          </p:cNvPicPr>
+          <p:nvPr/>
+        </p:nvPicPr>
+        <p:blipFill rotWithShape="1">
+          <a:blip r:embed="rId2">
+            <a:extLst>
+              <a:ext uri="{28A0092B-C50C-407E-A947-70E740481C1C}">
+                <a14:useLocalDpi xmlns:a14="http://schemas.microsoft.com/office/drawing/2010/main" val="0"/>
+              </a:ext>
+            </a:extLst>
+          </a:blip>
+          <a:srcRect l="19823" t="8188" r="68866" b="87304"/>
+          <a:stretch/>
+        </p:blipFill>
+        <p:spPr>
+          <a:xfrm>
+            <a:off x="4712615" y="5392922"/>
+            <a:ext cx="2328741" cy="1201099"/>
+          </a:xfrm>
+          <a:prstGeom prst="rect">
+            <a:avLst/>
+          </a:prstGeom>
+        </p:spPr>
+      </p:pic>
+      <p:pic>
+        <p:nvPicPr>
+          <p:cNvPr id="21" name="Afbeelding 23" descr="formula.pdf"/>
+          <p:cNvPicPr>
+            <a:picLocks noChangeAspect="1"/>
+          </p:cNvPicPr>
+          <p:nvPr/>
+        </p:nvPicPr>
+        <p:blipFill rotWithShape="1">
+          <a:blip r:embed="rId2">
+            <a:extLst>
+              <a:ext uri="{28A0092B-C50C-407E-A947-70E740481C1C}">
+                <a14:useLocalDpi xmlns:a14="http://schemas.microsoft.com/office/drawing/2010/main" val="0"/>
+              </a:ext>
+            </a:extLst>
+          </a:blip>
+          <a:srcRect l="7538" t="8188" r="80448" b="87304"/>
+          <a:stretch/>
+        </p:blipFill>
+        <p:spPr>
+          <a:xfrm>
+            <a:off x="3084165" y="5646953"/>
+            <a:ext cx="1356432" cy="658658"/>
+          </a:xfrm>
+          <a:prstGeom prst="rect">
+            <a:avLst/>
+          </a:prstGeom>
+        </p:spPr>
+      </p:pic>
+      <p:pic>
+        <p:nvPicPr>
+          <p:cNvPr id="22" name="Afbeelding 24" descr="formula.pdf"/>
+          <p:cNvPicPr>
+            <a:picLocks noChangeAspect="1"/>
+          </p:cNvPicPr>
+          <p:nvPr/>
+        </p:nvPicPr>
+        <p:blipFill rotWithShape="1">
+          <a:blip r:embed="rId2">
+            <a:extLst>
+              <a:ext uri="{28A0092B-C50C-407E-A947-70E740481C1C}">
+                <a14:useLocalDpi xmlns:a14="http://schemas.microsoft.com/office/drawing/2010/main" val="0"/>
+              </a:ext>
+            </a:extLst>
+          </a:blip>
+          <a:srcRect l="31328" t="8188" r="52083" b="87304"/>
+          <a:stretch/>
+        </p:blipFill>
+        <p:spPr>
+          <a:xfrm>
+            <a:off x="7134126" y="5646954"/>
+            <a:ext cx="1855990" cy="652685"/>
+          </a:xfrm>
+          <a:prstGeom prst="rect">
+            <a:avLst/>
+          </a:prstGeom>
+        </p:spPr>
+      </p:pic>
+      <p:cxnSp>
+        <p:nvCxnSpPr>
+          <p:cNvPr id="23" name="Rechte verbindingslijn 26"/>
+          <p:cNvCxnSpPr/>
+          <p:nvPr/>
+        </p:nvCxnSpPr>
+        <p:spPr>
+          <a:xfrm>
+            <a:off x="4712615" y="6361558"/>
+            <a:ext cx="2328741" cy="0"/>
+          </a:xfrm>
+          <a:prstGeom prst="line">
+            <a:avLst/>
+          </a:prstGeom>
+        </p:spPr>
+        <p:style>
+          <a:lnRef idx="3">
+            <a:schemeClr val="accent2"/>
+          </a:lnRef>
+          <a:fillRef idx="0">
+            <a:schemeClr val="accent2"/>
+          </a:fillRef>
+          <a:effectRef idx="2">
+            <a:schemeClr val="accent2"/>
+          </a:effectRef>
+          <a:fontRef idx="minor">
+            <a:schemeClr val="tx1"/>
+          </a:fontRef>
+        </p:style>
+      </p:cxnSp>
+      <p:sp>
+        <p:nvSpPr>
+          <p:cNvPr id="40" name="TextBox 17"/>
+          <p:cNvSpPr txBox="1"/>
+          <p:nvPr/>
+        </p:nvSpPr>
+        <p:spPr>
+          <a:xfrm>
+            <a:off x="11353800" y="3062370"/>
+            <a:ext cx="595746" cy="369332"/>
+          </a:xfrm>
+          <a:prstGeom prst="rect">
+            <a:avLst/>
+          </a:prstGeom>
+          <a:ln w="28575"/>
+        </p:spPr>
+        <p:style>
+          <a:lnRef idx="2">
+            <a:schemeClr val="accent5"/>
+          </a:lnRef>
+          <a:fillRef idx="1">
+            <a:schemeClr val="lt1"/>
+          </a:fillRef>
+          <a:effectRef idx="0">
+            <a:schemeClr val="accent5"/>
+          </a:effectRef>
+          <a:fontRef idx="minor">
+            <a:schemeClr val="dk1"/>
+          </a:fontRef>
+        </p:style>
+        <p:txBody>
+          <a:bodyPr wrap="square" rtlCol="0">
+            <a:spAutoFit/>
+          </a:bodyPr>
+          <a:lstStyle>
+            <a:defPPr>
+              <a:defRPr lang="nl-NL"/>
+            </a:defPPr>
+            <a:lvl1pPr marL="0" algn="l" defTabSz="457200" rtl="0" eaLnBrk="1" latinLnBrk="0" hangingPunct="1">
+              <a:defRPr sz="1800" kern="1200">
+                <a:solidFill>
+                  <a:schemeClr val="dk1"/>
+                </a:solidFill>
+                <a:latin typeface="+mn-lt"/>
+                <a:ea typeface="+mn-ea"/>
+                <a:cs typeface="+mn-cs"/>
+              </a:defRPr>
+            </a:lvl1pPr>
+            <a:lvl2pPr marL="457200" algn="l" defTabSz="457200" rtl="0" eaLnBrk="1" latinLnBrk="0" hangingPunct="1">
+              <a:defRPr sz="1800" kern="1200">
+                <a:solidFill>
+                  <a:schemeClr val="dk1"/>
+                </a:solidFill>
+                <a:latin typeface="+mn-lt"/>
+                <a:ea typeface="+mn-ea"/>
+                <a:cs typeface="+mn-cs"/>
+              </a:defRPr>
+            </a:lvl2pPr>
+            <a:lvl3pPr marL="914400" algn="l" defTabSz="457200" rtl="0" eaLnBrk="1" latinLnBrk="0" hangingPunct="1">
+              <a:defRPr sz="1800" kern="1200">
+                <a:solidFill>
+                  <a:schemeClr val="dk1"/>
+                </a:solidFill>
+                <a:latin typeface="+mn-lt"/>
+                <a:ea typeface="+mn-ea"/>
+                <a:cs typeface="+mn-cs"/>
+              </a:defRPr>
+            </a:lvl3pPr>
+            <a:lvl4pPr marL="1371600" algn="l" defTabSz="457200" rtl="0" eaLnBrk="1" latinLnBrk="0" hangingPunct="1">
+              <a:defRPr sz="1800" kern="1200">
+                <a:solidFill>
+                  <a:schemeClr val="dk1"/>
+                </a:solidFill>
+                <a:latin typeface="+mn-lt"/>
+                <a:ea typeface="+mn-ea"/>
+                <a:cs typeface="+mn-cs"/>
+              </a:defRPr>
+            </a:lvl4pPr>
+            <a:lvl5pPr marL="1828800" algn="l" defTabSz="457200" rtl="0" eaLnBrk="1" latinLnBrk="0" hangingPunct="1">
+              <a:defRPr sz="1800" kern="1200">
+                <a:solidFill>
+                  <a:schemeClr val="dk1"/>
+                </a:solidFill>
+                <a:latin typeface="+mn-lt"/>
+                <a:ea typeface="+mn-ea"/>
+                <a:cs typeface="+mn-cs"/>
+              </a:defRPr>
+            </a:lvl5pPr>
+            <a:lvl6pPr marL="2286000" algn="l" defTabSz="457200" rtl="0" eaLnBrk="1" latinLnBrk="0" hangingPunct="1">
+              <a:defRPr sz="1800" kern="1200">
+                <a:solidFill>
+                  <a:schemeClr val="dk1"/>
+                </a:solidFill>
+                <a:latin typeface="+mn-lt"/>
+                <a:ea typeface="+mn-ea"/>
+                <a:cs typeface="+mn-cs"/>
+              </a:defRPr>
+            </a:lvl6pPr>
+            <a:lvl7pPr marL="2743200" algn="l" defTabSz="457200" rtl="0" eaLnBrk="1" latinLnBrk="0" hangingPunct="1">
+              <a:defRPr sz="1800" kern="1200">
+                <a:solidFill>
+                  <a:schemeClr val="dk1"/>
+                </a:solidFill>
+                <a:latin typeface="+mn-lt"/>
+                <a:ea typeface="+mn-ea"/>
+                <a:cs typeface="+mn-cs"/>
+              </a:defRPr>
+            </a:lvl7pPr>
+            <a:lvl8pPr marL="3200400" algn="l" defTabSz="457200" rtl="0" eaLnBrk="1" latinLnBrk="0" hangingPunct="1">
+              <a:defRPr sz="1800" kern="1200">
+                <a:solidFill>
+                  <a:schemeClr val="dk1"/>
+                </a:solidFill>
+                <a:latin typeface="+mn-lt"/>
+                <a:ea typeface="+mn-ea"/>
+                <a:cs typeface="+mn-cs"/>
+              </a:defRPr>
+            </a:lvl8pPr>
+            <a:lvl9pPr marL="3657600" algn="l" defTabSz="457200" rtl="0" eaLnBrk="1" latinLnBrk="0" hangingPunct="1">
+              <a:defRPr sz="1800" kern="1200">
+                <a:solidFill>
+                  <a:schemeClr val="dk1"/>
+                </a:solidFill>
+                <a:latin typeface="+mn-lt"/>
+                <a:ea typeface="+mn-ea"/>
+                <a:cs typeface="+mn-cs"/>
+              </a:defRPr>
+            </a:lvl9pPr>
+          </a:lstStyle>
+          <a:p>
+            <a:r>
+              <a:rPr lang="nl-NL" dirty="0" smtClean="0"/>
+              <a:t>0,22</a:t>
+            </a:r>
+            <a:endParaRPr lang="nl-NL" dirty="0"/>
           </a:p>
         </p:txBody>
       </p:sp>
     </p:spTree>
     <p:extLst>
       <p:ext uri="{BB962C8B-B14F-4D97-AF65-F5344CB8AC3E}">
-        <p14:creationId xmlns:p14="http://schemas.microsoft.com/office/powerpoint/2010/main" val="4098325094"/>
+        <p14:creationId xmlns:p14="http://schemas.microsoft.com/office/powerpoint/2010/main" val="3571606672"/>
       </p:ext>
     </p:extLst>
   </p:cSld>
@@ -3769,38 +4400,7 @@
       </p:grpSpPr>
       <p:sp>
         <p:nvSpPr>
-          <p:cNvPr id="2" name="Title 1"/>
-          <p:cNvSpPr>
-            <a:spLocks noGrp="1"/>
-          </p:cNvSpPr>
-          <p:nvPr>
-            <p:ph type="title"/>
-          </p:nvPr>
-        </p:nvSpPr>
-        <p:spPr/>
-        <p:txBody>
-          <a:bodyPr/>
-          <a:lstStyle/>
-          <a:p>
-            <a:r>
-              <a:rPr lang="nl-NL" dirty="0" err="1" smtClean="0"/>
-              <a:t>Entity</a:t>
-            </a:r>
-            <a:r>
-              <a:rPr lang="nl-NL" dirty="0" smtClean="0"/>
-              <a:t> </a:t>
-            </a:r>
-            <a:r>
-              <a:rPr lang="nl-NL" dirty="0" err="1" smtClean="0"/>
-              <a:t>extraction</a:t>
-            </a:r>
-            <a:endParaRPr lang="nl-NL" dirty="0"/>
-          </a:p>
-        </p:txBody>
-      </p:sp>
-      <p:sp>
-        <p:nvSpPr>
-          <p:cNvPr id="3" name="Content Placeholder 2"/>
+          <p:cNvPr id="5" name="Content Placeholder 4"/>
           <p:cNvSpPr>
             <a:spLocks noGrp="1"/>
           </p:cNvSpPr>
@@ -3810,428 +4410,160 @@
         </p:nvSpPr>
         <p:spPr>
           <a:xfrm>
-            <a:off x="628650" y="2694709"/>
-            <a:ext cx="7886700" cy="3482254"/>
-          </a:xfrm>
-        </p:spPr>
-        <p:txBody>
-          <a:bodyPr/>
-          <a:lstStyle/>
-          <a:p>
-            <a:r>
-              <a:rPr lang="nl-NL" dirty="0" err="1" smtClean="0"/>
-              <a:t>Relevance</a:t>
-            </a:r>
-            <a:endParaRPr lang="nl-NL" dirty="0" smtClean="0"/>
-          </a:p>
-          <a:p>
-            <a:pPr>
-              <a:lnSpc>
-                <a:spcPct val="250000"/>
-              </a:lnSpc>
+            <a:off x="702129" y="2334986"/>
+            <a:ext cx="10515600" cy="3291337"/>
+          </a:xfrm>
+        </p:spPr>
+        <p:txBody>
+          <a:bodyPr>
+            <a:normAutofit fontScale="85000" lnSpcReduction="20000"/>
+          </a:bodyPr>
+          <a:lstStyle/>
+          <a:p>
+            <a:pPr marL="0" indent="0" algn="just">
+              <a:buNone/>
             </a:pPr>
             <a:r>
-              <a:rPr lang="nl-NL" dirty="0" err="1" smtClean="0"/>
-              <a:t>Linked</a:t>
-            </a:r>
-            <a:r>
-              <a:rPr lang="nl-NL" dirty="0" smtClean="0"/>
-              <a:t> Data (</a:t>
-            </a:r>
-            <a:r>
-              <a:rPr lang="nl-NL" dirty="0" err="1" smtClean="0"/>
-              <a:t>Dbpedia</a:t>
-            </a:r>
-            <a:r>
-              <a:rPr lang="nl-NL" dirty="0" smtClean="0"/>
-              <a:t>, </a:t>
-            </a:r>
-            <a:r>
-              <a:rPr lang="nl-NL" dirty="0" err="1" smtClean="0"/>
-              <a:t>Yago</a:t>
-            </a:r>
-            <a:r>
-              <a:rPr lang="nl-NL" dirty="0" smtClean="0"/>
-              <a:t>, etc.)</a:t>
-            </a:r>
-            <a:endParaRPr lang="nl-NL" dirty="0"/>
-          </a:p>
-        </p:txBody>
-      </p:sp>
-      <p:pic>
-        <p:nvPicPr>
-          <p:cNvPr id="4" name="Picture 2" descr="https://sendgrid.com/blog/wp-content/uploads/2014/11/AlchemyAPI-logo-220-square.png"/>
-          <p:cNvPicPr>
-            <a:picLocks noChangeAspect="1" noChangeArrowheads="1"/>
-          </p:cNvPicPr>
+              <a:rPr lang="en-US" dirty="0" err="1" smtClean="0">
+                <a:solidFill>
+                  <a:schemeClr val="tx1">
+                    <a:lumMod val="50000"/>
+                    <a:lumOff val="50000"/>
+                  </a:schemeClr>
+                </a:solidFill>
+              </a:rPr>
+              <a:t>Dropcam</a:t>
+            </a:r>
+            <a:r>
+              <a:rPr lang="en-US" dirty="0" smtClean="0">
+                <a:solidFill>
+                  <a:schemeClr val="tx1">
+                    <a:lumMod val="50000"/>
+                    <a:lumOff val="50000"/>
+                  </a:schemeClr>
+                </a:solidFill>
+              </a:rPr>
+              <a:t>, which was founded in 2009, lets users place cameras throughout a home for live-viewing and recording. The cameras also include options for night vision and two-way talking with built-in microphones. The San Francisco-based company’s backers include </a:t>
+            </a:r>
+            <a:r>
+              <a:rPr lang="en-US" dirty="0" err="1" smtClean="0">
+                <a:solidFill>
+                  <a:schemeClr val="tx1">
+                    <a:lumMod val="50000"/>
+                    <a:lumOff val="50000"/>
+                  </a:schemeClr>
+                </a:solidFill>
+              </a:rPr>
+              <a:t>Accel</a:t>
+            </a:r>
+            <a:r>
+              <a:rPr lang="en-US" dirty="0" smtClean="0">
+                <a:solidFill>
+                  <a:schemeClr val="tx1">
+                    <a:lumMod val="50000"/>
+                    <a:lumOff val="50000"/>
+                  </a:schemeClr>
+                </a:solidFill>
+              </a:rPr>
+              <a:t> Partners and Menlo Ventures.</a:t>
+            </a:r>
+          </a:p>
+          <a:p>
+            <a:pPr marL="0" indent="0" algn="just">
+              <a:buNone/>
+            </a:pPr>
+            <a:r>
+              <a:rPr lang="en-US" dirty="0" smtClean="0">
+                <a:solidFill>
+                  <a:schemeClr val="tx1">
+                    <a:lumMod val="50000"/>
+                    <a:lumOff val="50000"/>
+                  </a:schemeClr>
+                </a:solidFill>
+              </a:rPr>
+              <a:t>Deal discussions began a little more than a month ago after Nest approached </a:t>
+            </a:r>
+            <a:r>
+              <a:rPr lang="en-US" dirty="0" err="1" smtClean="0">
+                <a:solidFill>
+                  <a:schemeClr val="tx1">
+                    <a:lumMod val="50000"/>
+                    <a:lumOff val="50000"/>
+                  </a:schemeClr>
+                </a:solidFill>
+              </a:rPr>
+              <a:t>Dropcam</a:t>
+            </a:r>
+            <a:r>
+              <a:rPr lang="en-US" dirty="0" smtClean="0">
+                <a:solidFill>
+                  <a:schemeClr val="tx1">
+                    <a:lumMod val="50000"/>
+                    <a:lumOff val="50000"/>
+                  </a:schemeClr>
+                </a:solidFill>
+              </a:rPr>
+              <a:t>, which wasn’t looking to sell, said Mark Siegel, managing director at Menlo Ventures. The talks were led by Fadell and Rogers, he said. Menlo Ventures invested about $8 million in </a:t>
+            </a:r>
+            <a:r>
+              <a:rPr lang="en-US" dirty="0" err="1" smtClean="0">
+                <a:solidFill>
+                  <a:schemeClr val="tx1">
+                    <a:lumMod val="50000"/>
+                    <a:lumOff val="50000"/>
+                  </a:schemeClr>
+                </a:solidFill>
+              </a:rPr>
+              <a:t>Dropcam</a:t>
+            </a:r>
+            <a:r>
+              <a:rPr lang="en-US" dirty="0" smtClean="0">
+                <a:solidFill>
+                  <a:schemeClr val="tx1">
+                    <a:lumMod val="50000"/>
+                    <a:lumOff val="50000"/>
+                  </a:schemeClr>
+                </a:solidFill>
+              </a:rPr>
+              <a:t> in 2012 when the startup was valued at around $50 million.</a:t>
+            </a:r>
+          </a:p>
+          <a:p>
+            <a:pPr marL="0" indent="0" algn="just">
+              <a:buNone/>
+            </a:pPr>
+            <a:r>
+              <a:rPr lang="en-US" dirty="0" smtClean="0">
+                <a:solidFill>
+                  <a:schemeClr val="tx1">
+                    <a:lumMod val="50000"/>
+                    <a:lumOff val="50000"/>
+                  </a:schemeClr>
+                </a:solidFill>
+              </a:rPr>
+              <a:t>“There’s very much of a shared vision there,” Siegel said in an interview. “Had this not been Nest, I think it might have made it a harder decision to make.”</a:t>
+            </a:r>
+          </a:p>
+        </p:txBody>
+      </p:sp>
+      <p:sp>
+        <p:nvSpPr>
+          <p:cNvPr id="6" name="Rectangle 5"/>
+          <p:cNvSpPr/>
           <p:nvPr/>
-        </p:nvPicPr>
-        <p:blipFill>
-          <a:blip r:embed="rId2">
-            <a:extLst>
-              <a:ext uri="{28A0092B-C50C-407E-A947-70E740481C1C}">
-                <a14:useLocalDpi xmlns:a14="http://schemas.microsoft.com/office/drawing/2010/main" val="0"/>
-              </a:ext>
-            </a:extLst>
-          </a:blip>
-          <a:srcRect/>
-          <a:stretch>
-            <a:fillRect/>
-          </a:stretch>
-        </p:blipFill>
-        <p:spPr bwMode="auto">
-          <a:xfrm>
-            <a:off x="6419850" y="365126"/>
-            <a:ext cx="2095500" cy="2095500"/>
+        </p:nvSpPr>
+        <p:spPr>
+          <a:xfrm>
+            <a:off x="9030936" y="3991065"/>
+            <a:ext cx="2137806" cy="334736"/>
           </a:xfrm>
           <a:prstGeom prst="rect">
             <a:avLst/>
           </a:prstGeom>
           <a:noFill/>
-          <a:extLst>
-            <a:ext uri="{909E8E84-426E-40DD-AFC4-6F175D3DCCD1}">
-              <a14:hiddenFill xmlns:a14="http://schemas.microsoft.com/office/drawing/2010/main">
-                <a:solidFill>
-                  <a:srgbClr val="FFFFFF"/>
-                </a:solidFill>
-              </a14:hiddenFill>
-            </a:ext>
-          </a:extLst>
-        </p:spPr>
-      </p:pic>
-    </p:spTree>
-    <p:extLst>
-      <p:ext uri="{BB962C8B-B14F-4D97-AF65-F5344CB8AC3E}">
-        <p14:creationId xmlns:p14="http://schemas.microsoft.com/office/powerpoint/2010/main" val="3647165969"/>
-      </p:ext>
-    </p:extLst>
-  </p:cSld>
-  <p:clrMapOvr>
-    <a:masterClrMapping/>
-  </p:clrMapOvr>
-  <p:timing>
-    <p:tnLst>
-      <p:par>
-        <p:cTn id="1" dur="indefinite" restart="never" nodeType="tmRoot"/>
-      </p:par>
-    </p:tnLst>
-  </p:timing>
-</p:sld>
-</file>
-
-<file path=ppt/slides/slide3.xml><?xml version="1.0" encoding="utf-8"?>
-<p:sld xmlns:a="http://schemas.openxmlformats.org/drawingml/2006/main" xmlns:r="http://schemas.openxmlformats.org/officeDocument/2006/relationships" xmlns:p="http://schemas.openxmlformats.org/presentationml/2006/main">
-  <p:cSld>
-    <p:spTree>
-      <p:nvGrpSpPr>
-        <p:cNvPr id="1" name=""/>
-        <p:cNvGrpSpPr/>
-        <p:nvPr/>
-      </p:nvGrpSpPr>
-      <p:grpSpPr>
-        <a:xfrm>
-          <a:off x="0" y="0"/>
-          <a:ext cx="0" cy="0"/>
-          <a:chOff x="0" y="0"/>
-          <a:chExt cx="0" cy="0"/>
-        </a:xfrm>
-      </p:grpSpPr>
-      <p:sp>
-        <p:nvSpPr>
-          <p:cNvPr id="2" name="Title 1"/>
-          <p:cNvSpPr>
-            <a:spLocks noGrp="1"/>
-          </p:cNvSpPr>
-          <p:nvPr>
-            <p:ph type="title"/>
-          </p:nvPr>
-        </p:nvSpPr>
-        <p:spPr/>
-        <p:txBody>
-          <a:bodyPr/>
-          <a:lstStyle/>
-          <a:p>
-            <a:r>
-              <a:rPr lang="nl-NL" dirty="0" err="1" smtClean="0"/>
-              <a:t>Relevance</a:t>
-            </a:r>
-            <a:endParaRPr lang="nl-NL" dirty="0"/>
-          </a:p>
-        </p:txBody>
-      </p:sp>
-      <p:sp>
-        <p:nvSpPr>
-          <p:cNvPr id="6" name="Content Placeholder 5"/>
-          <p:cNvSpPr>
-            <a:spLocks noGrp="1"/>
-          </p:cNvSpPr>
-          <p:nvPr>
-            <p:ph idx="1"/>
-          </p:nvPr>
-        </p:nvSpPr>
-        <p:spPr>
-          <a:xfrm>
-            <a:off x="628650" y="2251363"/>
-            <a:ext cx="7886700" cy="3925599"/>
-          </a:xfrm>
-        </p:spPr>
-        <p:txBody>
-          <a:bodyPr>
-            <a:normAutofit/>
-          </a:bodyPr>
-          <a:lstStyle/>
-          <a:p>
-            <a:pPr marL="0" indent="0">
-              <a:buNone/>
-            </a:pPr>
-            <a:r>
-              <a:rPr lang="en-US" sz="1600" dirty="0" err="1">
-                <a:solidFill>
-                  <a:schemeClr val="tx1">
-                    <a:lumMod val="65000"/>
-                    <a:lumOff val="35000"/>
-                  </a:schemeClr>
-                </a:solidFill>
-                <a:latin typeface="Times New Roman" panose="02020603050405020304" pitchFamily="18" charset="0"/>
-                <a:cs typeface="Times New Roman" panose="02020603050405020304" pitchFamily="18" charset="0"/>
-              </a:rPr>
-              <a:t>Petrobras</a:t>
-            </a:r>
-            <a:r>
-              <a:rPr lang="en-US" sz="1600" dirty="0">
-                <a:solidFill>
-                  <a:schemeClr val="tx1">
-                    <a:lumMod val="65000"/>
-                    <a:lumOff val="35000"/>
-                  </a:schemeClr>
-                </a:solidFill>
-                <a:latin typeface="Times New Roman" panose="02020603050405020304" pitchFamily="18" charset="0"/>
-                <a:cs typeface="Times New Roman" panose="02020603050405020304" pitchFamily="18" charset="0"/>
-              </a:rPr>
-              <a:t> creditors could request an acceleration of payments on some of its debt if the company doesn’t release an audited financial statement by the end of May.</a:t>
-            </a:r>
-          </a:p>
-          <a:p>
-            <a:pPr marL="0" indent="0">
-              <a:buNone/>
-            </a:pPr>
-            <a:r>
-              <a:rPr lang="en-US" sz="1600" dirty="0">
-                <a:solidFill>
-                  <a:schemeClr val="tx1">
-                    <a:lumMod val="65000"/>
-                    <a:lumOff val="35000"/>
-                  </a:schemeClr>
-                </a:solidFill>
-                <a:latin typeface="Times New Roman" panose="02020603050405020304" pitchFamily="18" charset="0"/>
-                <a:cs typeface="Times New Roman" panose="02020603050405020304" pitchFamily="18" charset="0"/>
-              </a:rPr>
-              <a:t>Public prosecutors are investigating 20 </a:t>
-            </a:r>
-            <a:r>
-              <a:rPr lang="en-US" sz="1600" dirty="0">
-                <a:solidFill>
-                  <a:schemeClr val="tx1">
-                    <a:lumMod val="65000"/>
-                    <a:lumOff val="35000"/>
-                  </a:schemeClr>
-                </a:solidFill>
-                <a:latin typeface="Times New Roman" panose="02020603050405020304" pitchFamily="18" charset="0"/>
-                <a:cs typeface="Times New Roman" panose="02020603050405020304" pitchFamily="18" charset="0"/>
-              </a:rPr>
-              <a:t>companies, including 16 builders, for participating in a alleged cartel to overcharge the oil company. OAS and </a:t>
-            </a:r>
-            <a:r>
-              <a:rPr lang="en-US" sz="1600" dirty="0" err="1">
-                <a:solidFill>
-                  <a:schemeClr val="tx1">
-                    <a:lumMod val="65000"/>
-                    <a:lumOff val="35000"/>
-                  </a:schemeClr>
-                </a:solidFill>
-                <a:latin typeface="Times New Roman" panose="02020603050405020304" pitchFamily="18" charset="0"/>
-                <a:cs typeface="Times New Roman" panose="02020603050405020304" pitchFamily="18" charset="0"/>
-              </a:rPr>
-              <a:t>Galvao</a:t>
-            </a:r>
-            <a:r>
-              <a:rPr lang="en-US" sz="1600" dirty="0">
-                <a:solidFill>
-                  <a:schemeClr val="tx1">
-                    <a:lumMod val="65000"/>
-                    <a:lumOff val="35000"/>
-                  </a:schemeClr>
-                </a:solidFill>
-                <a:latin typeface="Times New Roman" panose="02020603050405020304" pitchFamily="18" charset="0"/>
-                <a:cs typeface="Times New Roman" panose="02020603050405020304" pitchFamily="18" charset="0"/>
-              </a:rPr>
-              <a:t> </a:t>
-            </a:r>
-            <a:r>
-              <a:rPr lang="en-US" sz="1600" dirty="0" err="1">
-                <a:solidFill>
-                  <a:schemeClr val="tx1">
-                    <a:lumMod val="65000"/>
-                    <a:lumOff val="35000"/>
-                  </a:schemeClr>
-                </a:solidFill>
-                <a:latin typeface="Times New Roman" panose="02020603050405020304" pitchFamily="18" charset="0"/>
-                <a:cs typeface="Times New Roman" panose="02020603050405020304" pitchFamily="18" charset="0"/>
-              </a:rPr>
-              <a:t>Engenharia</a:t>
-            </a:r>
-            <a:r>
-              <a:rPr lang="en-US" sz="1600" dirty="0">
-                <a:solidFill>
-                  <a:schemeClr val="tx1">
-                    <a:lumMod val="65000"/>
-                    <a:lumOff val="35000"/>
-                  </a:schemeClr>
-                </a:solidFill>
-                <a:latin typeface="Times New Roman" panose="02020603050405020304" pitchFamily="18" charset="0"/>
-                <a:cs typeface="Times New Roman" panose="02020603050405020304" pitchFamily="18" charset="0"/>
-              </a:rPr>
-              <a:t> SA, Brazilian construction companies, filed for bankruptcy after investigations started.</a:t>
-            </a:r>
-          </a:p>
-          <a:p>
-            <a:pPr marL="0" indent="0">
-              <a:buNone/>
-            </a:pPr>
-            <a:r>
-              <a:rPr lang="en-US" sz="1600" dirty="0">
-                <a:solidFill>
-                  <a:schemeClr val="tx1">
-                    <a:lumMod val="65000"/>
-                    <a:lumOff val="35000"/>
-                  </a:schemeClr>
-                </a:solidFill>
-                <a:latin typeface="Times New Roman" panose="02020603050405020304" pitchFamily="18" charset="0"/>
-                <a:cs typeface="Times New Roman" panose="02020603050405020304" pitchFamily="18" charset="0"/>
-              </a:rPr>
-              <a:t>The president said the builders financial difficulties won’t hold up planned tenders to build and operate infrastructure projects. She said she plans tap Chinese investment for a railway linking Brazil’s Atlantic coast with the Pacific Ocean.</a:t>
-            </a:r>
-          </a:p>
-          <a:p>
-            <a:pPr marL="0" indent="0">
-              <a:buNone/>
-            </a:pPr>
-            <a:r>
-              <a:rPr lang="en-US" sz="1600" dirty="0">
-                <a:solidFill>
-                  <a:schemeClr val="tx1">
-                    <a:lumMod val="65000"/>
-                    <a:lumOff val="35000"/>
-                  </a:schemeClr>
-                </a:solidFill>
-                <a:latin typeface="Times New Roman" panose="02020603050405020304" pitchFamily="18" charset="0"/>
-                <a:cs typeface="Times New Roman" panose="02020603050405020304" pitchFamily="18" charset="0"/>
-              </a:rPr>
-              <a:t>The Supreme Court has also authorized investigations of 49 politicians including Senate chief Renan </a:t>
-            </a:r>
-            <a:r>
-              <a:rPr lang="en-US" sz="1600" dirty="0" err="1">
-                <a:solidFill>
-                  <a:schemeClr val="tx1">
-                    <a:lumMod val="65000"/>
-                    <a:lumOff val="35000"/>
-                  </a:schemeClr>
-                </a:solidFill>
-                <a:latin typeface="Times New Roman" panose="02020603050405020304" pitchFamily="18" charset="0"/>
-                <a:cs typeface="Times New Roman" panose="02020603050405020304" pitchFamily="18" charset="0"/>
-              </a:rPr>
-              <a:t>Calheiros</a:t>
-            </a:r>
-            <a:r>
-              <a:rPr lang="en-US" sz="1600" dirty="0">
-                <a:solidFill>
-                  <a:schemeClr val="tx1">
-                    <a:lumMod val="65000"/>
-                    <a:lumOff val="35000"/>
-                  </a:schemeClr>
-                </a:solidFill>
-                <a:latin typeface="Times New Roman" panose="02020603050405020304" pitchFamily="18" charset="0"/>
-                <a:cs typeface="Times New Roman" panose="02020603050405020304" pitchFamily="18" charset="0"/>
-              </a:rPr>
-              <a:t> and lower house President Eduardo Cunha </a:t>
-            </a:r>
-            <a:r>
-              <a:rPr lang="en-US" sz="1600" dirty="0">
-                <a:solidFill>
-                  <a:schemeClr val="tx1">
-                    <a:lumMod val="65000"/>
-                    <a:lumOff val="35000"/>
-                  </a:schemeClr>
-                </a:solidFill>
-                <a:latin typeface="Times New Roman" panose="02020603050405020304" pitchFamily="18" charset="0"/>
-                <a:cs typeface="Times New Roman" panose="02020603050405020304" pitchFamily="18" charset="0"/>
-              </a:rPr>
-              <a:t>in relation to the alleged kickbacks at </a:t>
-            </a:r>
-            <a:r>
-              <a:rPr lang="en-US" sz="1600" dirty="0" err="1">
-                <a:solidFill>
-                  <a:schemeClr val="tx1">
-                    <a:lumMod val="65000"/>
-                    <a:lumOff val="35000"/>
-                  </a:schemeClr>
-                </a:solidFill>
-                <a:latin typeface="Times New Roman" panose="02020603050405020304" pitchFamily="18" charset="0"/>
-                <a:cs typeface="Times New Roman" panose="02020603050405020304" pitchFamily="18" charset="0"/>
-              </a:rPr>
-              <a:t>Petrobras</a:t>
-            </a:r>
-            <a:r>
-              <a:rPr lang="en-US" sz="1600" dirty="0">
-                <a:solidFill>
-                  <a:schemeClr val="tx1">
-                    <a:lumMod val="65000"/>
-                    <a:lumOff val="35000"/>
-                  </a:schemeClr>
-                </a:solidFill>
-                <a:latin typeface="Times New Roman" panose="02020603050405020304" pitchFamily="18" charset="0"/>
-                <a:cs typeface="Times New Roman" panose="02020603050405020304" pitchFamily="18" charset="0"/>
-              </a:rPr>
-              <a:t>. Former officials at the company turned state’s witness said that hundreds of millions of dollars went to political parties, including Rousseff Workers’ Party. The scandal has eroded the support she needs in Congress to approve austerity measures.</a:t>
-            </a:r>
-          </a:p>
-          <a:p>
-            <a:pPr marL="0" indent="0">
-              <a:buNone/>
-            </a:pPr>
-            <a:endParaRPr lang="nl-NL" sz="1600" dirty="0">
-              <a:solidFill>
-                <a:schemeClr val="tx1">
-                  <a:lumMod val="65000"/>
-                  <a:lumOff val="35000"/>
-                </a:schemeClr>
-              </a:solidFill>
-              <a:latin typeface="Times New Roman" panose="02020603050405020304" pitchFamily="18" charset="0"/>
-              <a:cs typeface="Times New Roman" panose="02020603050405020304" pitchFamily="18" charset="0"/>
-            </a:endParaRPr>
-          </a:p>
-        </p:txBody>
-      </p:sp>
-      <p:sp>
-        <p:nvSpPr>
-          <p:cNvPr id="8" name="Rectangle 7"/>
-          <p:cNvSpPr/>
-          <p:nvPr/>
-        </p:nvSpPr>
-        <p:spPr>
-          <a:xfrm>
-            <a:off x="1537855" y="2306782"/>
-            <a:ext cx="741218" cy="221673"/>
-          </a:xfrm>
-          <a:prstGeom prst="rect">
-            <a:avLst/>
-          </a:prstGeom>
-          <a:noFill/>
-          <a:ln>
+          <a:ln w="28575">
             <a:solidFill>
-              <a:schemeClr val="accent2">
-                <a:lumMod val="75000"/>
-              </a:schemeClr>
+              <a:schemeClr val="accent6"/>
             </a:solidFill>
           </a:ln>
         </p:spPr>
@@ -4262,23 +4594,23 @@
       </p:sp>
       <p:sp>
         <p:nvSpPr>
-          <p:cNvPr id="10" name="Rectangle 9"/>
+          <p:cNvPr id="8" name="Rectangle 7"/>
           <p:cNvSpPr/>
           <p:nvPr/>
         </p:nvSpPr>
         <p:spPr>
           <a:xfrm>
-            <a:off x="5216236" y="3082636"/>
-            <a:ext cx="1891145" cy="221673"/>
+            <a:off x="7187204" y="2838210"/>
+            <a:ext cx="1764836" cy="334736"/>
           </a:xfrm>
           <a:prstGeom prst="rect">
             <a:avLst/>
           </a:prstGeom>
           <a:noFill/>
-          <a:ln>
+          <a:ln w="28575">
             <a:solidFill>
               <a:schemeClr val="accent2">
-                <a:lumMod val="75000"/>
+                <a:lumMod val="50000"/>
               </a:schemeClr>
             </a:solidFill>
           </a:ln>
@@ -4310,22 +4642,238 @@
       </p:sp>
       <p:sp>
         <p:nvSpPr>
-          <p:cNvPr id="11" name="Rectangle 10"/>
-          <p:cNvSpPr/>
+          <p:cNvPr id="15" name="TextBox 17"/>
+          <p:cNvSpPr txBox="1"/>
           <p:nvPr/>
         </p:nvSpPr>
         <p:spPr>
           <a:xfrm>
-            <a:off x="4301836" y="4655127"/>
-            <a:ext cx="1295399" cy="221673"/>
+            <a:off x="4793588" y="3362671"/>
+            <a:ext cx="595746" cy="369332"/>
+          </a:xfrm>
+          <a:prstGeom prst="rect">
+            <a:avLst/>
+          </a:prstGeom>
+          <a:ln w="28575"/>
+        </p:spPr>
+        <p:style>
+          <a:lnRef idx="2">
+            <a:schemeClr val="accent5"/>
+          </a:lnRef>
+          <a:fillRef idx="1">
+            <a:schemeClr val="lt1"/>
+          </a:fillRef>
+          <a:effectRef idx="0">
+            <a:schemeClr val="accent5"/>
+          </a:effectRef>
+          <a:fontRef idx="minor">
+            <a:schemeClr val="dk1"/>
+          </a:fontRef>
+        </p:style>
+        <p:txBody>
+          <a:bodyPr wrap="square" rtlCol="0">
+            <a:spAutoFit/>
+          </a:bodyPr>
+          <a:lstStyle>
+            <a:defPPr>
+              <a:defRPr lang="nl-NL"/>
+            </a:defPPr>
+            <a:lvl1pPr marL="0" algn="l" defTabSz="457200" rtl="0" eaLnBrk="1" latinLnBrk="0" hangingPunct="1">
+              <a:defRPr sz="1800" kern="1200">
+                <a:solidFill>
+                  <a:schemeClr val="dk1"/>
+                </a:solidFill>
+                <a:latin typeface="+mn-lt"/>
+                <a:ea typeface="+mn-ea"/>
+                <a:cs typeface="+mn-cs"/>
+              </a:defRPr>
+            </a:lvl1pPr>
+            <a:lvl2pPr marL="457200" algn="l" defTabSz="457200" rtl="0" eaLnBrk="1" latinLnBrk="0" hangingPunct="1">
+              <a:defRPr sz="1800" kern="1200">
+                <a:solidFill>
+                  <a:schemeClr val="dk1"/>
+                </a:solidFill>
+                <a:latin typeface="+mn-lt"/>
+                <a:ea typeface="+mn-ea"/>
+                <a:cs typeface="+mn-cs"/>
+              </a:defRPr>
+            </a:lvl2pPr>
+            <a:lvl3pPr marL="914400" algn="l" defTabSz="457200" rtl="0" eaLnBrk="1" latinLnBrk="0" hangingPunct="1">
+              <a:defRPr sz="1800" kern="1200">
+                <a:solidFill>
+                  <a:schemeClr val="dk1"/>
+                </a:solidFill>
+                <a:latin typeface="+mn-lt"/>
+                <a:ea typeface="+mn-ea"/>
+                <a:cs typeface="+mn-cs"/>
+              </a:defRPr>
+            </a:lvl3pPr>
+            <a:lvl4pPr marL="1371600" algn="l" defTabSz="457200" rtl="0" eaLnBrk="1" latinLnBrk="0" hangingPunct="1">
+              <a:defRPr sz="1800" kern="1200">
+                <a:solidFill>
+                  <a:schemeClr val="dk1"/>
+                </a:solidFill>
+                <a:latin typeface="+mn-lt"/>
+                <a:ea typeface="+mn-ea"/>
+                <a:cs typeface="+mn-cs"/>
+              </a:defRPr>
+            </a:lvl4pPr>
+            <a:lvl5pPr marL="1828800" algn="l" defTabSz="457200" rtl="0" eaLnBrk="1" latinLnBrk="0" hangingPunct="1">
+              <a:defRPr sz="1800" kern="1200">
+                <a:solidFill>
+                  <a:schemeClr val="dk1"/>
+                </a:solidFill>
+                <a:latin typeface="+mn-lt"/>
+                <a:ea typeface="+mn-ea"/>
+                <a:cs typeface="+mn-cs"/>
+              </a:defRPr>
+            </a:lvl5pPr>
+            <a:lvl6pPr marL="2286000" algn="l" defTabSz="457200" rtl="0" eaLnBrk="1" latinLnBrk="0" hangingPunct="1">
+              <a:defRPr sz="1800" kern="1200">
+                <a:solidFill>
+                  <a:schemeClr val="dk1"/>
+                </a:solidFill>
+                <a:latin typeface="+mn-lt"/>
+                <a:ea typeface="+mn-ea"/>
+                <a:cs typeface="+mn-cs"/>
+              </a:defRPr>
+            </a:lvl6pPr>
+            <a:lvl7pPr marL="2743200" algn="l" defTabSz="457200" rtl="0" eaLnBrk="1" latinLnBrk="0" hangingPunct="1">
+              <a:defRPr sz="1800" kern="1200">
+                <a:solidFill>
+                  <a:schemeClr val="dk1"/>
+                </a:solidFill>
+                <a:latin typeface="+mn-lt"/>
+                <a:ea typeface="+mn-ea"/>
+                <a:cs typeface="+mn-cs"/>
+              </a:defRPr>
+            </a:lvl7pPr>
+            <a:lvl8pPr marL="3200400" algn="l" defTabSz="457200" rtl="0" eaLnBrk="1" latinLnBrk="0" hangingPunct="1">
+              <a:defRPr sz="1800" kern="1200">
+                <a:solidFill>
+                  <a:schemeClr val="dk1"/>
+                </a:solidFill>
+                <a:latin typeface="+mn-lt"/>
+                <a:ea typeface="+mn-ea"/>
+                <a:cs typeface="+mn-cs"/>
+              </a:defRPr>
+            </a:lvl8pPr>
+            <a:lvl9pPr marL="3657600" algn="l" defTabSz="457200" rtl="0" eaLnBrk="1" latinLnBrk="0" hangingPunct="1">
+              <a:defRPr sz="1800" kern="1200">
+                <a:solidFill>
+                  <a:schemeClr val="dk1"/>
+                </a:solidFill>
+                <a:latin typeface="+mn-lt"/>
+                <a:ea typeface="+mn-ea"/>
+                <a:cs typeface="+mn-cs"/>
+              </a:defRPr>
+            </a:lvl9pPr>
+          </a:lstStyle>
+          <a:p>
+            <a:r>
+              <a:rPr lang="nl-NL" dirty="0" smtClean="0"/>
+              <a:t>0,75</a:t>
+            </a:r>
+            <a:endParaRPr lang="nl-NL" dirty="0"/>
+          </a:p>
+        </p:txBody>
+      </p:sp>
+      <p:sp>
+        <p:nvSpPr>
+          <p:cNvPr id="18" name="Tekstvak 3"/>
+          <p:cNvSpPr txBox="1"/>
+          <p:nvPr/>
+        </p:nvSpPr>
+        <p:spPr>
+          <a:xfrm>
+            <a:off x="454778" y="297845"/>
+            <a:ext cx="2306722" cy="523220"/>
           </a:xfrm>
           <a:prstGeom prst="rect">
             <a:avLst/>
           </a:prstGeom>
           <a:noFill/>
-          <a:ln>
+        </p:spPr>
+        <p:txBody>
+          <a:bodyPr wrap="none" rtlCol="0">
+            <a:spAutoFit/>
+          </a:bodyPr>
+          <a:lstStyle/>
+          <a:p>
+            <a:r>
+              <a:rPr lang="en-US" sz="2800" dirty="0" smtClean="0">
+                <a:solidFill>
+                  <a:schemeClr val="tx2"/>
+                </a:solidFill>
+              </a:rPr>
+              <a:t>SCS Connector</a:t>
+            </a:r>
+            <a:endParaRPr lang="en-US" sz="2800" dirty="0">
+              <a:solidFill>
+                <a:schemeClr val="tx2"/>
+              </a:solidFill>
+            </a:endParaRPr>
+          </a:p>
+        </p:txBody>
+      </p:sp>
+      <p:sp>
+        <p:nvSpPr>
+          <p:cNvPr id="19" name="Tekstvak 18"/>
+          <p:cNvSpPr txBox="1"/>
+          <p:nvPr/>
+        </p:nvSpPr>
+        <p:spPr>
+          <a:xfrm>
+            <a:off x="823366" y="1193946"/>
+            <a:ext cx="3075201" cy="369332"/>
+          </a:xfrm>
+          <a:prstGeom prst="rect">
+            <a:avLst/>
+          </a:prstGeom>
+          <a:noFill/>
+        </p:spPr>
+        <p:txBody>
+          <a:bodyPr wrap="none" rtlCol="0">
+            <a:spAutoFit/>
+          </a:bodyPr>
+          <a:lstStyle/>
+          <a:p>
+            <a:r>
+              <a:rPr lang="en-US" b="1" dirty="0" smtClean="0"/>
+              <a:t>Relationship </a:t>
+            </a:r>
+            <a:r>
+              <a:rPr lang="en-US" dirty="0" smtClean="0"/>
+              <a:t>between </a:t>
+            </a:r>
+            <a:r>
+              <a:rPr lang="en-US" b="1" dirty="0" smtClean="0"/>
+              <a:t>entities </a:t>
+            </a:r>
+            <a:endParaRPr lang="en-US" b="1" dirty="0"/>
+          </a:p>
+        </p:txBody>
+      </p:sp>
+      <p:sp>
+        <p:nvSpPr>
+          <p:cNvPr id="25" name="Rectangle 24"/>
+          <p:cNvSpPr/>
+          <p:nvPr/>
+        </p:nvSpPr>
+        <p:spPr>
+          <a:xfrm>
+            <a:off x="750776" y="2305692"/>
+            <a:ext cx="1200488" cy="334736"/>
+          </a:xfrm>
+          <a:prstGeom prst="rect">
+            <a:avLst/>
+          </a:prstGeom>
+          <a:noFill/>
+          <a:ln w="28575">
             <a:solidFill>
-              <a:srgbClr val="92D050"/>
+              <a:schemeClr val="accent2">
+                <a:lumMod val="50000"/>
+              </a:schemeClr>
             </a:solidFill>
           </a:ln>
         </p:spPr>
@@ -4356,23 +4904,23 @@
       </p:sp>
       <p:sp>
         <p:nvSpPr>
-          <p:cNvPr id="12" name="Rectangle 11"/>
+          <p:cNvPr id="26" name="Rectangle 25"/>
           <p:cNvSpPr/>
           <p:nvPr/>
         </p:nvSpPr>
         <p:spPr>
           <a:xfrm>
-            <a:off x="706581" y="4655126"/>
-            <a:ext cx="1378527" cy="221673"/>
+            <a:off x="2761499" y="3077199"/>
+            <a:ext cx="1745867" cy="334736"/>
           </a:xfrm>
           <a:prstGeom prst="rect">
             <a:avLst/>
           </a:prstGeom>
           <a:noFill/>
-          <a:ln>
+          <a:ln w="28575">
             <a:solidFill>
               <a:schemeClr val="accent2">
-                <a:lumMod val="75000"/>
+                <a:lumMod val="50000"/>
               </a:schemeClr>
             </a:solidFill>
           </a:ln>
@@ -4404,23 +4952,23 @@
       </p:sp>
       <p:sp>
         <p:nvSpPr>
-          <p:cNvPr id="13" name="Rectangle 12"/>
+          <p:cNvPr id="27" name="Rectangle 26"/>
           <p:cNvSpPr/>
           <p:nvPr/>
         </p:nvSpPr>
         <p:spPr>
           <a:xfrm>
-            <a:off x="3879272" y="4094453"/>
-            <a:ext cx="1191491" cy="221673"/>
+            <a:off x="1959057" y="5123444"/>
+            <a:ext cx="669843" cy="334736"/>
           </a:xfrm>
           <a:prstGeom prst="rect">
             <a:avLst/>
           </a:prstGeom>
           <a:noFill/>
-          <a:ln>
+          <a:ln w="28575">
             <a:solidFill>
               <a:schemeClr val="accent2">
-                <a:lumMod val="75000"/>
+                <a:lumMod val="50000"/>
               </a:schemeClr>
             </a:solidFill>
           </a:ln>
@@ -4452,23 +5000,23 @@
       </p:sp>
       <p:sp>
         <p:nvSpPr>
-          <p:cNvPr id="14" name="Rectangle 13"/>
+          <p:cNvPr id="28" name="Rectangle 27"/>
           <p:cNvSpPr/>
           <p:nvPr/>
         </p:nvSpPr>
         <p:spPr>
           <a:xfrm>
-            <a:off x="6127172" y="5105400"/>
-            <a:ext cx="1984664" cy="221673"/>
+            <a:off x="6660200" y="3723276"/>
+            <a:ext cx="1553071" cy="334736"/>
           </a:xfrm>
           <a:prstGeom prst="rect">
             <a:avLst/>
           </a:prstGeom>
           <a:noFill/>
-          <a:ln>
+          <a:ln w="28575">
             <a:solidFill>
               <a:schemeClr val="accent2">
-                <a:lumMod val="75000"/>
+                <a:lumMod val="50000"/>
               </a:schemeClr>
             </a:solidFill>
           </a:ln>
@@ -4500,18 +5048,19 @@
       </p:sp>
       <p:sp>
         <p:nvSpPr>
-          <p:cNvPr id="15" name="TextBox 14"/>
+          <p:cNvPr id="29" name="TextBox 17"/>
           <p:cNvSpPr txBox="1"/>
           <p:nvPr/>
         </p:nvSpPr>
         <p:spPr>
           <a:xfrm>
-            <a:off x="2332559" y="1854322"/>
+            <a:off x="5364183" y="5013275"/>
             <a:ext cx="595746" cy="369332"/>
           </a:xfrm>
           <a:prstGeom prst="rect">
             <a:avLst/>
           </a:prstGeom>
+          <a:ln w="28575"/>
         </p:spPr>
         <p:style>
           <a:lnRef idx="2">
@@ -4531,11 +5080,105 @@
           <a:bodyPr wrap="square" rtlCol="0">
             <a:spAutoFit/>
           </a:bodyPr>
-          <a:lstStyle/>
+          <a:lstStyle>
+            <a:defPPr>
+              <a:defRPr lang="nl-NL"/>
+            </a:defPPr>
+            <a:lvl1pPr marL="0" algn="l" defTabSz="457200" rtl="0" eaLnBrk="1" latinLnBrk="0" hangingPunct="1">
+              <a:defRPr sz="1800" kern="1200">
+                <a:solidFill>
+                  <a:schemeClr val="dk1"/>
+                </a:solidFill>
+                <a:latin typeface="+mn-lt"/>
+                <a:ea typeface="+mn-ea"/>
+                <a:cs typeface="+mn-cs"/>
+              </a:defRPr>
+            </a:lvl1pPr>
+            <a:lvl2pPr marL="457200" algn="l" defTabSz="457200" rtl="0" eaLnBrk="1" latinLnBrk="0" hangingPunct="1">
+              <a:defRPr sz="1800" kern="1200">
+                <a:solidFill>
+                  <a:schemeClr val="dk1"/>
+                </a:solidFill>
+                <a:latin typeface="+mn-lt"/>
+                <a:ea typeface="+mn-ea"/>
+                <a:cs typeface="+mn-cs"/>
+              </a:defRPr>
+            </a:lvl2pPr>
+            <a:lvl3pPr marL="914400" algn="l" defTabSz="457200" rtl="0" eaLnBrk="1" latinLnBrk="0" hangingPunct="1">
+              <a:defRPr sz="1800" kern="1200">
+                <a:solidFill>
+                  <a:schemeClr val="dk1"/>
+                </a:solidFill>
+                <a:latin typeface="+mn-lt"/>
+                <a:ea typeface="+mn-ea"/>
+                <a:cs typeface="+mn-cs"/>
+              </a:defRPr>
+            </a:lvl3pPr>
+            <a:lvl4pPr marL="1371600" algn="l" defTabSz="457200" rtl="0" eaLnBrk="1" latinLnBrk="0" hangingPunct="1">
+              <a:defRPr sz="1800" kern="1200">
+                <a:solidFill>
+                  <a:schemeClr val="dk1"/>
+                </a:solidFill>
+                <a:latin typeface="+mn-lt"/>
+                <a:ea typeface="+mn-ea"/>
+                <a:cs typeface="+mn-cs"/>
+              </a:defRPr>
+            </a:lvl4pPr>
+            <a:lvl5pPr marL="1828800" algn="l" defTabSz="457200" rtl="0" eaLnBrk="1" latinLnBrk="0" hangingPunct="1">
+              <a:defRPr sz="1800" kern="1200">
+                <a:solidFill>
+                  <a:schemeClr val="dk1"/>
+                </a:solidFill>
+                <a:latin typeface="+mn-lt"/>
+                <a:ea typeface="+mn-ea"/>
+                <a:cs typeface="+mn-cs"/>
+              </a:defRPr>
+            </a:lvl5pPr>
+            <a:lvl6pPr marL="2286000" algn="l" defTabSz="457200" rtl="0" eaLnBrk="1" latinLnBrk="0" hangingPunct="1">
+              <a:defRPr sz="1800" kern="1200">
+                <a:solidFill>
+                  <a:schemeClr val="dk1"/>
+                </a:solidFill>
+                <a:latin typeface="+mn-lt"/>
+                <a:ea typeface="+mn-ea"/>
+                <a:cs typeface="+mn-cs"/>
+              </a:defRPr>
+            </a:lvl6pPr>
+            <a:lvl7pPr marL="2743200" algn="l" defTabSz="457200" rtl="0" eaLnBrk="1" latinLnBrk="0" hangingPunct="1">
+              <a:defRPr sz="1800" kern="1200">
+                <a:solidFill>
+                  <a:schemeClr val="dk1"/>
+                </a:solidFill>
+                <a:latin typeface="+mn-lt"/>
+                <a:ea typeface="+mn-ea"/>
+                <a:cs typeface="+mn-cs"/>
+              </a:defRPr>
+            </a:lvl7pPr>
+            <a:lvl8pPr marL="3200400" algn="l" defTabSz="457200" rtl="0" eaLnBrk="1" latinLnBrk="0" hangingPunct="1">
+              <a:defRPr sz="1800" kern="1200">
+                <a:solidFill>
+                  <a:schemeClr val="dk1"/>
+                </a:solidFill>
+                <a:latin typeface="+mn-lt"/>
+                <a:ea typeface="+mn-ea"/>
+                <a:cs typeface="+mn-cs"/>
+              </a:defRPr>
+            </a:lvl8pPr>
+            <a:lvl9pPr marL="3657600" algn="l" defTabSz="457200" rtl="0" eaLnBrk="1" latinLnBrk="0" hangingPunct="1">
+              <a:defRPr sz="1800" kern="1200">
+                <a:solidFill>
+                  <a:schemeClr val="dk1"/>
+                </a:solidFill>
+                <a:latin typeface="+mn-lt"/>
+                <a:ea typeface="+mn-ea"/>
+                <a:cs typeface="+mn-cs"/>
+              </a:defRPr>
+            </a:lvl9pPr>
+          </a:lstStyle>
           <a:p>
             <a:r>
               <a:rPr lang="nl-NL" dirty="0" smtClean="0"/>
-              <a:t>0,35</a:t>
+              <a:t>0,00</a:t>
             </a:r>
             <a:endParaRPr lang="nl-NL" dirty="0"/>
           </a:p>
@@ -4543,18 +5186,19 @@
       </p:sp>
       <p:sp>
         <p:nvSpPr>
-          <p:cNvPr id="16" name="TextBox 15"/>
+          <p:cNvPr id="30" name="TextBox 17"/>
           <p:cNvSpPr txBox="1"/>
           <p:nvPr/>
         </p:nvSpPr>
         <p:spPr>
           <a:xfrm>
-            <a:off x="1787235" y="4190123"/>
+            <a:off x="9574211" y="3164867"/>
             <a:ext cx="595746" cy="369332"/>
           </a:xfrm>
           <a:prstGeom prst="rect">
             <a:avLst/>
           </a:prstGeom>
+          <a:ln w="28575"/>
         </p:spPr>
         <p:style>
           <a:lnRef idx="2">
@@ -4574,11 +5218,105 @@
           <a:bodyPr wrap="square" rtlCol="0">
             <a:spAutoFit/>
           </a:bodyPr>
-          <a:lstStyle/>
+          <a:lstStyle>
+            <a:defPPr>
+              <a:defRPr lang="nl-NL"/>
+            </a:defPPr>
+            <a:lvl1pPr marL="0" algn="l" defTabSz="457200" rtl="0" eaLnBrk="1" latinLnBrk="0" hangingPunct="1">
+              <a:defRPr sz="1800" kern="1200">
+                <a:solidFill>
+                  <a:schemeClr val="dk1"/>
+                </a:solidFill>
+                <a:latin typeface="+mn-lt"/>
+                <a:ea typeface="+mn-ea"/>
+                <a:cs typeface="+mn-cs"/>
+              </a:defRPr>
+            </a:lvl1pPr>
+            <a:lvl2pPr marL="457200" algn="l" defTabSz="457200" rtl="0" eaLnBrk="1" latinLnBrk="0" hangingPunct="1">
+              <a:defRPr sz="1800" kern="1200">
+                <a:solidFill>
+                  <a:schemeClr val="dk1"/>
+                </a:solidFill>
+                <a:latin typeface="+mn-lt"/>
+                <a:ea typeface="+mn-ea"/>
+                <a:cs typeface="+mn-cs"/>
+              </a:defRPr>
+            </a:lvl2pPr>
+            <a:lvl3pPr marL="914400" algn="l" defTabSz="457200" rtl="0" eaLnBrk="1" latinLnBrk="0" hangingPunct="1">
+              <a:defRPr sz="1800" kern="1200">
+                <a:solidFill>
+                  <a:schemeClr val="dk1"/>
+                </a:solidFill>
+                <a:latin typeface="+mn-lt"/>
+                <a:ea typeface="+mn-ea"/>
+                <a:cs typeface="+mn-cs"/>
+              </a:defRPr>
+            </a:lvl3pPr>
+            <a:lvl4pPr marL="1371600" algn="l" defTabSz="457200" rtl="0" eaLnBrk="1" latinLnBrk="0" hangingPunct="1">
+              <a:defRPr sz="1800" kern="1200">
+                <a:solidFill>
+                  <a:schemeClr val="dk1"/>
+                </a:solidFill>
+                <a:latin typeface="+mn-lt"/>
+                <a:ea typeface="+mn-ea"/>
+                <a:cs typeface="+mn-cs"/>
+              </a:defRPr>
+            </a:lvl4pPr>
+            <a:lvl5pPr marL="1828800" algn="l" defTabSz="457200" rtl="0" eaLnBrk="1" latinLnBrk="0" hangingPunct="1">
+              <a:defRPr sz="1800" kern="1200">
+                <a:solidFill>
+                  <a:schemeClr val="dk1"/>
+                </a:solidFill>
+                <a:latin typeface="+mn-lt"/>
+                <a:ea typeface="+mn-ea"/>
+                <a:cs typeface="+mn-cs"/>
+              </a:defRPr>
+            </a:lvl5pPr>
+            <a:lvl6pPr marL="2286000" algn="l" defTabSz="457200" rtl="0" eaLnBrk="1" latinLnBrk="0" hangingPunct="1">
+              <a:defRPr sz="1800" kern="1200">
+                <a:solidFill>
+                  <a:schemeClr val="dk1"/>
+                </a:solidFill>
+                <a:latin typeface="+mn-lt"/>
+                <a:ea typeface="+mn-ea"/>
+                <a:cs typeface="+mn-cs"/>
+              </a:defRPr>
+            </a:lvl6pPr>
+            <a:lvl7pPr marL="2743200" algn="l" defTabSz="457200" rtl="0" eaLnBrk="1" latinLnBrk="0" hangingPunct="1">
+              <a:defRPr sz="1800" kern="1200">
+                <a:solidFill>
+                  <a:schemeClr val="dk1"/>
+                </a:solidFill>
+                <a:latin typeface="+mn-lt"/>
+                <a:ea typeface="+mn-ea"/>
+                <a:cs typeface="+mn-cs"/>
+              </a:defRPr>
+            </a:lvl7pPr>
+            <a:lvl8pPr marL="3200400" algn="l" defTabSz="457200" rtl="0" eaLnBrk="1" latinLnBrk="0" hangingPunct="1">
+              <a:defRPr sz="1800" kern="1200">
+                <a:solidFill>
+                  <a:schemeClr val="dk1"/>
+                </a:solidFill>
+                <a:latin typeface="+mn-lt"/>
+                <a:ea typeface="+mn-ea"/>
+                <a:cs typeface="+mn-cs"/>
+              </a:defRPr>
+            </a:lvl8pPr>
+            <a:lvl9pPr marL="3657600" algn="l" defTabSz="457200" rtl="0" eaLnBrk="1" latinLnBrk="0" hangingPunct="1">
+              <a:defRPr sz="1800" kern="1200">
+                <a:solidFill>
+                  <a:schemeClr val="dk1"/>
+                </a:solidFill>
+                <a:latin typeface="+mn-lt"/>
+                <a:ea typeface="+mn-ea"/>
+                <a:cs typeface="+mn-cs"/>
+              </a:defRPr>
+            </a:lvl9pPr>
+          </a:lstStyle>
           <a:p>
             <a:r>
               <a:rPr lang="nl-NL" dirty="0" smtClean="0"/>
-              <a:t>0,88</a:t>
+              <a:t>0,77</a:t>
             </a:r>
             <a:endParaRPr lang="nl-NL" dirty="0"/>
           </a:p>
@@ -4586,18 +5324,19 @@
       </p:sp>
       <p:sp>
         <p:nvSpPr>
-          <p:cNvPr id="17" name="TextBox 16"/>
+          <p:cNvPr id="31" name="TextBox 17"/>
           <p:cNvSpPr txBox="1"/>
           <p:nvPr/>
         </p:nvSpPr>
         <p:spPr>
           <a:xfrm>
-            <a:off x="5151292" y="3844830"/>
+            <a:off x="3496201" y="2001015"/>
             <a:ext cx="595746" cy="369332"/>
           </a:xfrm>
           <a:prstGeom prst="rect">
             <a:avLst/>
           </a:prstGeom>
+          <a:ln w="28575"/>
         </p:spPr>
         <p:style>
           <a:lnRef idx="2">
@@ -4617,735 +5356,126 @@
           <a:bodyPr wrap="square" rtlCol="0">
             <a:spAutoFit/>
           </a:bodyPr>
-          <a:lstStyle/>
+          <a:lstStyle>
+            <a:defPPr>
+              <a:defRPr lang="nl-NL"/>
+            </a:defPPr>
+            <a:lvl1pPr marL="0" algn="l" defTabSz="457200" rtl="0" eaLnBrk="1" latinLnBrk="0" hangingPunct="1">
+              <a:defRPr sz="1800" kern="1200">
+                <a:solidFill>
+                  <a:schemeClr val="dk1"/>
+                </a:solidFill>
+                <a:latin typeface="+mn-lt"/>
+                <a:ea typeface="+mn-ea"/>
+                <a:cs typeface="+mn-cs"/>
+              </a:defRPr>
+            </a:lvl1pPr>
+            <a:lvl2pPr marL="457200" algn="l" defTabSz="457200" rtl="0" eaLnBrk="1" latinLnBrk="0" hangingPunct="1">
+              <a:defRPr sz="1800" kern="1200">
+                <a:solidFill>
+                  <a:schemeClr val="dk1"/>
+                </a:solidFill>
+                <a:latin typeface="+mn-lt"/>
+                <a:ea typeface="+mn-ea"/>
+                <a:cs typeface="+mn-cs"/>
+              </a:defRPr>
+            </a:lvl2pPr>
+            <a:lvl3pPr marL="914400" algn="l" defTabSz="457200" rtl="0" eaLnBrk="1" latinLnBrk="0" hangingPunct="1">
+              <a:defRPr sz="1800" kern="1200">
+                <a:solidFill>
+                  <a:schemeClr val="dk1"/>
+                </a:solidFill>
+                <a:latin typeface="+mn-lt"/>
+                <a:ea typeface="+mn-ea"/>
+                <a:cs typeface="+mn-cs"/>
+              </a:defRPr>
+            </a:lvl3pPr>
+            <a:lvl4pPr marL="1371600" algn="l" defTabSz="457200" rtl="0" eaLnBrk="1" latinLnBrk="0" hangingPunct="1">
+              <a:defRPr sz="1800" kern="1200">
+                <a:solidFill>
+                  <a:schemeClr val="dk1"/>
+                </a:solidFill>
+                <a:latin typeface="+mn-lt"/>
+                <a:ea typeface="+mn-ea"/>
+                <a:cs typeface="+mn-cs"/>
+              </a:defRPr>
+            </a:lvl4pPr>
+            <a:lvl5pPr marL="1828800" algn="l" defTabSz="457200" rtl="0" eaLnBrk="1" latinLnBrk="0" hangingPunct="1">
+              <a:defRPr sz="1800" kern="1200">
+                <a:solidFill>
+                  <a:schemeClr val="dk1"/>
+                </a:solidFill>
+                <a:latin typeface="+mn-lt"/>
+                <a:ea typeface="+mn-ea"/>
+                <a:cs typeface="+mn-cs"/>
+              </a:defRPr>
+            </a:lvl5pPr>
+            <a:lvl6pPr marL="2286000" algn="l" defTabSz="457200" rtl="0" eaLnBrk="1" latinLnBrk="0" hangingPunct="1">
+              <a:defRPr sz="1800" kern="1200">
+                <a:solidFill>
+                  <a:schemeClr val="dk1"/>
+                </a:solidFill>
+                <a:latin typeface="+mn-lt"/>
+                <a:ea typeface="+mn-ea"/>
+                <a:cs typeface="+mn-cs"/>
+              </a:defRPr>
+            </a:lvl6pPr>
+            <a:lvl7pPr marL="2743200" algn="l" defTabSz="457200" rtl="0" eaLnBrk="1" latinLnBrk="0" hangingPunct="1">
+              <a:defRPr sz="1800" kern="1200">
+                <a:solidFill>
+                  <a:schemeClr val="dk1"/>
+                </a:solidFill>
+                <a:latin typeface="+mn-lt"/>
+                <a:ea typeface="+mn-ea"/>
+                <a:cs typeface="+mn-cs"/>
+              </a:defRPr>
+            </a:lvl7pPr>
+            <a:lvl8pPr marL="3200400" algn="l" defTabSz="457200" rtl="0" eaLnBrk="1" latinLnBrk="0" hangingPunct="1">
+              <a:defRPr sz="1800" kern="1200">
+                <a:solidFill>
+                  <a:schemeClr val="dk1"/>
+                </a:solidFill>
+                <a:latin typeface="+mn-lt"/>
+                <a:ea typeface="+mn-ea"/>
+                <a:cs typeface="+mn-cs"/>
+              </a:defRPr>
+            </a:lvl8pPr>
+            <a:lvl9pPr marL="3657600" algn="l" defTabSz="457200" rtl="0" eaLnBrk="1" latinLnBrk="0" hangingPunct="1">
+              <a:defRPr sz="1800" kern="1200">
+                <a:solidFill>
+                  <a:schemeClr val="dk1"/>
+                </a:solidFill>
+                <a:latin typeface="+mn-lt"/>
+                <a:ea typeface="+mn-ea"/>
+                <a:cs typeface="+mn-cs"/>
+              </a:defRPr>
+            </a:lvl9pPr>
+          </a:lstStyle>
           <a:p>
             <a:r>
               <a:rPr lang="nl-NL" dirty="0" smtClean="0"/>
-              <a:t>0,11</a:t>
-            </a:r>
-            <a:endParaRPr lang="nl-NL" dirty="0"/>
-          </a:p>
-        </p:txBody>
-      </p:sp>
-      <p:sp>
-        <p:nvSpPr>
-          <p:cNvPr id="18" name="TextBox 17"/>
-          <p:cNvSpPr txBox="1"/>
-          <p:nvPr/>
-        </p:nvSpPr>
-        <p:spPr>
-          <a:xfrm>
-            <a:off x="6231164" y="2573017"/>
-            <a:ext cx="595746" cy="369332"/>
-          </a:xfrm>
-          <a:prstGeom prst="rect">
-            <a:avLst/>
-          </a:prstGeom>
-        </p:spPr>
-        <p:style>
-          <a:lnRef idx="2">
-            <a:schemeClr val="accent5"/>
-          </a:lnRef>
-          <a:fillRef idx="1">
-            <a:schemeClr val="lt1"/>
-          </a:fillRef>
-          <a:effectRef idx="0">
-            <a:schemeClr val="accent5"/>
-          </a:effectRef>
-          <a:fontRef idx="minor">
-            <a:schemeClr val="dk1"/>
-          </a:fontRef>
-        </p:style>
-        <p:txBody>
-          <a:bodyPr wrap="square" rtlCol="0">
-            <a:spAutoFit/>
-          </a:bodyPr>
-          <a:lstStyle/>
-          <a:p>
-            <a:r>
-              <a:rPr lang="nl-NL" dirty="0" smtClean="0"/>
-              <a:t>0,63</a:t>
-            </a:r>
-            <a:endParaRPr lang="nl-NL" dirty="0"/>
-          </a:p>
-        </p:txBody>
-      </p:sp>
-      <p:sp>
-        <p:nvSpPr>
-          <p:cNvPr id="19" name="TextBox 18"/>
-          <p:cNvSpPr txBox="1"/>
-          <p:nvPr/>
-        </p:nvSpPr>
-        <p:spPr>
-          <a:xfrm>
-            <a:off x="7516090" y="4655126"/>
-            <a:ext cx="595746" cy="369332"/>
-          </a:xfrm>
-          <a:prstGeom prst="rect">
-            <a:avLst/>
-          </a:prstGeom>
-        </p:spPr>
-        <p:style>
-          <a:lnRef idx="2">
-            <a:schemeClr val="accent5"/>
-          </a:lnRef>
-          <a:fillRef idx="1">
-            <a:schemeClr val="lt1"/>
-          </a:fillRef>
-          <a:effectRef idx="0">
-            <a:schemeClr val="accent5"/>
-          </a:effectRef>
-          <a:fontRef idx="minor">
-            <a:schemeClr val="dk1"/>
-          </a:fontRef>
-        </p:style>
-        <p:txBody>
-          <a:bodyPr wrap="square" rtlCol="0">
-            <a:spAutoFit/>
-          </a:bodyPr>
-          <a:lstStyle/>
-          <a:p>
-            <a:r>
-              <a:rPr lang="nl-NL" dirty="0" smtClean="0"/>
-              <a:t>0,78</a:t>
-            </a:r>
-            <a:endParaRPr lang="nl-NL" dirty="0"/>
-          </a:p>
-        </p:txBody>
-      </p:sp>
-      <p:sp>
-        <p:nvSpPr>
-          <p:cNvPr id="20" name="TextBox 19"/>
-          <p:cNvSpPr txBox="1"/>
-          <p:nvPr/>
-        </p:nvSpPr>
-        <p:spPr>
-          <a:xfrm>
-            <a:off x="3879271" y="4920734"/>
-            <a:ext cx="595746" cy="369332"/>
-          </a:xfrm>
-          <a:prstGeom prst="rect">
-            <a:avLst/>
-          </a:prstGeom>
-        </p:spPr>
-        <p:style>
-          <a:lnRef idx="2">
-            <a:schemeClr val="accent5"/>
-          </a:lnRef>
-          <a:fillRef idx="1">
-            <a:schemeClr val="lt1"/>
-          </a:fillRef>
-          <a:effectRef idx="0">
-            <a:schemeClr val="accent5"/>
-          </a:effectRef>
-          <a:fontRef idx="minor">
-            <a:schemeClr val="dk1"/>
-          </a:fontRef>
-        </p:style>
-        <p:txBody>
-          <a:bodyPr wrap="square" rtlCol="0">
-            <a:spAutoFit/>
-          </a:bodyPr>
-          <a:lstStyle/>
-          <a:p>
-            <a:r>
-              <a:rPr lang="nl-NL" dirty="0" smtClean="0"/>
-              <a:t>0,63</a:t>
-            </a:r>
-            <a:endParaRPr lang="nl-NL" dirty="0"/>
-          </a:p>
-        </p:txBody>
-      </p:sp>
-    </p:spTree>
-    <p:extLst>
-      <p:ext uri="{BB962C8B-B14F-4D97-AF65-F5344CB8AC3E}">
-        <p14:creationId xmlns:p14="http://schemas.microsoft.com/office/powerpoint/2010/main" val="1950708543"/>
-      </p:ext>
-    </p:extLst>
-  </p:cSld>
-  <p:clrMapOvr>
-    <a:masterClrMapping/>
-  </p:clrMapOvr>
-  <p:timing>
-    <p:tnLst>
-      <p:par>
-        <p:cTn id="1" dur="indefinite" restart="never" nodeType="tmRoot"/>
-      </p:par>
-    </p:tnLst>
-  </p:timing>
-</p:sld>
-</file>
-
-<file path=ppt/slides/slide4.xml><?xml version="1.0" encoding="utf-8"?>
-<p:sld xmlns:a="http://schemas.openxmlformats.org/drawingml/2006/main" xmlns:r="http://schemas.openxmlformats.org/officeDocument/2006/relationships" xmlns:p="http://schemas.openxmlformats.org/presentationml/2006/main">
-  <p:cSld>
-    <p:spTree>
-      <p:nvGrpSpPr>
-        <p:cNvPr id="1" name=""/>
-        <p:cNvGrpSpPr/>
-        <p:nvPr/>
-      </p:nvGrpSpPr>
-      <p:grpSpPr>
-        <a:xfrm>
-          <a:off x="0" y="0"/>
-          <a:ext cx="0" cy="0"/>
-          <a:chOff x="0" y="0"/>
-          <a:chExt cx="0" cy="0"/>
-        </a:xfrm>
-      </p:grpSpPr>
-      <p:sp>
-        <p:nvSpPr>
-          <p:cNvPr id="2" name="Title 1"/>
-          <p:cNvSpPr>
-            <a:spLocks noGrp="1"/>
-          </p:cNvSpPr>
-          <p:nvPr>
-            <p:ph type="title"/>
-          </p:nvPr>
-        </p:nvSpPr>
-        <p:spPr/>
-        <p:txBody>
-          <a:bodyPr/>
-          <a:lstStyle/>
-          <a:p>
-            <a:r>
-              <a:rPr lang="nl-NL" dirty="0" smtClean="0"/>
-              <a:t>SCS Connector</a:t>
-            </a:r>
-            <a:endParaRPr lang="nl-NL" dirty="0"/>
-          </a:p>
-        </p:txBody>
-      </p:sp>
-      <p:sp>
-        <p:nvSpPr>
-          <p:cNvPr id="6" name="Content Placeholder 5"/>
-          <p:cNvSpPr>
-            <a:spLocks noGrp="1"/>
-          </p:cNvSpPr>
-          <p:nvPr>
-            <p:ph idx="1"/>
-          </p:nvPr>
-        </p:nvSpPr>
-        <p:spPr>
-          <a:xfrm>
-            <a:off x="628650" y="2251363"/>
-            <a:ext cx="7886700" cy="3925599"/>
-          </a:xfrm>
-        </p:spPr>
-        <p:txBody>
-          <a:bodyPr>
-            <a:normAutofit/>
-          </a:bodyPr>
-          <a:lstStyle/>
-          <a:p>
-            <a:pPr marL="0" indent="0">
-              <a:buNone/>
-            </a:pPr>
-            <a:r>
-              <a:rPr lang="en-US" sz="1600" dirty="0" err="1">
-                <a:solidFill>
-                  <a:schemeClr val="tx1">
-                    <a:lumMod val="65000"/>
-                    <a:lumOff val="35000"/>
-                  </a:schemeClr>
-                </a:solidFill>
-                <a:latin typeface="Times New Roman" panose="02020603050405020304" pitchFamily="18" charset="0"/>
-                <a:cs typeface="Times New Roman" panose="02020603050405020304" pitchFamily="18" charset="0"/>
-              </a:rPr>
-              <a:t>Petrobras</a:t>
-            </a:r>
-            <a:r>
-              <a:rPr lang="en-US" sz="1600" dirty="0">
-                <a:solidFill>
-                  <a:schemeClr val="tx1">
-                    <a:lumMod val="65000"/>
-                    <a:lumOff val="35000"/>
-                  </a:schemeClr>
-                </a:solidFill>
-                <a:latin typeface="Times New Roman" panose="02020603050405020304" pitchFamily="18" charset="0"/>
-                <a:cs typeface="Times New Roman" panose="02020603050405020304" pitchFamily="18" charset="0"/>
-              </a:rPr>
-              <a:t> creditors could request an acceleration of payments on some of its debt if the company doesn’t release an audited financial statement by the end of May.</a:t>
-            </a:r>
-          </a:p>
-          <a:p>
-            <a:pPr marL="0" indent="0">
-              <a:buNone/>
-            </a:pPr>
-            <a:r>
-              <a:rPr lang="en-US" sz="1600" dirty="0">
-                <a:solidFill>
-                  <a:schemeClr val="tx1">
-                    <a:lumMod val="65000"/>
-                    <a:lumOff val="35000"/>
-                  </a:schemeClr>
-                </a:solidFill>
-                <a:latin typeface="Times New Roman" panose="02020603050405020304" pitchFamily="18" charset="0"/>
-                <a:cs typeface="Times New Roman" panose="02020603050405020304" pitchFamily="18" charset="0"/>
-              </a:rPr>
-              <a:t>Public prosecutors are investigating 20 companies, including 16 builders, for participating in a alleged cartel to overcharge the oil company. OAS and </a:t>
-            </a:r>
-            <a:r>
-              <a:rPr lang="en-US" sz="1600" dirty="0" err="1">
-                <a:solidFill>
-                  <a:schemeClr val="tx1">
-                    <a:lumMod val="65000"/>
-                    <a:lumOff val="35000"/>
-                  </a:schemeClr>
-                </a:solidFill>
-                <a:latin typeface="Times New Roman" panose="02020603050405020304" pitchFamily="18" charset="0"/>
-                <a:cs typeface="Times New Roman" panose="02020603050405020304" pitchFamily="18" charset="0"/>
-              </a:rPr>
-              <a:t>Galvao</a:t>
-            </a:r>
-            <a:r>
-              <a:rPr lang="en-US" sz="1600" dirty="0">
-                <a:solidFill>
-                  <a:schemeClr val="tx1">
-                    <a:lumMod val="65000"/>
-                    <a:lumOff val="35000"/>
-                  </a:schemeClr>
-                </a:solidFill>
-                <a:latin typeface="Times New Roman" panose="02020603050405020304" pitchFamily="18" charset="0"/>
-                <a:cs typeface="Times New Roman" panose="02020603050405020304" pitchFamily="18" charset="0"/>
-              </a:rPr>
-              <a:t> </a:t>
-            </a:r>
-            <a:r>
-              <a:rPr lang="en-US" sz="1600" dirty="0" err="1">
-                <a:solidFill>
-                  <a:schemeClr val="tx1">
-                    <a:lumMod val="65000"/>
-                    <a:lumOff val="35000"/>
-                  </a:schemeClr>
-                </a:solidFill>
-                <a:latin typeface="Times New Roman" panose="02020603050405020304" pitchFamily="18" charset="0"/>
-                <a:cs typeface="Times New Roman" panose="02020603050405020304" pitchFamily="18" charset="0"/>
-              </a:rPr>
-              <a:t>Engenharia</a:t>
-            </a:r>
-            <a:r>
-              <a:rPr lang="en-US" sz="1600" dirty="0">
-                <a:solidFill>
-                  <a:schemeClr val="tx1">
-                    <a:lumMod val="65000"/>
-                    <a:lumOff val="35000"/>
-                  </a:schemeClr>
-                </a:solidFill>
-                <a:latin typeface="Times New Roman" panose="02020603050405020304" pitchFamily="18" charset="0"/>
-                <a:cs typeface="Times New Roman" panose="02020603050405020304" pitchFamily="18" charset="0"/>
-              </a:rPr>
-              <a:t> SA, Brazilian construction companies, filed for bankruptcy after investigations started.</a:t>
-            </a:r>
-          </a:p>
-          <a:p>
-            <a:pPr marL="0" indent="0">
-              <a:buNone/>
-            </a:pPr>
-            <a:r>
-              <a:rPr lang="en-US" sz="1600" dirty="0">
-                <a:solidFill>
-                  <a:schemeClr val="tx1">
-                    <a:lumMod val="65000"/>
-                    <a:lumOff val="35000"/>
-                  </a:schemeClr>
-                </a:solidFill>
-                <a:latin typeface="Times New Roman" panose="02020603050405020304" pitchFamily="18" charset="0"/>
-                <a:cs typeface="Times New Roman" panose="02020603050405020304" pitchFamily="18" charset="0"/>
-              </a:rPr>
-              <a:t>The president said the builders financial difficulties won’t hold up planned tenders to build and operate infrastructure projects. She said she plans tap Chinese investment for a railway linking Brazil’s Atlantic coast with the Pacific Ocean.</a:t>
-            </a:r>
-          </a:p>
-          <a:p>
-            <a:pPr marL="0" indent="0">
-              <a:buNone/>
-            </a:pPr>
-            <a:r>
-              <a:rPr lang="en-US" sz="1600" dirty="0">
-                <a:solidFill>
-                  <a:schemeClr val="tx1">
-                    <a:lumMod val="65000"/>
-                    <a:lumOff val="35000"/>
-                  </a:schemeClr>
-                </a:solidFill>
-                <a:latin typeface="Times New Roman" panose="02020603050405020304" pitchFamily="18" charset="0"/>
-                <a:cs typeface="Times New Roman" panose="02020603050405020304" pitchFamily="18" charset="0"/>
-              </a:rPr>
-              <a:t>The Supreme Court has also authorized investigations of 49 politicians including Senate chief Renan </a:t>
-            </a:r>
-            <a:r>
-              <a:rPr lang="en-US" sz="1600" dirty="0" err="1">
-                <a:solidFill>
-                  <a:schemeClr val="tx1">
-                    <a:lumMod val="65000"/>
-                    <a:lumOff val="35000"/>
-                  </a:schemeClr>
-                </a:solidFill>
-                <a:latin typeface="Times New Roman" panose="02020603050405020304" pitchFamily="18" charset="0"/>
-                <a:cs typeface="Times New Roman" panose="02020603050405020304" pitchFamily="18" charset="0"/>
-              </a:rPr>
-              <a:t>Calheiros</a:t>
-            </a:r>
-            <a:r>
-              <a:rPr lang="en-US" sz="1600" dirty="0">
-                <a:solidFill>
-                  <a:schemeClr val="tx1">
-                    <a:lumMod val="65000"/>
-                    <a:lumOff val="35000"/>
-                  </a:schemeClr>
-                </a:solidFill>
-                <a:latin typeface="Times New Roman" panose="02020603050405020304" pitchFamily="18" charset="0"/>
-                <a:cs typeface="Times New Roman" panose="02020603050405020304" pitchFamily="18" charset="0"/>
-              </a:rPr>
-              <a:t> and lower house President Eduardo Cunha in relation to the alleged kickbacks at </a:t>
-            </a:r>
-            <a:r>
-              <a:rPr lang="en-US" sz="1600" dirty="0" err="1">
-                <a:solidFill>
-                  <a:schemeClr val="tx1">
-                    <a:lumMod val="65000"/>
-                    <a:lumOff val="35000"/>
-                  </a:schemeClr>
-                </a:solidFill>
-                <a:latin typeface="Times New Roman" panose="02020603050405020304" pitchFamily="18" charset="0"/>
-                <a:cs typeface="Times New Roman" panose="02020603050405020304" pitchFamily="18" charset="0"/>
-              </a:rPr>
-              <a:t>Petrobras</a:t>
-            </a:r>
-            <a:r>
-              <a:rPr lang="en-US" sz="1600" dirty="0">
-                <a:solidFill>
-                  <a:schemeClr val="tx1">
-                    <a:lumMod val="65000"/>
-                    <a:lumOff val="35000"/>
-                  </a:schemeClr>
-                </a:solidFill>
-                <a:latin typeface="Times New Roman" panose="02020603050405020304" pitchFamily="18" charset="0"/>
-                <a:cs typeface="Times New Roman" panose="02020603050405020304" pitchFamily="18" charset="0"/>
-              </a:rPr>
-              <a:t>. Former officials at the company turned state’s witness said that hundreds of millions of dollars went to political parties, including Rousseff Workers’ Party. The scandal has eroded the support she needs in Congress to approve austerity measures.</a:t>
-            </a:r>
-          </a:p>
-          <a:p>
-            <a:pPr marL="0" indent="0">
-              <a:buNone/>
-            </a:pPr>
-            <a:endParaRPr lang="nl-NL" sz="1600" dirty="0">
-              <a:solidFill>
-                <a:schemeClr val="tx1">
-                  <a:lumMod val="65000"/>
-                  <a:lumOff val="35000"/>
-                </a:schemeClr>
-              </a:solidFill>
-              <a:latin typeface="Times New Roman" panose="02020603050405020304" pitchFamily="18" charset="0"/>
-              <a:cs typeface="Times New Roman" panose="02020603050405020304" pitchFamily="18" charset="0"/>
-            </a:endParaRPr>
-          </a:p>
-        </p:txBody>
-      </p:sp>
-      <p:sp>
-        <p:nvSpPr>
-          <p:cNvPr id="8" name="Rectangle 7"/>
-          <p:cNvSpPr/>
-          <p:nvPr/>
-        </p:nvSpPr>
-        <p:spPr>
-          <a:xfrm>
-            <a:off x="1537855" y="2306782"/>
-            <a:ext cx="741218" cy="221673"/>
-          </a:xfrm>
-          <a:prstGeom prst="rect">
-            <a:avLst/>
-          </a:prstGeom>
-          <a:noFill/>
-          <a:ln>
-            <a:solidFill>
-              <a:schemeClr val="accent2">
-                <a:lumMod val="75000"/>
-              </a:schemeClr>
-            </a:solidFill>
-          </a:ln>
-        </p:spPr>
-        <p:style>
-          <a:lnRef idx="2">
-            <a:schemeClr val="accent1">
-              <a:shade val="50000"/>
-            </a:schemeClr>
-          </a:lnRef>
-          <a:fillRef idx="1">
-            <a:schemeClr val="accent1"/>
-          </a:fillRef>
-          <a:effectRef idx="0">
-            <a:schemeClr val="accent1"/>
-          </a:effectRef>
-          <a:fontRef idx="minor">
-            <a:schemeClr val="lt1"/>
-          </a:fontRef>
-        </p:style>
-        <p:txBody>
-          <a:bodyPr rtlCol="0" anchor="ctr"/>
-          <a:lstStyle/>
-          <a:p>
-            <a:pPr algn="ctr"/>
-            <a:endParaRPr lang="nl-NL"/>
-          </a:p>
-        </p:txBody>
-      </p:sp>
-      <p:sp>
-        <p:nvSpPr>
-          <p:cNvPr id="10" name="Rectangle 9"/>
-          <p:cNvSpPr/>
-          <p:nvPr/>
-        </p:nvSpPr>
-        <p:spPr>
-          <a:xfrm>
-            <a:off x="5216236" y="3082636"/>
-            <a:ext cx="1891145" cy="221673"/>
-          </a:xfrm>
-          <a:prstGeom prst="rect">
-            <a:avLst/>
-          </a:prstGeom>
-          <a:noFill/>
-          <a:ln>
-            <a:solidFill>
-              <a:schemeClr val="accent2">
-                <a:lumMod val="75000"/>
-              </a:schemeClr>
-            </a:solidFill>
-          </a:ln>
-        </p:spPr>
-        <p:style>
-          <a:lnRef idx="2">
-            <a:schemeClr val="accent1">
-              <a:shade val="50000"/>
-            </a:schemeClr>
-          </a:lnRef>
-          <a:fillRef idx="1">
-            <a:schemeClr val="accent1"/>
-          </a:fillRef>
-          <a:effectRef idx="0">
-            <a:schemeClr val="accent1"/>
-          </a:effectRef>
-          <a:fontRef idx="minor">
-            <a:schemeClr val="lt1"/>
-          </a:fontRef>
-        </p:style>
-        <p:txBody>
-          <a:bodyPr rtlCol="0" anchor="ctr"/>
-          <a:lstStyle/>
-          <a:p>
-            <a:pPr algn="ctr"/>
-            <a:endParaRPr lang="nl-NL"/>
-          </a:p>
-        </p:txBody>
-      </p:sp>
-      <p:sp>
-        <p:nvSpPr>
-          <p:cNvPr id="11" name="Rectangle 10"/>
-          <p:cNvSpPr/>
-          <p:nvPr/>
-        </p:nvSpPr>
-        <p:spPr>
-          <a:xfrm>
-            <a:off x="4301836" y="4655127"/>
-            <a:ext cx="1295399" cy="221673"/>
-          </a:xfrm>
-          <a:prstGeom prst="rect">
-            <a:avLst/>
-          </a:prstGeom>
-          <a:noFill/>
-          <a:ln>
-            <a:solidFill>
-              <a:srgbClr val="92D050"/>
-            </a:solidFill>
-          </a:ln>
-        </p:spPr>
-        <p:style>
-          <a:lnRef idx="2">
-            <a:schemeClr val="accent1">
-              <a:shade val="50000"/>
-            </a:schemeClr>
-          </a:lnRef>
-          <a:fillRef idx="1">
-            <a:schemeClr val="accent1"/>
-          </a:fillRef>
-          <a:effectRef idx="0">
-            <a:schemeClr val="accent1"/>
-          </a:effectRef>
-          <a:fontRef idx="minor">
-            <a:schemeClr val="lt1"/>
-          </a:fontRef>
-        </p:style>
-        <p:txBody>
-          <a:bodyPr rtlCol="0" anchor="ctr"/>
-          <a:lstStyle/>
-          <a:p>
-            <a:pPr algn="ctr"/>
-            <a:endParaRPr lang="nl-NL"/>
-          </a:p>
-        </p:txBody>
-      </p:sp>
-      <p:sp>
-        <p:nvSpPr>
-          <p:cNvPr id="12" name="Rectangle 11"/>
-          <p:cNvSpPr/>
-          <p:nvPr/>
-        </p:nvSpPr>
-        <p:spPr>
-          <a:xfrm>
-            <a:off x="706581" y="4655126"/>
-            <a:ext cx="1378527" cy="221673"/>
-          </a:xfrm>
-          <a:prstGeom prst="rect">
-            <a:avLst/>
-          </a:prstGeom>
-          <a:noFill/>
-          <a:ln>
-            <a:solidFill>
-              <a:schemeClr val="accent2">
-                <a:lumMod val="75000"/>
-              </a:schemeClr>
-            </a:solidFill>
-          </a:ln>
-        </p:spPr>
-        <p:style>
-          <a:lnRef idx="2">
-            <a:schemeClr val="accent1">
-              <a:shade val="50000"/>
-            </a:schemeClr>
-          </a:lnRef>
-          <a:fillRef idx="1">
-            <a:schemeClr val="accent1"/>
-          </a:fillRef>
-          <a:effectRef idx="0">
-            <a:schemeClr val="accent1"/>
-          </a:effectRef>
-          <a:fontRef idx="minor">
-            <a:schemeClr val="lt1"/>
-          </a:fontRef>
-        </p:style>
-        <p:txBody>
-          <a:bodyPr rtlCol="0" anchor="ctr"/>
-          <a:lstStyle/>
-          <a:p>
-            <a:pPr algn="ctr"/>
-            <a:endParaRPr lang="nl-NL"/>
-          </a:p>
-        </p:txBody>
-      </p:sp>
-      <p:sp>
-        <p:nvSpPr>
-          <p:cNvPr id="13" name="Rectangle 12"/>
-          <p:cNvSpPr/>
-          <p:nvPr/>
-        </p:nvSpPr>
-        <p:spPr>
-          <a:xfrm>
-            <a:off x="3879272" y="4094453"/>
-            <a:ext cx="1191491" cy="221673"/>
-          </a:xfrm>
-          <a:prstGeom prst="rect">
-            <a:avLst/>
-          </a:prstGeom>
-          <a:noFill/>
-          <a:ln>
-            <a:solidFill>
-              <a:schemeClr val="accent2">
-                <a:lumMod val="75000"/>
-              </a:schemeClr>
-            </a:solidFill>
-          </a:ln>
-        </p:spPr>
-        <p:style>
-          <a:lnRef idx="2">
-            <a:schemeClr val="accent1">
-              <a:shade val="50000"/>
-            </a:schemeClr>
-          </a:lnRef>
-          <a:fillRef idx="1">
-            <a:schemeClr val="accent1"/>
-          </a:fillRef>
-          <a:effectRef idx="0">
-            <a:schemeClr val="accent1"/>
-          </a:effectRef>
-          <a:fontRef idx="minor">
-            <a:schemeClr val="lt1"/>
-          </a:fontRef>
-        </p:style>
-        <p:txBody>
-          <a:bodyPr rtlCol="0" anchor="ctr"/>
-          <a:lstStyle/>
-          <a:p>
-            <a:pPr algn="ctr"/>
-            <a:endParaRPr lang="nl-NL"/>
-          </a:p>
-        </p:txBody>
-      </p:sp>
-      <p:sp>
-        <p:nvSpPr>
-          <p:cNvPr id="14" name="Rectangle 13"/>
-          <p:cNvSpPr/>
-          <p:nvPr/>
-        </p:nvSpPr>
-        <p:spPr>
-          <a:xfrm>
-            <a:off x="6127172" y="5105400"/>
-            <a:ext cx="1984664" cy="221673"/>
-          </a:xfrm>
-          <a:prstGeom prst="rect">
-            <a:avLst/>
-          </a:prstGeom>
-          <a:noFill/>
-          <a:ln>
-            <a:solidFill>
-              <a:schemeClr val="accent2">
-                <a:lumMod val="75000"/>
-              </a:schemeClr>
-            </a:solidFill>
-          </a:ln>
-        </p:spPr>
-        <p:style>
-          <a:lnRef idx="2">
-            <a:schemeClr val="accent1">
-              <a:shade val="50000"/>
-            </a:schemeClr>
-          </a:lnRef>
-          <a:fillRef idx="1">
-            <a:schemeClr val="accent1"/>
-          </a:fillRef>
-          <a:effectRef idx="0">
-            <a:schemeClr val="accent1"/>
-          </a:effectRef>
-          <a:fontRef idx="minor">
-            <a:schemeClr val="lt1"/>
-          </a:fontRef>
-        </p:style>
-        <p:txBody>
-          <a:bodyPr rtlCol="0" anchor="ctr"/>
-          <a:lstStyle/>
-          <a:p>
-            <a:pPr algn="ctr"/>
-            <a:endParaRPr lang="nl-NL"/>
+              <a:t>0,89</a:t>
+            </a:r>
           </a:p>
         </p:txBody>
       </p:sp>
       <p:cxnSp>
         <p:nvCxnSpPr>
-          <p:cNvPr id="4" name="Straight Connector 3"/>
+          <p:cNvPr id="3" name="Straight Connector 2"/>
           <p:cNvCxnSpPr>
-            <a:stCxn id="11" idx="0"/>
+            <a:stCxn id="6" idx="0"/>
           </p:cNvCxnSpPr>
           <p:nvPr/>
         </p:nvCxnSpPr>
         <p:spPr>
           <a:xfrm flipH="1" flipV="1">
-            <a:off x="4842164" y="4316126"/>
-            <a:ext cx="107372" cy="339001"/>
+            <a:off x="8952040" y="3172946"/>
+            <a:ext cx="1147799" cy="818119"/>
           </a:xfrm>
           <a:prstGeom prst="line">
             <a:avLst/>
           </a:prstGeom>
-          <a:ln w="19050">
+          <a:ln w="28575">
             <a:solidFill>
               <a:schemeClr val="accent5"/>
             </a:solidFill>
@@ -5368,19 +5498,19 @@
       </p:cxnSp>
       <p:cxnSp>
         <p:nvCxnSpPr>
-          <p:cNvPr id="7" name="Straight Connector 6"/>
+          <p:cNvPr id="33" name="Straight Connector 32"/>
           <p:cNvCxnSpPr/>
           <p:nvPr/>
         </p:nvCxnSpPr>
         <p:spPr>
-          <a:xfrm flipV="1">
-            <a:off x="5361709" y="3304309"/>
-            <a:ext cx="339436" cy="1350817"/>
+          <a:xfrm>
+            <a:off x="4507366" y="3101889"/>
+            <a:ext cx="4780623" cy="878765"/>
           </a:xfrm>
           <a:prstGeom prst="line">
             <a:avLst/>
           </a:prstGeom>
-          <a:ln w="19050">
+          <a:ln w="28575">
             <a:solidFill>
               <a:schemeClr val="accent5"/>
             </a:solidFill>
@@ -5403,22 +5533,19 @@
       </p:cxnSp>
       <p:cxnSp>
         <p:nvCxnSpPr>
-          <p:cNvPr id="15" name="Straight Connector 14"/>
-          <p:cNvCxnSpPr>
-            <a:stCxn id="11" idx="3"/>
-            <a:endCxn id="14" idx="1"/>
-          </p:cNvCxnSpPr>
+          <p:cNvPr id="34" name="Straight Connector 33"/>
+          <p:cNvCxnSpPr/>
           <p:nvPr/>
         </p:nvCxnSpPr>
         <p:spPr>
           <a:xfrm>
-            <a:off x="5597235" y="4765964"/>
-            <a:ext cx="529937" cy="450273"/>
+            <a:off x="4091947" y="2521785"/>
+            <a:ext cx="5677758" cy="1469280"/>
           </a:xfrm>
           <a:prstGeom prst="line">
             <a:avLst/>
           </a:prstGeom>
-          <a:ln w="19050">
+          <a:ln w="28575">
             <a:solidFill>
               <a:schemeClr val="accent5"/>
             </a:solidFill>
@@ -5441,22 +5568,21 @@
       </p:cxnSp>
       <p:cxnSp>
         <p:nvCxnSpPr>
-          <p:cNvPr id="17" name="Straight Connector 16"/>
+          <p:cNvPr id="35" name="Straight Connector 34"/>
           <p:cNvCxnSpPr>
-            <a:stCxn id="11" idx="1"/>
-            <a:endCxn id="12" idx="3"/>
+            <a:stCxn id="27" idx="3"/>
           </p:cNvCxnSpPr>
           <p:nvPr/>
         </p:nvCxnSpPr>
         <p:spPr>
-          <a:xfrm flipH="1" flipV="1">
-            <a:off x="2085108" y="4765963"/>
-            <a:ext cx="2216728" cy="1"/>
+          <a:xfrm flipV="1">
+            <a:off x="2628900" y="4325802"/>
+            <a:ext cx="6402036" cy="965010"/>
           </a:xfrm>
           <a:prstGeom prst="line">
             <a:avLst/>
           </a:prstGeom>
-          <a:ln w="19050">
+          <a:ln w="28575">
             <a:solidFill>
               <a:schemeClr val="accent5"/>
             </a:solidFill>
@@ -5479,21 +5605,21 @@
       </p:cxnSp>
       <p:cxnSp>
         <p:nvCxnSpPr>
-          <p:cNvPr id="19" name="Straight Connector 18"/>
+          <p:cNvPr id="37" name="Straight Connector 36"/>
           <p:cNvCxnSpPr>
-            <a:stCxn id="11" idx="1"/>
+            <a:stCxn id="6" idx="1"/>
           </p:cNvCxnSpPr>
           <p:nvPr/>
         </p:nvCxnSpPr>
         <p:spPr>
           <a:xfrm flipH="1" flipV="1">
-            <a:off x="2175164" y="2528455"/>
-            <a:ext cx="2126672" cy="2237509"/>
+            <a:off x="8210364" y="4051711"/>
+            <a:ext cx="820572" cy="106722"/>
           </a:xfrm>
           <a:prstGeom prst="line">
             <a:avLst/>
           </a:prstGeom>
-          <a:ln w="19050">
+          <a:ln w="28575">
             <a:solidFill>
               <a:schemeClr val="accent5"/>
             </a:solidFill>
@@ -5514,20 +5640,58 @@
           </a:fontRef>
         </p:style>
       </p:cxnSp>
-      <p:sp>
-        <p:nvSpPr>
-          <p:cNvPr id="20" name="TextBox 19"/>
+      <p:cxnSp>
+        <p:nvCxnSpPr>
+          <p:cNvPr id="53" name="Straight Connector 52"/>
+          <p:cNvCxnSpPr>
+            <a:endCxn id="25" idx="3"/>
+          </p:cNvCxnSpPr>
+          <p:nvPr/>
+        </p:nvCxnSpPr>
+        <p:spPr>
+          <a:xfrm flipH="1" flipV="1">
+            <a:off x="1951264" y="2473060"/>
+            <a:ext cx="2140683" cy="46644"/>
+          </a:xfrm>
+          <a:prstGeom prst="line">
+            <a:avLst/>
+          </a:prstGeom>
+          <a:ln w="28575">
+            <a:solidFill>
+              <a:schemeClr val="accent5"/>
+            </a:solidFill>
+          </a:ln>
+        </p:spPr>
+        <p:style>
+          <a:lnRef idx="1">
+            <a:schemeClr val="accent1"/>
+          </a:lnRef>
+          <a:fillRef idx="0">
+            <a:schemeClr val="accent1"/>
+          </a:fillRef>
+          <a:effectRef idx="0">
+            <a:schemeClr val="accent1"/>
+          </a:effectRef>
+          <a:fontRef idx="minor">
+            <a:schemeClr val="tx1"/>
+          </a:fontRef>
+        </p:style>
+      </p:cxnSp>
+      <p:sp>
+        <p:nvSpPr>
+          <p:cNvPr id="32" name="TextBox 17"/>
           <p:cNvSpPr txBox="1"/>
           <p:nvPr/>
         </p:nvSpPr>
         <p:spPr>
           <a:xfrm>
-            <a:off x="3027219" y="3006436"/>
+            <a:off x="7912491" y="4148023"/>
             <a:ext cx="595746" cy="369332"/>
           </a:xfrm>
           <a:prstGeom prst="rect">
             <a:avLst/>
           </a:prstGeom>
+          <a:ln w="28575"/>
         </p:spPr>
         <p:style>
           <a:lnRef idx="2">
@@ -5547,1149 +5711,105 @@
           <a:bodyPr wrap="square" rtlCol="0">
             <a:spAutoFit/>
           </a:bodyPr>
-          <a:lstStyle/>
+          <a:lstStyle>
+            <a:defPPr>
+              <a:defRPr lang="nl-NL"/>
+            </a:defPPr>
+            <a:lvl1pPr marL="0" algn="l" defTabSz="457200" rtl="0" eaLnBrk="1" latinLnBrk="0" hangingPunct="1">
+              <a:defRPr sz="1800" kern="1200">
+                <a:solidFill>
+                  <a:schemeClr val="dk1"/>
+                </a:solidFill>
+                <a:latin typeface="+mn-lt"/>
+                <a:ea typeface="+mn-ea"/>
+                <a:cs typeface="+mn-cs"/>
+              </a:defRPr>
+            </a:lvl1pPr>
+            <a:lvl2pPr marL="457200" algn="l" defTabSz="457200" rtl="0" eaLnBrk="1" latinLnBrk="0" hangingPunct="1">
+              <a:defRPr sz="1800" kern="1200">
+                <a:solidFill>
+                  <a:schemeClr val="dk1"/>
+                </a:solidFill>
+                <a:latin typeface="+mn-lt"/>
+                <a:ea typeface="+mn-ea"/>
+                <a:cs typeface="+mn-cs"/>
+              </a:defRPr>
+            </a:lvl2pPr>
+            <a:lvl3pPr marL="914400" algn="l" defTabSz="457200" rtl="0" eaLnBrk="1" latinLnBrk="0" hangingPunct="1">
+              <a:defRPr sz="1800" kern="1200">
+                <a:solidFill>
+                  <a:schemeClr val="dk1"/>
+                </a:solidFill>
+                <a:latin typeface="+mn-lt"/>
+                <a:ea typeface="+mn-ea"/>
+                <a:cs typeface="+mn-cs"/>
+              </a:defRPr>
+            </a:lvl3pPr>
+            <a:lvl4pPr marL="1371600" algn="l" defTabSz="457200" rtl="0" eaLnBrk="1" latinLnBrk="0" hangingPunct="1">
+              <a:defRPr sz="1800" kern="1200">
+                <a:solidFill>
+                  <a:schemeClr val="dk1"/>
+                </a:solidFill>
+                <a:latin typeface="+mn-lt"/>
+                <a:ea typeface="+mn-ea"/>
+                <a:cs typeface="+mn-cs"/>
+              </a:defRPr>
+            </a:lvl4pPr>
+            <a:lvl5pPr marL="1828800" algn="l" defTabSz="457200" rtl="0" eaLnBrk="1" latinLnBrk="0" hangingPunct="1">
+              <a:defRPr sz="1800" kern="1200">
+                <a:solidFill>
+                  <a:schemeClr val="dk1"/>
+                </a:solidFill>
+                <a:latin typeface="+mn-lt"/>
+                <a:ea typeface="+mn-ea"/>
+                <a:cs typeface="+mn-cs"/>
+              </a:defRPr>
+            </a:lvl5pPr>
+            <a:lvl6pPr marL="2286000" algn="l" defTabSz="457200" rtl="0" eaLnBrk="1" latinLnBrk="0" hangingPunct="1">
+              <a:defRPr sz="1800" kern="1200">
+                <a:solidFill>
+                  <a:schemeClr val="dk1"/>
+                </a:solidFill>
+                <a:latin typeface="+mn-lt"/>
+                <a:ea typeface="+mn-ea"/>
+                <a:cs typeface="+mn-cs"/>
+              </a:defRPr>
+            </a:lvl6pPr>
+            <a:lvl7pPr marL="2743200" algn="l" defTabSz="457200" rtl="0" eaLnBrk="1" latinLnBrk="0" hangingPunct="1">
+              <a:defRPr sz="1800" kern="1200">
+                <a:solidFill>
+                  <a:schemeClr val="dk1"/>
+                </a:solidFill>
+                <a:latin typeface="+mn-lt"/>
+                <a:ea typeface="+mn-ea"/>
+                <a:cs typeface="+mn-cs"/>
+              </a:defRPr>
+            </a:lvl7pPr>
+            <a:lvl8pPr marL="3200400" algn="l" defTabSz="457200" rtl="0" eaLnBrk="1" latinLnBrk="0" hangingPunct="1">
+              <a:defRPr sz="1800" kern="1200">
+                <a:solidFill>
+                  <a:schemeClr val="dk1"/>
+                </a:solidFill>
+                <a:latin typeface="+mn-lt"/>
+                <a:ea typeface="+mn-ea"/>
+                <a:cs typeface="+mn-cs"/>
+              </a:defRPr>
+            </a:lvl8pPr>
+            <a:lvl9pPr marL="3657600" algn="l" defTabSz="457200" rtl="0" eaLnBrk="1" latinLnBrk="0" hangingPunct="1">
+              <a:defRPr sz="1800" kern="1200">
+                <a:solidFill>
+                  <a:schemeClr val="dk1"/>
+                </a:solidFill>
+                <a:latin typeface="+mn-lt"/>
+                <a:ea typeface="+mn-ea"/>
+                <a:cs typeface="+mn-cs"/>
+              </a:defRPr>
+            </a:lvl9pPr>
+          </a:lstStyle>
           <a:p>
             <a:r>
               <a:rPr lang="nl-NL" dirty="0" smtClean="0"/>
-              <a:t>0,23</a:t>
-            </a:r>
-            <a:endParaRPr lang="nl-NL" dirty="0"/>
-          </a:p>
-        </p:txBody>
-      </p:sp>
-      <p:sp>
-        <p:nvSpPr>
-          <p:cNvPr id="21" name="TextBox 20"/>
-          <p:cNvSpPr txBox="1"/>
-          <p:nvPr/>
-        </p:nvSpPr>
-        <p:spPr>
-          <a:xfrm>
-            <a:off x="5805056" y="3665804"/>
-            <a:ext cx="595746" cy="369332"/>
-          </a:xfrm>
-          <a:prstGeom prst="rect">
-            <a:avLst/>
-          </a:prstGeom>
-        </p:spPr>
-        <p:style>
-          <a:lnRef idx="2">
-            <a:schemeClr val="accent5"/>
-          </a:lnRef>
-          <a:fillRef idx="1">
-            <a:schemeClr val="lt1"/>
-          </a:fillRef>
-          <a:effectRef idx="0">
-            <a:schemeClr val="accent5"/>
-          </a:effectRef>
-          <a:fontRef idx="minor">
-            <a:schemeClr val="dk1"/>
-          </a:fontRef>
-        </p:style>
-        <p:txBody>
-          <a:bodyPr wrap="square" rtlCol="0">
-            <a:spAutoFit/>
-          </a:bodyPr>
-          <a:lstStyle/>
-          <a:p>
-            <a:r>
-              <a:rPr lang="nl-NL" dirty="0" smtClean="0"/>
-              <a:t>0,56</a:t>
-            </a:r>
-            <a:endParaRPr lang="nl-NL" dirty="0"/>
-          </a:p>
-        </p:txBody>
-      </p:sp>
-      <p:sp>
-        <p:nvSpPr>
-          <p:cNvPr id="22" name="TextBox 21"/>
-          <p:cNvSpPr txBox="1"/>
-          <p:nvPr/>
-        </p:nvSpPr>
-        <p:spPr>
-          <a:xfrm>
-            <a:off x="5216236" y="5137666"/>
-            <a:ext cx="595746" cy="369332"/>
-          </a:xfrm>
-          <a:prstGeom prst="rect">
-            <a:avLst/>
-          </a:prstGeom>
-        </p:spPr>
-        <p:style>
-          <a:lnRef idx="2">
-            <a:schemeClr val="accent5"/>
-          </a:lnRef>
-          <a:fillRef idx="1">
-            <a:schemeClr val="lt1"/>
-          </a:fillRef>
-          <a:effectRef idx="0">
-            <a:schemeClr val="accent5"/>
-          </a:effectRef>
-          <a:fontRef idx="minor">
-            <a:schemeClr val="dk1"/>
-          </a:fontRef>
-        </p:style>
-        <p:txBody>
-          <a:bodyPr wrap="square" rtlCol="0">
-            <a:spAutoFit/>
-          </a:bodyPr>
-          <a:lstStyle/>
-          <a:p>
-            <a:r>
-              <a:rPr lang="nl-NL" dirty="0" smtClean="0"/>
-              <a:t>0,83</a:t>
-            </a:r>
-            <a:endParaRPr lang="nl-NL" dirty="0"/>
-          </a:p>
-        </p:txBody>
-      </p:sp>
-      <p:sp>
-        <p:nvSpPr>
-          <p:cNvPr id="23" name="TextBox 22"/>
-          <p:cNvSpPr txBox="1"/>
-          <p:nvPr/>
-        </p:nvSpPr>
-        <p:spPr>
-          <a:xfrm>
-            <a:off x="2249631" y="4300960"/>
-            <a:ext cx="595746" cy="369332"/>
-          </a:xfrm>
-          <a:prstGeom prst="rect">
-            <a:avLst/>
-          </a:prstGeom>
-        </p:spPr>
-        <p:style>
-          <a:lnRef idx="2">
-            <a:schemeClr val="accent5"/>
-          </a:lnRef>
-          <a:fillRef idx="1">
-            <a:schemeClr val="lt1"/>
-          </a:fillRef>
-          <a:effectRef idx="0">
-            <a:schemeClr val="accent5"/>
-          </a:effectRef>
-          <a:fontRef idx="minor">
-            <a:schemeClr val="dk1"/>
-          </a:fontRef>
-        </p:style>
-        <p:txBody>
-          <a:bodyPr wrap="square" rtlCol="0">
-            <a:spAutoFit/>
-          </a:bodyPr>
-          <a:lstStyle/>
-          <a:p>
-            <a:r>
-              <a:rPr lang="nl-NL" dirty="0" smtClean="0"/>
-              <a:t>0,76</a:t>
-            </a:r>
-            <a:endParaRPr lang="nl-NL" dirty="0"/>
-          </a:p>
-        </p:txBody>
-      </p:sp>
-      <p:sp>
-        <p:nvSpPr>
-          <p:cNvPr id="24" name="TextBox 23"/>
-          <p:cNvSpPr txBox="1"/>
-          <p:nvPr/>
-        </p:nvSpPr>
-        <p:spPr>
-          <a:xfrm>
-            <a:off x="4494935" y="4300960"/>
-            <a:ext cx="303067" cy="369332"/>
-          </a:xfrm>
-          <a:prstGeom prst="rect">
-            <a:avLst/>
-          </a:prstGeom>
-        </p:spPr>
-        <p:style>
-          <a:lnRef idx="2">
-            <a:schemeClr val="accent5"/>
-          </a:lnRef>
-          <a:fillRef idx="1">
-            <a:schemeClr val="lt1"/>
-          </a:fillRef>
-          <a:effectRef idx="0">
-            <a:schemeClr val="accent5"/>
-          </a:effectRef>
-          <a:fontRef idx="minor">
-            <a:schemeClr val="dk1"/>
-          </a:fontRef>
-        </p:style>
-        <p:txBody>
-          <a:bodyPr wrap="square" rtlCol="0">
-            <a:spAutoFit/>
-          </a:bodyPr>
-          <a:lstStyle/>
-          <a:p>
-            <a:r>
-              <a:rPr lang="nl-NL" dirty="0" smtClean="0"/>
-              <a:t>0</a:t>
-            </a:r>
-            <a:endParaRPr lang="nl-NL" dirty="0"/>
-          </a:p>
-        </p:txBody>
-      </p:sp>
-    </p:spTree>
-    <p:extLst>
-      <p:ext uri="{BB962C8B-B14F-4D97-AF65-F5344CB8AC3E}">
-        <p14:creationId xmlns:p14="http://schemas.microsoft.com/office/powerpoint/2010/main" val="2308834339"/>
-      </p:ext>
-    </p:extLst>
-  </p:cSld>
-  <p:clrMapOvr>
-    <a:masterClrMapping/>
-  </p:clrMapOvr>
-  <p:timing>
-    <p:tnLst>
-      <p:par>
-        <p:cTn id="1" dur="indefinite" restart="never" nodeType="tmRoot"/>
-      </p:par>
-    </p:tnLst>
-  </p:timing>
-</p:sld>
-</file>
-
-<file path=ppt/slides/slide5.xml><?xml version="1.0" encoding="utf-8"?>
-<p:sld xmlns:a="http://schemas.openxmlformats.org/drawingml/2006/main" xmlns:r="http://schemas.openxmlformats.org/officeDocument/2006/relationships" xmlns:p="http://schemas.openxmlformats.org/presentationml/2006/main">
-  <p:cSld>
-    <p:spTree>
-      <p:nvGrpSpPr>
-        <p:cNvPr id="1" name=""/>
-        <p:cNvGrpSpPr/>
-        <p:nvPr/>
-      </p:nvGrpSpPr>
-      <p:grpSpPr>
-        <a:xfrm>
-          <a:off x="0" y="0"/>
-          <a:ext cx="0" cy="0"/>
-          <a:chOff x="0" y="0"/>
-          <a:chExt cx="0" cy="0"/>
-        </a:xfrm>
-      </p:grpSpPr>
-      <p:sp>
-        <p:nvSpPr>
-          <p:cNvPr id="6" name="Title 5"/>
-          <p:cNvSpPr>
-            <a:spLocks noGrp="1"/>
-          </p:cNvSpPr>
-          <p:nvPr>
-            <p:ph type="title"/>
-          </p:nvPr>
-        </p:nvSpPr>
-        <p:spPr>
-          <a:xfrm>
-            <a:off x="628650" y="94963"/>
-            <a:ext cx="7886700" cy="951055"/>
-          </a:xfrm>
-        </p:spPr>
-        <p:txBody>
-          <a:bodyPr/>
-          <a:lstStyle/>
-          <a:p>
-            <a:pPr algn="ctr"/>
-            <a:r>
-              <a:rPr lang="nl-NL" dirty="0" smtClean="0"/>
-              <a:t>Ranking </a:t>
-            </a:r>
-            <a:r>
-              <a:rPr lang="nl-NL" dirty="0" err="1" smtClean="0"/>
-              <a:t>Articles</a:t>
-            </a:r>
-            <a:endParaRPr lang="nl-NL" dirty="0"/>
-          </a:p>
-        </p:txBody>
-      </p:sp>
-      <mc:AlternateContent xmlns:mc="http://schemas.openxmlformats.org/markup-compatibility/2006">
-        <mc:Choice xmlns:a14="http://schemas.microsoft.com/office/drawing/2010/main" Requires="a14">
-          <p:sp>
-            <p:nvSpPr>
-              <p:cNvPr id="7" name="Content Placeholder 6"/>
-              <p:cNvSpPr>
-                <a:spLocks noGrp="1"/>
-              </p:cNvSpPr>
-              <p:nvPr>
-                <p:ph idx="1"/>
-              </p:nvPr>
-            </p:nvSpPr>
-            <p:spPr>
-              <a:xfrm>
-                <a:off x="539462" y="1420091"/>
-                <a:ext cx="8065077" cy="3927764"/>
-              </a:xfrm>
-            </p:spPr>
-            <p:txBody>
-              <a:bodyPr>
-                <a:normAutofit/>
-              </a:bodyPr>
-              <a:lstStyle/>
-              <a:p>
-                <a:pPr marL="0" indent="0">
-                  <a:buNone/>
-                </a:pPr>
-                <a14:m>
-                  <m:oMathPara xmlns:m="http://schemas.openxmlformats.org/officeDocument/2006/math">
-                    <m:oMathParaPr>
-                      <m:jc m:val="centerGroup"/>
-                    </m:oMathParaPr>
-                    <m:oMath xmlns:m="http://schemas.openxmlformats.org/officeDocument/2006/math">
-                      <m:sSub>
-                        <m:sSubPr>
-                          <m:ctrlPr>
-                            <a:rPr lang="nl-NL" b="0" i="1" smtClean="0">
-                              <a:latin typeface="Cambria Math" panose="02040503050406030204" pitchFamily="18" charset="0"/>
-                            </a:rPr>
-                          </m:ctrlPr>
-                        </m:sSubPr>
-                        <m:e>
-                          <m:r>
-                            <a:rPr lang="nl-NL" b="0" i="1" smtClean="0">
-                              <a:latin typeface="Cambria Math" panose="02040503050406030204" pitchFamily="18" charset="0"/>
-                            </a:rPr>
-                            <m:t>𝑆</m:t>
-                          </m:r>
-                        </m:e>
-                        <m:sub>
-                          <m:r>
-                            <a:rPr lang="nl-NL" b="0" i="1" smtClean="0">
-                              <a:latin typeface="Cambria Math" panose="02040503050406030204" pitchFamily="18" charset="0"/>
-                            </a:rPr>
-                            <m:t>𝐵</m:t>
-                          </m:r>
-                        </m:sub>
-                      </m:sSub>
-                      <m:r>
-                        <a:rPr lang="nl-NL" b="0" i="1" smtClean="0">
-                          <a:latin typeface="Cambria Math" panose="02040503050406030204" pitchFamily="18" charset="0"/>
-                        </a:rPr>
-                        <m:t>= </m:t>
-                      </m:r>
-                      <m:nary>
-                        <m:naryPr>
-                          <m:chr m:val="∑"/>
-                          <m:supHide m:val="on"/>
-                          <m:ctrlPr>
-                            <a:rPr lang="nl-NL" b="0" i="1" smtClean="0">
-                              <a:latin typeface="Cambria Math" panose="02040503050406030204" pitchFamily="18" charset="0"/>
-                            </a:rPr>
-                          </m:ctrlPr>
-                        </m:naryPr>
-                        <m:sub>
-                          <m:r>
-                            <m:rPr>
-                              <m:brk m:alnAt="7"/>
-                            </m:rPr>
-                            <a:rPr lang="nl-NL" b="0" i="1" smtClean="0">
-                              <a:latin typeface="Cambria Math" panose="02040503050406030204" pitchFamily="18" charset="0"/>
-                            </a:rPr>
-                            <m:t>𝑖</m:t>
-                          </m:r>
-                        </m:sub>
-                        <m:sup/>
-                        <m:e>
-                          <m:sSub>
-                            <m:sSubPr>
-                              <m:ctrlPr>
-                                <a:rPr lang="nl-NL" b="0" i="1" smtClean="0">
-                                  <a:latin typeface="Cambria Math" panose="02040503050406030204" pitchFamily="18" charset="0"/>
-                                </a:rPr>
-                              </m:ctrlPr>
-                            </m:sSubPr>
-                            <m:e>
-                              <m:r>
-                                <a:rPr lang="nl-NL" b="0" i="1" smtClean="0">
-                                  <a:latin typeface="Cambria Math" panose="02040503050406030204" pitchFamily="18" charset="0"/>
-                                </a:rPr>
-                                <m:t>𝑅</m:t>
-                              </m:r>
-                            </m:e>
-                            <m:sub>
-                              <m:r>
-                                <a:rPr lang="nl-NL" b="0" i="1" smtClean="0">
-                                  <a:latin typeface="Cambria Math" panose="02040503050406030204" pitchFamily="18" charset="0"/>
-                                </a:rPr>
-                                <m:t>𝑖𝐴</m:t>
-                              </m:r>
-                            </m:sub>
-                          </m:sSub>
-                          <m:r>
-                            <a:rPr lang="nl-NL" b="0" i="1" smtClean="0">
-                              <a:latin typeface="Cambria Math" panose="02040503050406030204" pitchFamily="18" charset="0"/>
-                            </a:rPr>
-                            <m:t>∗</m:t>
-                          </m:r>
-                          <m:sSub>
-                            <m:sSubPr>
-                              <m:ctrlPr>
-                                <a:rPr lang="nl-NL" b="0" i="1" smtClean="0">
-                                  <a:latin typeface="Cambria Math" panose="02040503050406030204" pitchFamily="18" charset="0"/>
-                                </a:rPr>
-                              </m:ctrlPr>
-                            </m:sSubPr>
-                            <m:e>
-                              <m:r>
-                                <a:rPr lang="nl-NL" b="0" i="1" smtClean="0">
-                                  <a:latin typeface="Cambria Math" panose="02040503050406030204" pitchFamily="18" charset="0"/>
-                                </a:rPr>
-                                <m:t>𝑅</m:t>
-                              </m:r>
-                            </m:e>
-                            <m:sub>
-                              <m:r>
-                                <a:rPr lang="nl-NL" b="0" i="1" smtClean="0">
-                                  <a:latin typeface="Cambria Math" panose="02040503050406030204" pitchFamily="18" charset="0"/>
-                                </a:rPr>
-                                <m:t>𝑖𝐵</m:t>
-                              </m:r>
-                            </m:sub>
-                          </m:sSub>
-                          <m:r>
-                            <a:rPr lang="nl-NL" b="0" i="1" smtClean="0">
-                              <a:latin typeface="Cambria Math" panose="02040503050406030204" pitchFamily="18" charset="0"/>
-                            </a:rPr>
-                            <m:t>∗</m:t>
-                          </m:r>
-                          <m:sSub>
-                            <m:sSubPr>
-                              <m:ctrlPr>
-                                <a:rPr lang="nl-NL" b="0" i="1" smtClean="0">
-                                  <a:latin typeface="Cambria Math" panose="02040503050406030204" pitchFamily="18" charset="0"/>
-                                </a:rPr>
-                              </m:ctrlPr>
-                            </m:sSubPr>
-                            <m:e>
-                              <m:r>
-                                <a:rPr lang="nl-NL" b="0" i="1" smtClean="0">
-                                  <a:latin typeface="Cambria Math" panose="02040503050406030204" pitchFamily="18" charset="0"/>
-                                </a:rPr>
-                                <m:t>𝑝</m:t>
-                              </m:r>
-                            </m:e>
-                            <m:sub>
-                              <m:r>
-                                <a:rPr lang="nl-NL" b="0" i="1" smtClean="0">
-                                  <a:latin typeface="Cambria Math" panose="02040503050406030204" pitchFamily="18" charset="0"/>
-                                </a:rPr>
-                                <m:t>𝑖</m:t>
-                              </m:r>
-                            </m:sub>
-                          </m:sSub>
-                          <m:r>
-                            <a:rPr lang="nl-NL" b="0" i="1" smtClean="0">
-                              <a:latin typeface="Cambria Math" panose="02040503050406030204" pitchFamily="18" charset="0"/>
-                            </a:rPr>
-                            <m:t>∗</m:t>
-                          </m:r>
-                          <m:sSub>
-                            <m:sSubPr>
-                              <m:ctrlPr>
-                                <a:rPr lang="nl-NL" b="0" i="1" smtClean="0">
-                                  <a:latin typeface="Cambria Math" panose="02040503050406030204" pitchFamily="18" charset="0"/>
-                                </a:rPr>
-                              </m:ctrlPr>
-                            </m:sSubPr>
-                            <m:e>
-                              <m:r>
-                                <a:rPr lang="nl-NL" b="0" i="1" smtClean="0">
-                                  <a:latin typeface="Cambria Math" panose="02040503050406030204" pitchFamily="18" charset="0"/>
-                                </a:rPr>
-                                <m:t>𝑆𝐶𝑆</m:t>
-                              </m:r>
-                            </m:e>
-                            <m:sub>
-                              <m:r>
-                                <a:rPr lang="nl-NL" b="0" i="1" smtClean="0">
-                                  <a:latin typeface="Cambria Math" panose="02040503050406030204" pitchFamily="18" charset="0"/>
-                                </a:rPr>
-                                <m:t>𝑖</m:t>
-                              </m:r>
-                            </m:sub>
-                          </m:sSub>
-                        </m:e>
-                      </m:nary>
-                    </m:oMath>
-                  </m:oMathPara>
-                </a14:m>
-                <a:endParaRPr lang="nl-NL" dirty="0" smtClean="0"/>
-              </a:p>
-              <a:p>
-                <a:pPr marL="0" indent="0">
-                  <a:buNone/>
-                </a:pPr>
-                <a:endParaRPr lang="nl-NL" sz="2400" i="1" dirty="0" smtClean="0">
-                  <a:latin typeface="Cambria Math" panose="02040503050406030204" pitchFamily="18" charset="0"/>
-                </a:endParaRPr>
-              </a:p>
-              <a:p>
-                <a14:m>
-                  <m:oMath xmlns:m="http://schemas.openxmlformats.org/officeDocument/2006/math">
-                    <m:sSub>
-                      <m:sSubPr>
-                        <m:ctrlPr>
-                          <a:rPr lang="nl-NL" sz="2400" i="1">
-                            <a:latin typeface="Cambria Math" panose="02040503050406030204" pitchFamily="18" charset="0"/>
-                          </a:rPr>
-                        </m:ctrlPr>
-                      </m:sSubPr>
-                      <m:e>
-                        <m:r>
-                          <a:rPr lang="nl-NL" sz="2400" i="1">
-                            <a:latin typeface="Cambria Math" panose="02040503050406030204" pitchFamily="18" charset="0"/>
-                          </a:rPr>
-                          <m:t>𝑆</m:t>
-                        </m:r>
-                      </m:e>
-                      <m:sub>
-                        <m:r>
-                          <a:rPr lang="nl-NL" sz="2400" i="1">
-                            <a:latin typeface="Cambria Math" panose="02040503050406030204" pitchFamily="18" charset="0"/>
-                          </a:rPr>
-                          <m:t>𝐵</m:t>
-                        </m:r>
-                      </m:sub>
-                    </m:sSub>
-                  </m:oMath>
-                </a14:m>
-                <a:r>
-                  <a:rPr lang="nl-NL" sz="2400" dirty="0" smtClean="0"/>
-                  <a:t> = </a:t>
-                </a:r>
-                <a:r>
-                  <a:rPr lang="nl-NL" sz="2400" dirty="0">
-                    <a:latin typeface="Cambria Math" panose="02040503050406030204" pitchFamily="18" charset="0"/>
-                  </a:rPr>
-                  <a:t>Score of </a:t>
-                </a:r>
-                <a:r>
-                  <a:rPr lang="nl-NL" sz="2400" dirty="0" err="1">
-                    <a:latin typeface="Cambria Math" panose="02040503050406030204" pitchFamily="18" charset="0"/>
-                  </a:rPr>
-                  <a:t>article</a:t>
-                </a:r>
-                <a:endParaRPr lang="nl-NL" sz="2400" dirty="0">
-                  <a:latin typeface="Cambria Math" panose="02040503050406030204" pitchFamily="18" charset="0"/>
-                </a:endParaRPr>
-              </a:p>
-              <a:p>
-                <a14:m>
-                  <m:oMath xmlns:m="http://schemas.openxmlformats.org/officeDocument/2006/math">
-                    <m:sSub>
-                      <m:sSubPr>
-                        <m:ctrlPr>
-                          <a:rPr lang="nl-NL" sz="2400" i="1" smtClean="0">
-                            <a:latin typeface="Cambria Math" panose="02040503050406030204" pitchFamily="18" charset="0"/>
-                          </a:rPr>
-                        </m:ctrlPr>
-                      </m:sSubPr>
-                      <m:e>
-                        <m:r>
-                          <a:rPr lang="nl-NL" sz="2400" i="1">
-                            <a:latin typeface="Cambria Math" panose="02040503050406030204" pitchFamily="18" charset="0"/>
-                          </a:rPr>
-                          <m:t>𝑅</m:t>
-                        </m:r>
-                      </m:e>
-                      <m:sub>
-                        <m:r>
-                          <a:rPr lang="nl-NL" sz="2400" i="1">
-                            <a:latin typeface="Cambria Math" panose="02040503050406030204" pitchFamily="18" charset="0"/>
-                          </a:rPr>
-                          <m:t>𝑖𝐴</m:t>
-                        </m:r>
-                      </m:sub>
-                    </m:sSub>
-                  </m:oMath>
-                </a14:m>
-                <a:r>
-                  <a:rPr lang="nl-NL" sz="2400" dirty="0" smtClean="0"/>
-                  <a:t> = </a:t>
-                </a:r>
-                <a:r>
-                  <a:rPr lang="nl-NL" sz="2400" dirty="0" err="1">
-                    <a:latin typeface="Cambria Math" panose="02040503050406030204" pitchFamily="18" charset="0"/>
-                  </a:rPr>
-                  <a:t>Relevance</a:t>
-                </a:r>
-                <a:r>
-                  <a:rPr lang="nl-NL" sz="2400" dirty="0">
-                    <a:latin typeface="Cambria Math" panose="02040503050406030204" pitchFamily="18" charset="0"/>
-                  </a:rPr>
-                  <a:t> of term </a:t>
-                </a:r>
-                <a14:m>
-                  <m:oMath xmlns:m="http://schemas.openxmlformats.org/officeDocument/2006/math">
-                    <m:r>
-                      <a:rPr lang="nl-NL" sz="2400" i="1" dirty="0" smtClean="0">
-                        <a:latin typeface="Cambria Math" panose="02040503050406030204" pitchFamily="18" charset="0"/>
-                      </a:rPr>
-                      <m:t>𝑖</m:t>
-                    </m:r>
-                  </m:oMath>
-                </a14:m>
-                <a:r>
-                  <a:rPr lang="nl-NL" sz="2400" dirty="0" smtClean="0"/>
-                  <a:t> </a:t>
-                </a:r>
-                <a:r>
-                  <a:rPr lang="nl-NL" sz="2400" dirty="0">
-                    <a:latin typeface="Cambria Math" panose="02040503050406030204" pitchFamily="18" charset="0"/>
-                  </a:rPr>
-                  <a:t>in </a:t>
-                </a:r>
-                <a:r>
-                  <a:rPr lang="nl-NL" sz="2400" dirty="0" err="1">
-                    <a:latin typeface="Cambria Math" panose="02040503050406030204" pitchFamily="18" charset="0"/>
-                  </a:rPr>
-                  <a:t>article</a:t>
-                </a:r>
-                <a:r>
-                  <a:rPr lang="nl-NL" sz="2400" dirty="0">
-                    <a:latin typeface="Cambria Math" panose="02040503050406030204" pitchFamily="18" charset="0"/>
-                  </a:rPr>
-                  <a:t> </a:t>
-                </a:r>
-                <a14:m>
-                  <m:oMath xmlns:m="http://schemas.openxmlformats.org/officeDocument/2006/math">
-                    <m:r>
-                      <a:rPr lang="nl-NL" sz="2400" i="1" dirty="0" smtClean="0">
-                        <a:latin typeface="Cambria Math" panose="02040503050406030204" pitchFamily="18" charset="0"/>
-                      </a:rPr>
-                      <m:t>𝐴</m:t>
-                    </m:r>
-                  </m:oMath>
-                </a14:m>
-                <a:endParaRPr lang="nl-NL" sz="2400" dirty="0" smtClean="0"/>
-              </a:p>
-              <a:p>
-                <a14:m>
-                  <m:oMath xmlns:m="http://schemas.openxmlformats.org/officeDocument/2006/math">
-                    <m:sSub>
-                      <m:sSubPr>
-                        <m:ctrlPr>
-                          <a:rPr lang="nl-NL" sz="2400" i="1">
-                            <a:latin typeface="Cambria Math" panose="02040503050406030204" pitchFamily="18" charset="0"/>
-                          </a:rPr>
-                        </m:ctrlPr>
-                      </m:sSubPr>
-                      <m:e>
-                        <m:r>
-                          <a:rPr lang="nl-NL" sz="2400" i="1">
-                            <a:latin typeface="Cambria Math" panose="02040503050406030204" pitchFamily="18" charset="0"/>
-                          </a:rPr>
-                          <m:t>𝑅</m:t>
-                        </m:r>
-                      </m:e>
-                      <m:sub>
-                        <m:r>
-                          <a:rPr lang="nl-NL" sz="2400" i="1">
-                            <a:latin typeface="Cambria Math" panose="02040503050406030204" pitchFamily="18" charset="0"/>
-                          </a:rPr>
-                          <m:t>𝑖𝐵</m:t>
-                        </m:r>
-                      </m:sub>
-                    </m:sSub>
-                  </m:oMath>
-                </a14:m>
-                <a:r>
-                  <a:rPr lang="nl-NL" sz="2400" dirty="0" smtClean="0"/>
-                  <a:t> = </a:t>
-                </a:r>
-                <a:r>
-                  <a:rPr lang="nl-NL" sz="2400" dirty="0" err="1">
-                    <a:latin typeface="Cambria Math" panose="02040503050406030204" pitchFamily="18" charset="0"/>
-                  </a:rPr>
-                  <a:t>Relevance</a:t>
-                </a:r>
-                <a:r>
-                  <a:rPr lang="nl-NL" sz="2400" dirty="0">
-                    <a:latin typeface="Cambria Math" panose="02040503050406030204" pitchFamily="18" charset="0"/>
-                  </a:rPr>
-                  <a:t> of term </a:t>
-                </a:r>
-                <a14:m>
-                  <m:oMath xmlns:m="http://schemas.openxmlformats.org/officeDocument/2006/math">
-                    <m:r>
-                      <a:rPr lang="nl-NL" sz="2400" i="1" dirty="0" smtClean="0">
-                        <a:latin typeface="Cambria Math" panose="02040503050406030204" pitchFamily="18" charset="0"/>
-                      </a:rPr>
-                      <m:t>𝑖</m:t>
-                    </m:r>
-                  </m:oMath>
-                </a14:m>
-                <a:r>
-                  <a:rPr lang="nl-NL" sz="2400" dirty="0" smtClean="0"/>
-                  <a:t> </a:t>
-                </a:r>
-                <a:r>
-                  <a:rPr lang="nl-NL" sz="2400" dirty="0">
-                    <a:latin typeface="Cambria Math" panose="02040503050406030204" pitchFamily="18" charset="0"/>
-                  </a:rPr>
-                  <a:t>in </a:t>
-                </a:r>
-                <a:r>
-                  <a:rPr lang="nl-NL" sz="2400" dirty="0" err="1">
-                    <a:latin typeface="Cambria Math" panose="02040503050406030204" pitchFamily="18" charset="0"/>
-                  </a:rPr>
-                  <a:t>article</a:t>
-                </a:r>
-                <a:r>
-                  <a:rPr lang="nl-NL" sz="2400" dirty="0" smtClean="0"/>
-                  <a:t> </a:t>
-                </a:r>
-                <a14:m>
-                  <m:oMath xmlns:m="http://schemas.openxmlformats.org/officeDocument/2006/math">
-                    <m:r>
-                      <a:rPr lang="nl-NL" sz="2400" i="1" dirty="0" smtClean="0">
-                        <a:latin typeface="Cambria Math" panose="02040503050406030204" pitchFamily="18" charset="0"/>
-                      </a:rPr>
-                      <m:t>𝐵</m:t>
-                    </m:r>
-                  </m:oMath>
-                </a14:m>
-                <a:endParaRPr lang="nl-NL" sz="2400" dirty="0" smtClean="0"/>
-              </a:p>
-              <a:p>
-                <a14:m>
-                  <m:oMath xmlns:m="http://schemas.openxmlformats.org/officeDocument/2006/math">
-                    <m:sSub>
-                      <m:sSubPr>
-                        <m:ctrlPr>
-                          <a:rPr lang="nl-NL" sz="2400" i="1" smtClean="0">
-                            <a:latin typeface="Cambria Math" panose="02040503050406030204" pitchFamily="18" charset="0"/>
-                          </a:rPr>
-                        </m:ctrlPr>
-                      </m:sSubPr>
-                      <m:e>
-                        <m:r>
-                          <a:rPr lang="nl-NL" sz="2400" b="0" i="1" smtClean="0">
-                            <a:latin typeface="Cambria Math" panose="02040503050406030204" pitchFamily="18" charset="0"/>
-                          </a:rPr>
-                          <m:t>𝑝</m:t>
-                        </m:r>
-                      </m:e>
-                      <m:sub>
-                        <m:r>
-                          <a:rPr lang="nl-NL" sz="2400" b="0" i="1" smtClean="0">
-                            <a:latin typeface="Cambria Math" panose="02040503050406030204" pitchFamily="18" charset="0"/>
-                          </a:rPr>
-                          <m:t>𝑖</m:t>
-                        </m:r>
-                      </m:sub>
-                    </m:sSub>
-                  </m:oMath>
-                </a14:m>
-                <a:r>
-                  <a:rPr lang="nl-NL" sz="2400" i="1" dirty="0" smtClean="0">
-                    <a:latin typeface="Cambria Math" panose="02040503050406030204" pitchFamily="18" charset="0"/>
-                  </a:rPr>
-                  <a:t> </a:t>
-                </a:r>
-                <a:r>
-                  <a:rPr lang="nl-NL" sz="2400" dirty="0" smtClean="0">
-                    <a:latin typeface="Cambria Math" panose="02040503050406030204" pitchFamily="18" charset="0"/>
-                  </a:rPr>
-                  <a:t>= Multiplier </a:t>
-                </a:r>
-                <a:r>
-                  <a:rPr lang="nl-NL" sz="2400" dirty="0" err="1" smtClean="0">
-                    <a:latin typeface="Cambria Math" panose="02040503050406030204" pitchFamily="18" charset="0"/>
-                  </a:rPr>
-                  <a:t>for</a:t>
-                </a:r>
-                <a:r>
-                  <a:rPr lang="nl-NL" sz="2400" dirty="0" smtClean="0">
-                    <a:latin typeface="Cambria Math" panose="02040503050406030204" pitchFamily="18" charset="0"/>
-                  </a:rPr>
-                  <a:t> term </a:t>
-                </a:r>
-                <a14:m>
-                  <m:oMath xmlns:m="http://schemas.openxmlformats.org/officeDocument/2006/math">
-                    <m:r>
-                      <a:rPr lang="nl-NL" sz="2400" i="1" dirty="0" smtClean="0">
-                        <a:latin typeface="Cambria Math" panose="02040503050406030204" pitchFamily="18" charset="0"/>
-                      </a:rPr>
-                      <m:t>𝑖</m:t>
-                    </m:r>
-                  </m:oMath>
-                </a14:m>
-                <a:r>
-                  <a:rPr lang="nl-NL" sz="2400" dirty="0" smtClean="0">
-                    <a:latin typeface="Cambria Math" panose="02040503050406030204" pitchFamily="18" charset="0"/>
-                  </a:rPr>
-                  <a:t> </a:t>
-                </a:r>
-                <a:r>
-                  <a:rPr lang="nl-NL" sz="2400" dirty="0" err="1" smtClean="0">
-                    <a:latin typeface="Cambria Math" panose="02040503050406030204" pitchFamily="18" charset="0"/>
-                  </a:rPr>
-                  <a:t>being</a:t>
-                </a:r>
-                <a:r>
-                  <a:rPr lang="nl-NL" sz="2400" dirty="0" smtClean="0">
-                    <a:latin typeface="Cambria Math" panose="02040503050406030204" pitchFamily="18" charset="0"/>
-                  </a:rPr>
-                  <a:t> in </a:t>
-                </a:r>
-                <a:r>
-                  <a:rPr lang="nl-NL" sz="2400" dirty="0" err="1" smtClean="0">
-                    <a:latin typeface="Cambria Math" panose="02040503050406030204" pitchFamily="18" charset="0"/>
-                  </a:rPr>
-                  <a:t>selected</a:t>
-                </a:r>
-                <a:r>
-                  <a:rPr lang="nl-NL" sz="2400" dirty="0" smtClean="0">
-                    <a:latin typeface="Cambria Math" panose="02040503050406030204" pitchFamily="18" charset="0"/>
-                  </a:rPr>
-                  <a:t> </a:t>
-                </a:r>
-                <a:r>
-                  <a:rPr lang="nl-NL" sz="2400" dirty="0" err="1" smtClean="0">
-                    <a:latin typeface="Cambria Math" panose="02040503050406030204" pitchFamily="18" charset="0"/>
-                  </a:rPr>
-                  <a:t>paragraph</a:t>
-                </a:r>
-                <a:endParaRPr lang="nl-NL" sz="2400" i="1" dirty="0" smtClean="0">
-                  <a:latin typeface="Cambria Math" panose="02040503050406030204" pitchFamily="18" charset="0"/>
-                </a:endParaRPr>
-              </a:p>
-              <a:p>
-                <a14:m>
-                  <m:oMath xmlns:m="http://schemas.openxmlformats.org/officeDocument/2006/math">
-                    <m:sSub>
-                      <m:sSubPr>
-                        <m:ctrlPr>
-                          <a:rPr lang="nl-NL" sz="2400" i="1" smtClean="0">
-                            <a:latin typeface="Cambria Math" panose="02040503050406030204" pitchFamily="18" charset="0"/>
-                          </a:rPr>
-                        </m:ctrlPr>
-                      </m:sSubPr>
-                      <m:e>
-                        <m:r>
-                          <a:rPr lang="nl-NL" sz="2400" i="1">
-                            <a:latin typeface="Cambria Math" panose="02040503050406030204" pitchFamily="18" charset="0"/>
-                          </a:rPr>
-                          <m:t>𝑆𝐶𝑆</m:t>
-                        </m:r>
-                      </m:e>
-                      <m:sub>
-                        <m:r>
-                          <a:rPr lang="nl-NL" sz="2400" i="1">
-                            <a:latin typeface="Cambria Math" panose="02040503050406030204" pitchFamily="18" charset="0"/>
-                          </a:rPr>
-                          <m:t>𝑖</m:t>
-                        </m:r>
-                      </m:sub>
-                    </m:sSub>
-                  </m:oMath>
-                </a14:m>
-                <a:r>
-                  <a:rPr lang="nl-NL" sz="2400" dirty="0" smtClean="0"/>
-                  <a:t> = </a:t>
-                </a:r>
-                <a:r>
-                  <a:rPr lang="nl-NL" sz="2400" dirty="0">
-                    <a:latin typeface="Cambria Math" panose="02040503050406030204" pitchFamily="18" charset="0"/>
-                  </a:rPr>
-                  <a:t>SCS score of term </a:t>
-                </a:r>
-                <a14:m>
-                  <m:oMath xmlns:m="http://schemas.openxmlformats.org/officeDocument/2006/math">
-                    <m:r>
-                      <a:rPr lang="nl-NL" sz="2400" i="1" dirty="0" smtClean="0">
-                        <a:latin typeface="Cambria Math" panose="02040503050406030204" pitchFamily="18" charset="0"/>
-                      </a:rPr>
-                      <m:t>𝑖</m:t>
-                    </m:r>
-                  </m:oMath>
-                </a14:m>
-                <a:r>
-                  <a:rPr lang="nl-NL" sz="2400" dirty="0" smtClean="0"/>
-                  <a:t> </a:t>
-                </a:r>
-                <a:r>
-                  <a:rPr lang="nl-NL" sz="2400" dirty="0" err="1">
-                    <a:latin typeface="Cambria Math" panose="02040503050406030204" pitchFamily="18" charset="0"/>
-                  </a:rPr>
-                  <a:t>with</a:t>
-                </a:r>
-                <a:r>
-                  <a:rPr lang="nl-NL" sz="2400" dirty="0">
-                    <a:latin typeface="Cambria Math" panose="02040503050406030204" pitchFamily="18" charset="0"/>
-                  </a:rPr>
-                  <a:t> respect </a:t>
-                </a:r>
-                <a:r>
-                  <a:rPr lang="nl-NL" sz="2400" dirty="0" err="1">
-                    <a:latin typeface="Cambria Math" panose="02040503050406030204" pitchFamily="18" charset="0"/>
-                  </a:rPr>
-                  <a:t>to</a:t>
-                </a:r>
-                <a:r>
-                  <a:rPr lang="nl-NL" sz="2400" dirty="0">
-                    <a:latin typeface="Cambria Math" panose="02040503050406030204" pitchFamily="18" charset="0"/>
-                  </a:rPr>
-                  <a:t> </a:t>
-                </a:r>
-                <a:r>
-                  <a:rPr lang="nl-NL" sz="2400" dirty="0" err="1">
-                    <a:latin typeface="Cambria Math" panose="02040503050406030204" pitchFamily="18" charset="0"/>
-                  </a:rPr>
-                  <a:t>selected</a:t>
-                </a:r>
-                <a:r>
-                  <a:rPr lang="nl-NL" sz="2400" dirty="0">
-                    <a:latin typeface="Cambria Math" panose="02040503050406030204" pitchFamily="18" charset="0"/>
-                  </a:rPr>
-                  <a:t> term(s)</a:t>
-                </a:r>
-                <a:endParaRPr lang="nl-NL" sz="2400" dirty="0">
-                  <a:latin typeface="Cambria Math" panose="02040503050406030204" pitchFamily="18" charset="0"/>
-                </a:endParaRPr>
-              </a:p>
-            </p:txBody>
-          </p:sp>
-        </mc:Choice>
-        <mc:Fallback>
-          <p:sp>
-            <p:nvSpPr>
-              <p:cNvPr id="7" name="Content Placeholder 6"/>
-              <p:cNvSpPr>
-                <a:spLocks noGrp="1" noRot="1" noChangeAspect="1" noMove="1" noResize="1" noEditPoints="1" noAdjustHandles="1" noChangeArrowheads="1" noChangeShapeType="1" noTextEdit="1"/>
-              </p:cNvSpPr>
-              <p:nvPr>
-                <p:ph idx="1"/>
-              </p:nvPr>
-            </p:nvSpPr>
-            <p:spPr>
-              <a:xfrm>
-                <a:off x="539462" y="1420091"/>
-                <a:ext cx="8065077" cy="3927764"/>
-              </a:xfrm>
-              <a:blipFill rotWithShape="0">
-                <a:blip r:embed="rId2"/>
-                <a:stretch>
-                  <a:fillRect l="-982"/>
-                </a:stretch>
-              </a:blipFill>
-            </p:spPr>
-            <p:txBody>
-              <a:bodyPr/>
-              <a:lstStyle/>
-              <a:p>
-                <a:r>
-                  <a:rPr lang="nl-NL">
-                    <a:noFill/>
-                  </a:rPr>
-                  <a:t> </a:t>
-                </a:r>
-              </a:p>
-            </p:txBody>
-          </p:sp>
-        </mc:Fallback>
-      </mc:AlternateContent>
-      <p:sp>
-        <p:nvSpPr>
-          <p:cNvPr id="8" name="TextBox 7"/>
-          <p:cNvSpPr txBox="1"/>
-          <p:nvPr/>
-        </p:nvSpPr>
-        <p:spPr>
-          <a:xfrm>
-            <a:off x="2635827" y="5583382"/>
-            <a:ext cx="3872346" cy="584775"/>
-          </a:xfrm>
-          <a:prstGeom prst="rect">
-            <a:avLst/>
-          </a:prstGeom>
-          <a:noFill/>
-        </p:spPr>
-        <p:txBody>
-          <a:bodyPr wrap="square" rtlCol="0">
-            <a:spAutoFit/>
-          </a:bodyPr>
-          <a:lstStyle/>
-          <a:p>
-            <a:pPr algn="ctr"/>
-            <a:r>
-              <a:rPr lang="nl-NL" sz="3200" dirty="0" smtClean="0"/>
-              <a:t>Returns </a:t>
-            </a:r>
-            <a:r>
-              <a:rPr lang="nl-NL" sz="3200" dirty="0" err="1" smtClean="0"/>
-              <a:t>one</a:t>
-            </a:r>
-            <a:r>
-              <a:rPr lang="nl-NL" sz="3200" dirty="0" smtClean="0"/>
-              <a:t> score</a:t>
-            </a:r>
-            <a:endParaRPr lang="nl-NL" sz="3200" dirty="0"/>
-          </a:p>
-        </p:txBody>
-      </p:sp>
-    </p:spTree>
-    <p:extLst>
-      <p:ext uri="{BB962C8B-B14F-4D97-AF65-F5344CB8AC3E}">
-        <p14:creationId xmlns:p14="http://schemas.microsoft.com/office/powerpoint/2010/main" val="3335866475"/>
-      </p:ext>
-    </p:extLst>
-  </p:cSld>
-  <p:clrMapOvr>
-    <a:masterClrMapping/>
-  </p:clrMapOvr>
-  <p:timing>
-    <p:tnLst>
-      <p:par>
-        <p:cTn id="1" dur="indefinite" restart="never" nodeType="tmRoot"/>
-      </p:par>
-    </p:tnLst>
-  </p:timing>
-</p:sld>
-</file>
-
-<file path=ppt/slides/slide6.xml><?xml version="1.0" encoding="utf-8"?>
-<p:sld xmlns:a="http://schemas.openxmlformats.org/drawingml/2006/main" xmlns:r="http://schemas.openxmlformats.org/officeDocument/2006/relationships" xmlns:p="http://schemas.openxmlformats.org/presentationml/2006/main">
-  <p:cSld>
-    <p:spTree>
-      <p:nvGrpSpPr>
-        <p:cNvPr id="1" name=""/>
-        <p:cNvGrpSpPr/>
-        <p:nvPr/>
-      </p:nvGrpSpPr>
-      <p:grpSpPr>
-        <a:xfrm>
-          <a:off x="0" y="0"/>
-          <a:ext cx="0" cy="0"/>
-          <a:chOff x="0" y="0"/>
-          <a:chExt cx="0" cy="0"/>
-        </a:xfrm>
-      </p:grpSpPr>
-      <p:sp>
-        <p:nvSpPr>
-          <p:cNvPr id="2" name="Title 1"/>
-          <p:cNvSpPr>
-            <a:spLocks noGrp="1"/>
-          </p:cNvSpPr>
-          <p:nvPr>
-            <p:ph type="title"/>
-          </p:nvPr>
-        </p:nvSpPr>
-        <p:spPr/>
-        <p:txBody>
-          <a:bodyPr/>
-          <a:lstStyle/>
-          <a:p>
-            <a:r>
-              <a:rPr lang="nl-NL" dirty="0" err="1" smtClean="0"/>
-              <a:t>Adding</a:t>
-            </a:r>
-            <a:r>
-              <a:rPr lang="nl-NL" dirty="0" smtClean="0"/>
-              <a:t> </a:t>
-            </a:r>
-            <a:r>
-              <a:rPr lang="nl-NL" dirty="0" err="1" smtClean="0"/>
-              <a:t>Diversity</a:t>
-            </a:r>
-            <a:endParaRPr lang="nl-NL" dirty="0"/>
-          </a:p>
-        </p:txBody>
-      </p:sp>
-      <p:sp>
-        <p:nvSpPr>
-          <p:cNvPr id="3" name="Content Placeholder 2"/>
-          <p:cNvSpPr>
-            <a:spLocks noGrp="1"/>
-          </p:cNvSpPr>
-          <p:nvPr>
-            <p:ph idx="1"/>
-          </p:nvPr>
-        </p:nvSpPr>
-        <p:spPr>
-          <a:xfrm>
-            <a:off x="628650" y="1513898"/>
-            <a:ext cx="4476750" cy="758248"/>
-          </a:xfrm>
-        </p:spPr>
-        <p:txBody>
-          <a:bodyPr/>
-          <a:lstStyle/>
-          <a:p>
-            <a:pPr marL="0" indent="0">
-              <a:buNone/>
-            </a:pPr>
-            <a:r>
-              <a:rPr lang="nl-NL" dirty="0" err="1" smtClean="0"/>
-              <a:t>Maximal</a:t>
-            </a:r>
-            <a:r>
-              <a:rPr lang="nl-NL" dirty="0" smtClean="0"/>
-              <a:t> </a:t>
-            </a:r>
-            <a:r>
-              <a:rPr lang="nl-NL" dirty="0" err="1" smtClean="0"/>
-              <a:t>Marginal</a:t>
-            </a:r>
-            <a:r>
-              <a:rPr lang="nl-NL" dirty="0" smtClean="0"/>
-              <a:t> </a:t>
-            </a:r>
-            <a:r>
-              <a:rPr lang="nl-NL" dirty="0" err="1" smtClean="0"/>
-              <a:t>Relevance</a:t>
-            </a:r>
-            <a:endParaRPr lang="nl-NL" dirty="0"/>
-          </a:p>
-        </p:txBody>
-      </p:sp>
-      <p:sp>
-        <p:nvSpPr>
-          <p:cNvPr id="4" name="TextBox 3"/>
-          <p:cNvSpPr txBox="1"/>
-          <p:nvPr/>
-        </p:nvSpPr>
-        <p:spPr>
-          <a:xfrm>
-            <a:off x="762000" y="2881745"/>
-            <a:ext cx="7239000" cy="369332"/>
-          </a:xfrm>
-          <a:prstGeom prst="rect">
-            <a:avLst/>
-          </a:prstGeom>
-          <a:noFill/>
-        </p:spPr>
-        <p:txBody>
-          <a:bodyPr wrap="square" rtlCol="0">
-            <a:spAutoFit/>
-          </a:bodyPr>
-          <a:lstStyle/>
-          <a:p>
-            <a:pPr algn="ctr"/>
-            <a:r>
-              <a:rPr lang="nl-NL" dirty="0" smtClean="0"/>
-              <a:t>Max </a:t>
-            </a:r>
-            <a:r>
-              <a:rPr lang="nl-NL" dirty="0" err="1" smtClean="0"/>
-              <a:t>Relevance</a:t>
-            </a:r>
-            <a:r>
-              <a:rPr lang="nl-NL" dirty="0" smtClean="0"/>
-              <a:t>                        </a:t>
-            </a:r>
-            <a:r>
-              <a:rPr lang="nl-NL" dirty="0" err="1" smtClean="0"/>
-              <a:t>vs</a:t>
-            </a:r>
-            <a:r>
-              <a:rPr lang="nl-NL" dirty="0" smtClean="0"/>
-              <a:t>                        </a:t>
-            </a:r>
-            <a:r>
-              <a:rPr lang="nl-NL" dirty="0" smtClean="0"/>
-              <a:t>Min </a:t>
-            </a:r>
-            <a:r>
-              <a:rPr lang="nl-NL" dirty="0" err="1" smtClean="0"/>
-              <a:t>Relevance</a:t>
+              <a:t>0,92</a:t>
             </a:r>
             <a:endParaRPr lang="nl-NL" dirty="0"/>
           </a:p>
@@ -6697,22 +5817,27 @@
       </p:sp>
       <p:pic>
         <p:nvPicPr>
-          <p:cNvPr id="5" name="Picture 4"/>
+          <p:cNvPr id="57" name="Afbeelding 32" descr="formula.pdf"/>
           <p:cNvPicPr>
             <a:picLocks noChangeAspect="1"/>
           </p:cNvPicPr>
           <p:nvPr/>
         </p:nvPicPr>
-        <p:blipFill>
-          <a:blip r:embed="rId2"/>
-          <a:stretch>
-            <a:fillRect/>
-          </a:stretch>
+        <p:blipFill rotWithShape="1">
+          <a:blip r:embed="rId2">
+            <a:extLst>
+              <a:ext uri="{28A0092B-C50C-407E-A947-70E740481C1C}">
+                <a14:useLocalDpi xmlns:a14="http://schemas.microsoft.com/office/drawing/2010/main" val="0"/>
+              </a:ext>
+            </a:extLst>
+          </a:blip>
+          <a:srcRect l="19824" t="8188" r="66721" b="87304"/>
+          <a:stretch/>
         </p:blipFill>
         <p:spPr>
           <a:xfrm>
-            <a:off x="905778" y="3530110"/>
-            <a:ext cx="3007302" cy="2843984"/>
+            <a:off x="4810194" y="5914576"/>
+            <a:ext cx="1505379" cy="652685"/>
           </a:xfrm>
           <a:prstGeom prst="rect">
             <a:avLst/>
@@ -6721,22 +5846,27 @@
       </p:pic>
       <p:pic>
         <p:nvPicPr>
-          <p:cNvPr id="6" name="Picture 5"/>
+          <p:cNvPr id="58" name="Afbeelding 33" descr="formula.pdf"/>
           <p:cNvPicPr>
             <a:picLocks noChangeAspect="1"/>
           </p:cNvPicPr>
           <p:nvPr/>
         </p:nvPicPr>
-        <p:blipFill>
-          <a:blip r:embed="rId3"/>
-          <a:stretch>
-            <a:fillRect/>
-          </a:stretch>
+        <p:blipFill rotWithShape="1">
+          <a:blip r:embed="rId2">
+            <a:extLst>
+              <a:ext uri="{28A0092B-C50C-407E-A947-70E740481C1C}">
+                <a14:useLocalDpi xmlns:a14="http://schemas.microsoft.com/office/drawing/2010/main" val="0"/>
+              </a:ext>
+            </a:extLst>
+          </a:blip>
+          <a:srcRect l="7538" t="8188" r="80448" b="87304"/>
+          <a:stretch/>
         </p:blipFill>
         <p:spPr>
           <a:xfrm>
-            <a:off x="4833624" y="3821493"/>
-            <a:ext cx="1895956" cy="1210108"/>
+            <a:off x="3377402" y="5914576"/>
+            <a:ext cx="1356432" cy="658658"/>
           </a:xfrm>
           <a:prstGeom prst="rect">
             <a:avLst/>
@@ -6745,204 +5875,96 @@
       </p:pic>
       <p:pic>
         <p:nvPicPr>
-          <p:cNvPr id="9" name="Picture 8"/>
+          <p:cNvPr id="59" name="Afbeelding 34" descr="formula.pdf"/>
           <p:cNvPicPr>
             <a:picLocks noChangeAspect="1"/>
           </p:cNvPicPr>
           <p:nvPr/>
         </p:nvPicPr>
-        <p:blipFill>
-          <a:blip r:embed="rId4"/>
-          <a:stretch>
-            <a:fillRect/>
-          </a:stretch>
+        <p:blipFill rotWithShape="1">
+          <a:blip r:embed="rId2">
+            <a:extLst>
+              <a:ext uri="{28A0092B-C50C-407E-A947-70E740481C1C}">
+                <a14:useLocalDpi xmlns:a14="http://schemas.microsoft.com/office/drawing/2010/main" val="0"/>
+              </a:ext>
+            </a:extLst>
+          </a:blip>
+          <a:srcRect l="33246" t="7933" r="59201" b="87559"/>
+          <a:stretch/>
         </p:blipFill>
         <p:spPr>
           <a:xfrm>
-            <a:off x="5105400" y="4798516"/>
-            <a:ext cx="1980687" cy="1009388"/>
+            <a:off x="6385324" y="5623455"/>
+            <a:ext cx="1433412" cy="1107014"/>
           </a:xfrm>
           <a:prstGeom prst="rect">
             <a:avLst/>
           </a:prstGeom>
         </p:spPr>
       </p:pic>
+      <p:cxnSp>
+        <p:nvCxnSpPr>
+          <p:cNvPr id="60" name="Rechte verbindingslijn 35"/>
+          <p:cNvCxnSpPr/>
+          <p:nvPr/>
+        </p:nvCxnSpPr>
+        <p:spPr>
+          <a:xfrm>
+            <a:off x="6407466" y="6608523"/>
+            <a:ext cx="1411270" cy="0"/>
+          </a:xfrm>
+          <a:prstGeom prst="line">
+            <a:avLst/>
+          </a:prstGeom>
+        </p:spPr>
+        <p:style>
+          <a:lnRef idx="3">
+            <a:schemeClr val="accent2"/>
+          </a:lnRef>
+          <a:fillRef idx="0">
+            <a:schemeClr val="accent2"/>
+          </a:fillRef>
+          <a:effectRef idx="2">
+            <a:schemeClr val="accent2"/>
+          </a:effectRef>
+          <a:fontRef idx="minor">
+            <a:schemeClr val="tx1"/>
+          </a:fontRef>
+        </p:style>
+      </p:cxnSp>
       <p:pic>
         <p:nvPicPr>
-          <p:cNvPr id="7" name="Picture 6"/>
+          <p:cNvPr id="61" name="Afbeelding 36" descr="formula.pdf"/>
           <p:cNvPicPr>
             <a:picLocks noChangeAspect="1"/>
           </p:cNvPicPr>
           <p:nvPr/>
         </p:nvPicPr>
-        <p:blipFill>
-          <a:blip r:embed="rId5"/>
-          <a:stretch>
-            <a:fillRect/>
-          </a:stretch>
+        <p:blipFill rotWithShape="1">
+          <a:blip r:embed="rId2">
+            <a:extLst>
+              <a:ext uri="{28A0092B-C50C-407E-A947-70E740481C1C}">
+                <a14:useLocalDpi xmlns:a14="http://schemas.microsoft.com/office/drawing/2010/main" val="0"/>
+              </a:ext>
+            </a:extLst>
+          </a:blip>
+          <a:srcRect l="40773" t="8188" r="52083" b="87304"/>
+          <a:stretch/>
         </p:blipFill>
         <p:spPr>
           <a:xfrm>
-            <a:off x="5923370" y="4722949"/>
-            <a:ext cx="2467497" cy="966160"/>
+            <a:off x="7947811" y="5914576"/>
+            <a:ext cx="799232" cy="652685"/>
           </a:xfrm>
           <a:prstGeom prst="rect">
             <a:avLst/>
           </a:prstGeom>
         </p:spPr>
       </p:pic>
-      <p:pic>
-        <p:nvPicPr>
-          <p:cNvPr id="8" name="Picture 7"/>
-          <p:cNvPicPr>
-            <a:picLocks noChangeAspect="1"/>
-          </p:cNvPicPr>
-          <p:nvPr/>
-        </p:nvPicPr>
-        <p:blipFill>
-          <a:blip r:embed="rId6"/>
-          <a:stretch>
-            <a:fillRect/>
-          </a:stretch>
-        </p:blipFill>
-        <p:spPr>
-          <a:xfrm>
-            <a:off x="6549737" y="3530110"/>
-            <a:ext cx="1728670" cy="1481717"/>
-          </a:xfrm>
-          <a:prstGeom prst="rect">
-            <a:avLst/>
-          </a:prstGeom>
-        </p:spPr>
-      </p:pic>
-      <p:sp>
-        <p:nvSpPr>
-          <p:cNvPr id="10" name="TextBox 9"/>
-          <p:cNvSpPr txBox="1"/>
-          <p:nvPr/>
-        </p:nvSpPr>
-        <p:spPr>
-          <a:xfrm>
-            <a:off x="968559" y="4184340"/>
-            <a:ext cx="2565991" cy="1077218"/>
-          </a:xfrm>
-          <a:prstGeom prst="rect">
-            <a:avLst/>
-          </a:prstGeom>
-          <a:noFill/>
-        </p:spPr>
-        <p:txBody>
-          <a:bodyPr wrap="square" rtlCol="0">
-            <a:spAutoFit/>
-          </a:bodyPr>
-          <a:lstStyle/>
-          <a:p>
-            <a:pPr algn="ctr"/>
-            <a:r>
-              <a:rPr lang="nl-NL" sz="3200" b="1" dirty="0" smtClean="0">
-                <a:ln w="19050">
-                  <a:solidFill>
-                    <a:schemeClr val="tx1"/>
-                  </a:solidFill>
-                </a:ln>
-                <a:solidFill>
-                  <a:schemeClr val="bg1"/>
-                </a:solidFill>
-              </a:rPr>
-              <a:t>Original document</a:t>
-            </a:r>
-            <a:endParaRPr lang="nl-NL" sz="3200" b="1" dirty="0">
-              <a:ln w="19050">
-                <a:solidFill>
-                  <a:schemeClr val="tx1"/>
-                </a:solidFill>
-              </a:ln>
-              <a:solidFill>
-                <a:schemeClr val="bg1"/>
-              </a:solidFill>
-            </a:endParaRPr>
-          </a:p>
-        </p:txBody>
-      </p:sp>
-      <p:sp>
-        <p:nvSpPr>
-          <p:cNvPr id="11" name="TextBox 10"/>
-          <p:cNvSpPr txBox="1"/>
-          <p:nvPr/>
-        </p:nvSpPr>
-        <p:spPr>
-          <a:xfrm>
-            <a:off x="5423547" y="4311766"/>
-            <a:ext cx="2565991" cy="584775"/>
-          </a:xfrm>
-          <a:prstGeom prst="rect">
-            <a:avLst/>
-          </a:prstGeom>
-          <a:noFill/>
-        </p:spPr>
-        <p:txBody>
-          <a:bodyPr wrap="square" rtlCol="0">
-            <a:spAutoFit/>
-          </a:bodyPr>
-          <a:lstStyle/>
-          <a:p>
-            <a:pPr algn="ctr"/>
-            <a:r>
-              <a:rPr lang="nl-NL" sz="3200" b="1" dirty="0" err="1" smtClean="0">
-                <a:ln w="19050">
-                  <a:solidFill>
-                    <a:schemeClr val="tx1"/>
-                  </a:solidFill>
-                </a:ln>
-                <a:solidFill>
-                  <a:schemeClr val="bg1"/>
-                </a:solidFill>
-              </a:rPr>
-              <a:t>Other</a:t>
-            </a:r>
-            <a:r>
-              <a:rPr lang="nl-NL" sz="3200" b="1" dirty="0" smtClean="0">
-                <a:ln w="19050">
-                  <a:solidFill>
-                    <a:schemeClr val="tx1"/>
-                  </a:solidFill>
-                </a:ln>
-                <a:solidFill>
-                  <a:schemeClr val="bg1"/>
-                </a:solidFill>
-              </a:rPr>
-              <a:t> </a:t>
-            </a:r>
-            <a:r>
-              <a:rPr lang="nl-NL" sz="3200" b="1" dirty="0" err="1" smtClean="0">
-                <a:ln w="19050">
-                  <a:solidFill>
-                    <a:schemeClr val="tx1"/>
-                  </a:solidFill>
-                </a:ln>
-                <a:solidFill>
-                  <a:schemeClr val="bg1"/>
-                </a:solidFill>
-              </a:rPr>
-              <a:t>results</a:t>
-            </a:r>
-            <a:endParaRPr lang="nl-NL" sz="3200" b="1" dirty="0">
-              <a:ln w="19050">
-                <a:solidFill>
-                  <a:schemeClr val="tx1"/>
-                </a:solidFill>
-              </a:ln>
-              <a:solidFill>
-                <a:schemeClr val="bg1"/>
-              </a:solidFill>
-            </a:endParaRPr>
-          </a:p>
-        </p:txBody>
-      </p:sp>
     </p:spTree>
     <p:extLst>
       <p:ext uri="{BB962C8B-B14F-4D97-AF65-F5344CB8AC3E}">
-        <p14:creationId xmlns:p14="http://schemas.microsoft.com/office/powerpoint/2010/main" val="1574409405"/>
+        <p14:creationId xmlns:p14="http://schemas.microsoft.com/office/powerpoint/2010/main" val="2653806678"/>
       </p:ext>
     </p:extLst>
   </p:cSld>
@@ -6962,7 +5984,7 @@
 <file path=ppt/theme/theme1.xml><?xml version="1.0" encoding="utf-8"?>
 <a:theme xmlns:a="http://schemas.openxmlformats.org/drawingml/2006/main" name="Office Theme">
   <a:themeElements>
-    <a:clrScheme name="Office Theme">
+    <a:clrScheme name="Office">
       <a:dk1>
         <a:sysClr val="windowText" lastClr="000000"/>
       </a:dk1>
@@ -7000,7 +6022,7 @@
         <a:srgbClr val="954F72"/>
       </a:folHlink>
     </a:clrScheme>
-    <a:fontScheme name="Office Theme">
+    <a:fontScheme name="Office">
       <a:majorFont>
         <a:latin typeface="Calibri Light" panose="020F0302020204030204"/>
         <a:ea typeface=""/>
@@ -7072,7 +6094,7 @@
         <a:font script="Geor" typeface="Sylfaen"/>
       </a:minorFont>
     </a:fontScheme>
-    <a:fmtScheme name="Office Theme">
+    <a:fmtScheme name="Office">
       <a:fillStyleLst>
         <a:solidFill>
           <a:schemeClr val="phClr"/>
